--- a/rules/Rules.pptx
+++ b/rules/Rules.pptx
@@ -8,6 +8,8 @@
   <p:sldIdLst>
     <p:sldId id="258" r:id="rId3"/>
     <p:sldId id="257" r:id="rId4"/>
+    <p:sldId id="259" r:id="rId5"/>
+    <p:sldId id="260" r:id="rId6"/>
   </p:sldIdLst>
   <p:sldSz cx="12192000" cy="6858000"/>
   <p:notesSz cx="6858000" cy="9144000"/>
@@ -106,6 +108,11 @@
       </a:defRPr>
     </a:lvl9pPr>
   </p:defaultTextStyle>
+  <p:extLst>
+    <p:ext uri="{EFAFB233-063F-42B5-8137-9DF3F51BA10A}">
+      <p15:sldGuideLst xmlns:p15="http://schemas.microsoft.com/office/powerpoint/2012/main"/>
+    </p:ext>
+  </p:extLst>
 </p:presentation>
 </file>
 
@@ -240,7 +247,7 @@
           <a:p>
             <a:fld id="{F5EE77D2-A7A0-440A-9FFE-8D75038282A9}" type="datetimeFigureOut">
               <a:rPr lang="en-GB" smtClean="0"/>
-              <a:t>11/12/2020</a:t>
+              <a:t>12/12/2020</a:t>
             </a:fld>
             <a:endParaRPr lang="en-GB"/>
           </a:p>
@@ -410,7 +417,7 @@
           <a:p>
             <a:fld id="{F5EE77D2-A7A0-440A-9FFE-8D75038282A9}" type="datetimeFigureOut">
               <a:rPr lang="en-GB" smtClean="0"/>
-              <a:t>11/12/2020</a:t>
+              <a:t>12/12/2020</a:t>
             </a:fld>
             <a:endParaRPr lang="en-GB"/>
           </a:p>
@@ -590,7 +597,7 @@
           <a:p>
             <a:fld id="{F5EE77D2-A7A0-440A-9FFE-8D75038282A9}" type="datetimeFigureOut">
               <a:rPr lang="en-GB" smtClean="0"/>
-              <a:t>11/12/2020</a:t>
+              <a:t>12/12/2020</a:t>
             </a:fld>
             <a:endParaRPr lang="en-GB"/>
           </a:p>
@@ -701,7 +708,7 @@
           <a:noFill/>
           <a:extLst>
             <a:ext uri="{909E8E84-426E-40dd-AFC4-6F175D3DCCD1}">
-              <a14:hiddenFill xmlns:a14="http://schemas.microsoft.com/office/drawing/2010/main" xmlns="">
+              <a14:hiddenFill xmlns="" xmlns:a14="http://schemas.microsoft.com/office/drawing/2010/main">
                 <a:solidFill>
                   <a:srgbClr val="FFFFFF"/>
                 </a:solidFill>
@@ -761,7 +768,7 @@
             </a:ln>
             <a:extLst>
               <a:ext uri="{91240B29-F687-4f45-9708-019B960494DF}">
-                <a14:hiddenLine xmlns:a14="http://schemas.microsoft.com/office/drawing/2010/main" xmlns="" w="9525">
+                <a14:hiddenLine xmlns="" xmlns:a14="http://schemas.microsoft.com/office/drawing/2010/main" w="9525">
                   <a:solidFill>
                     <a:srgbClr val="000000"/>
                   </a:solidFill>
@@ -851,7 +858,7 @@
             </a:ln>
             <a:extLst>
               <a:ext uri="{91240B29-F687-4f45-9708-019B960494DF}">
-                <a14:hiddenLine xmlns:a14="http://schemas.microsoft.com/office/drawing/2010/main" xmlns="" w="9525">
+                <a14:hiddenLine xmlns="" xmlns:a14="http://schemas.microsoft.com/office/drawing/2010/main" w="9525">
                   <a:solidFill>
                     <a:srgbClr val="000000"/>
                   </a:solidFill>
@@ -941,7 +948,7 @@
             </a:ln>
             <a:extLst>
               <a:ext uri="{91240B29-F687-4f45-9708-019B960494DF}">
-                <a14:hiddenLine xmlns:a14="http://schemas.microsoft.com/office/drawing/2010/main" xmlns="" w="9525">
+                <a14:hiddenLine xmlns="" xmlns:a14="http://schemas.microsoft.com/office/drawing/2010/main" w="9525">
                   <a:solidFill>
                     <a:srgbClr val="000000"/>
                   </a:solidFill>
@@ -975,7 +982,7 @@
             </a:ln>
             <a:extLst>
               <a:ext uri="{91240B29-F687-4f45-9708-019B960494DF}">
-                <a14:hiddenLine xmlns:a14="http://schemas.microsoft.com/office/drawing/2010/main" xmlns="" w="9525">
+                <a14:hiddenLine xmlns="" xmlns:a14="http://schemas.microsoft.com/office/drawing/2010/main" w="9525">
                   <a:solidFill>
                     <a:srgbClr val="000000"/>
                   </a:solidFill>
@@ -1065,7 +1072,7 @@
             </a:ln>
             <a:extLst>
               <a:ext uri="{91240B29-F687-4f45-9708-019B960494DF}">
-                <a14:hiddenLine xmlns:a14="http://schemas.microsoft.com/office/drawing/2010/main" xmlns="" w="9525">
+                <a14:hiddenLine xmlns="" xmlns:a14="http://schemas.microsoft.com/office/drawing/2010/main" w="9525">
                   <a:solidFill>
                     <a:srgbClr val="000000"/>
                   </a:solidFill>
@@ -1127,7 +1134,7 @@
             </a:ln>
             <a:extLst>
               <a:ext uri="{91240B29-F687-4f45-9708-019B960494DF}">
-                <a14:hiddenLine xmlns:a14="http://schemas.microsoft.com/office/drawing/2010/main" xmlns="" w="9525">
+                <a14:hiddenLine xmlns="" xmlns:a14="http://schemas.microsoft.com/office/drawing/2010/main" w="9525">
                   <a:solidFill>
                     <a:srgbClr val="000000"/>
                   </a:solidFill>
@@ -1189,7 +1196,7 @@
             </a:ln>
             <a:extLst>
               <a:ext uri="{91240B29-F687-4f45-9708-019B960494DF}">
-                <a14:hiddenLine xmlns:a14="http://schemas.microsoft.com/office/drawing/2010/main" xmlns="" w="9525">
+                <a14:hiddenLine xmlns="" xmlns:a14="http://schemas.microsoft.com/office/drawing/2010/main" w="9525">
                   <a:solidFill>
                     <a:srgbClr val="000000"/>
                   </a:solidFill>
@@ -1279,7 +1286,7 @@
             </a:ln>
             <a:extLst>
               <a:ext uri="{91240B29-F687-4f45-9708-019B960494DF}">
-                <a14:hiddenLine xmlns:a14="http://schemas.microsoft.com/office/drawing/2010/main" xmlns="" w="9525">
+                <a14:hiddenLine xmlns="" xmlns:a14="http://schemas.microsoft.com/office/drawing/2010/main" w="9525">
                   <a:solidFill>
                     <a:srgbClr val="000000"/>
                   </a:solidFill>
@@ -1341,7 +1348,7 @@
             </a:ln>
             <a:extLst>
               <a:ext uri="{91240B29-F687-4f45-9708-019B960494DF}">
-                <a14:hiddenLine xmlns:a14="http://schemas.microsoft.com/office/drawing/2010/main" xmlns="" w="9525">
+                <a14:hiddenLine xmlns="" xmlns:a14="http://schemas.microsoft.com/office/drawing/2010/main" w="9525">
                   <a:solidFill>
                     <a:srgbClr val="000000"/>
                   </a:solidFill>
@@ -1403,7 +1410,7 @@
             </a:ln>
             <a:extLst>
               <a:ext uri="{91240B29-F687-4f45-9708-019B960494DF}">
-                <a14:hiddenLine xmlns:a14="http://schemas.microsoft.com/office/drawing/2010/main" xmlns="" w="9525">
+                <a14:hiddenLine xmlns="" xmlns:a14="http://schemas.microsoft.com/office/drawing/2010/main" w="9525">
                   <a:solidFill>
                     <a:srgbClr val="000000"/>
                   </a:solidFill>
@@ -1493,7 +1500,7 @@
             </a:ln>
             <a:extLst>
               <a:ext uri="{91240B29-F687-4f45-9708-019B960494DF}">
-                <a14:hiddenLine xmlns:a14="http://schemas.microsoft.com/office/drawing/2010/main" xmlns="" w="9525">
+                <a14:hiddenLine xmlns="" xmlns:a14="http://schemas.microsoft.com/office/drawing/2010/main" w="9525">
                   <a:solidFill>
                     <a:srgbClr val="000000"/>
                   </a:solidFill>
@@ -1583,7 +1590,7 @@
             </a:ln>
             <a:extLst>
               <a:ext uri="{91240B29-F687-4f45-9708-019B960494DF}">
-                <a14:hiddenLine xmlns:a14="http://schemas.microsoft.com/office/drawing/2010/main" xmlns="" w="9525">
+                <a14:hiddenLine xmlns="" xmlns:a14="http://schemas.microsoft.com/office/drawing/2010/main" w="9525">
                   <a:solidFill>
                     <a:srgbClr val="000000"/>
                   </a:solidFill>
@@ -1645,7 +1652,7 @@
             </a:ln>
             <a:extLst>
               <a:ext uri="{91240B29-F687-4f45-9708-019B960494DF}">
-                <a14:hiddenLine xmlns:a14="http://schemas.microsoft.com/office/drawing/2010/main" xmlns="" w="9525">
+                <a14:hiddenLine xmlns="" xmlns:a14="http://schemas.microsoft.com/office/drawing/2010/main" w="9525">
                   <a:solidFill>
                     <a:srgbClr val="000000"/>
                   </a:solidFill>
@@ -1755,7 +1762,7 @@
             </a:ln>
             <a:extLst>
               <a:ext uri="{91240B29-F687-4f45-9708-019B960494DF}">
-                <a14:hiddenLine xmlns:a14="http://schemas.microsoft.com/office/drawing/2010/main" xmlns="" w="9525">
+                <a14:hiddenLine xmlns="" xmlns:a14="http://schemas.microsoft.com/office/drawing/2010/main" w="9525">
                   <a:solidFill>
                     <a:srgbClr val="000000"/>
                   </a:solidFill>
@@ -1817,7 +1824,7 @@
             </a:ln>
             <a:extLst>
               <a:ext uri="{91240B29-F687-4f45-9708-019B960494DF}">
-                <a14:hiddenLine xmlns:a14="http://schemas.microsoft.com/office/drawing/2010/main" xmlns="" w="9525">
+                <a14:hiddenLine xmlns="" xmlns:a14="http://schemas.microsoft.com/office/drawing/2010/main" w="9525">
                   <a:solidFill>
                     <a:srgbClr val="000000"/>
                   </a:solidFill>
@@ -1907,7 +1914,7 @@
             </a:ln>
             <a:extLst>
               <a:ext uri="{91240B29-F687-4f45-9708-019B960494DF}">
-                <a14:hiddenLine xmlns:a14="http://schemas.microsoft.com/office/drawing/2010/main" xmlns="" w="9525">
+                <a14:hiddenLine xmlns="" xmlns:a14="http://schemas.microsoft.com/office/drawing/2010/main" w="9525">
                   <a:solidFill>
                     <a:srgbClr val="000000"/>
                   </a:solidFill>
@@ -1997,7 +2004,7 @@
             </a:ln>
             <a:extLst>
               <a:ext uri="{91240B29-F687-4f45-9708-019B960494DF}">
-                <a14:hiddenLine xmlns:a14="http://schemas.microsoft.com/office/drawing/2010/main" xmlns="" w="9525">
+                <a14:hiddenLine xmlns="" xmlns:a14="http://schemas.microsoft.com/office/drawing/2010/main" w="9525">
                   <a:solidFill>
                     <a:srgbClr val="000000"/>
                   </a:solidFill>
@@ -2059,7 +2066,7 @@
             </a:ln>
             <a:extLst>
               <a:ext uri="{91240B29-F687-4f45-9708-019B960494DF}">
-                <a14:hiddenLine xmlns:a14="http://schemas.microsoft.com/office/drawing/2010/main" xmlns="" w="9525">
+                <a14:hiddenLine xmlns="" xmlns:a14="http://schemas.microsoft.com/office/drawing/2010/main" w="9525">
                   <a:solidFill>
                     <a:srgbClr val="000000"/>
                   </a:solidFill>
@@ -2149,7 +2156,7 @@
             </a:ln>
             <a:extLst>
               <a:ext uri="{91240B29-F687-4f45-9708-019B960494DF}">
-                <a14:hiddenLine xmlns:a14="http://schemas.microsoft.com/office/drawing/2010/main" xmlns="" w="9525">
+                <a14:hiddenLine xmlns="" xmlns:a14="http://schemas.microsoft.com/office/drawing/2010/main" w="9525">
                   <a:solidFill>
                     <a:srgbClr val="000000"/>
                   </a:solidFill>
@@ -2239,7 +2246,7 @@
             </a:ln>
             <a:extLst>
               <a:ext uri="{91240B29-F687-4f45-9708-019B960494DF}">
-                <a14:hiddenLine xmlns:a14="http://schemas.microsoft.com/office/drawing/2010/main" xmlns="" w="9525">
+                <a14:hiddenLine xmlns="" xmlns:a14="http://schemas.microsoft.com/office/drawing/2010/main" w="9525">
                   <a:solidFill>
                     <a:srgbClr val="000000"/>
                   </a:solidFill>
@@ -2295,7 +2302,7 @@
             </a:ln>
             <a:extLst>
               <a:ext uri="{91240B29-F687-4f45-9708-019B960494DF}">
-                <a14:hiddenLine xmlns:a14="http://schemas.microsoft.com/office/drawing/2010/main" xmlns="" w="9525">
+                <a14:hiddenLine xmlns="" xmlns:a14="http://schemas.microsoft.com/office/drawing/2010/main" w="9525">
                   <a:solidFill>
                     <a:srgbClr val="000000"/>
                   </a:solidFill>
@@ -2385,7 +2392,7 @@
             </a:ln>
             <a:extLst>
               <a:ext uri="{91240B29-F687-4f45-9708-019B960494DF}">
-                <a14:hiddenLine xmlns:a14="http://schemas.microsoft.com/office/drawing/2010/main" xmlns="" w="9525">
+                <a14:hiddenLine xmlns="" xmlns:a14="http://schemas.microsoft.com/office/drawing/2010/main" w="9525">
                   <a:solidFill>
                     <a:srgbClr val="000000"/>
                   </a:solidFill>
@@ -2441,7 +2448,7 @@
             </a:ln>
             <a:extLst>
               <a:ext uri="{91240B29-F687-4f45-9708-019B960494DF}">
-                <a14:hiddenLine xmlns:a14="http://schemas.microsoft.com/office/drawing/2010/main" xmlns="" w="9525">
+                <a14:hiddenLine xmlns="" xmlns:a14="http://schemas.microsoft.com/office/drawing/2010/main" w="9525">
                   <a:solidFill>
                     <a:srgbClr val="000000"/>
                   </a:solidFill>
@@ -2531,7 +2538,7 @@
             </a:ln>
             <a:extLst>
               <a:ext uri="{91240B29-F687-4f45-9708-019B960494DF}">
-                <a14:hiddenLine xmlns:a14="http://schemas.microsoft.com/office/drawing/2010/main" xmlns="" w="9525">
+                <a14:hiddenLine xmlns="" xmlns:a14="http://schemas.microsoft.com/office/drawing/2010/main" w="9525">
                   <a:solidFill>
                     <a:srgbClr val="000000"/>
                   </a:solidFill>
@@ -2599,7 +2606,7 @@
             </a:ln>
             <a:extLst>
               <a:ext uri="{91240B29-F687-4f45-9708-019B960494DF}">
-                <a14:hiddenLine xmlns:a14="http://schemas.microsoft.com/office/drawing/2010/main" xmlns="" w="9525">
+                <a14:hiddenLine xmlns="" xmlns:a14="http://schemas.microsoft.com/office/drawing/2010/main" w="9525">
                   <a:solidFill>
                     <a:srgbClr val="000000"/>
                   </a:solidFill>
@@ -2689,7 +2696,7 @@
             </a:ln>
             <a:extLst>
               <a:ext uri="{91240B29-F687-4f45-9708-019B960494DF}">
-                <a14:hiddenLine xmlns:a14="http://schemas.microsoft.com/office/drawing/2010/main" xmlns="" w="9525">
+                <a14:hiddenLine xmlns="" xmlns:a14="http://schemas.microsoft.com/office/drawing/2010/main" w="9525">
                   <a:solidFill>
                     <a:srgbClr val="000000"/>
                   </a:solidFill>
@@ -2757,7 +2764,7 @@
             </a:ln>
             <a:extLst>
               <a:ext uri="{91240B29-F687-4f45-9708-019B960494DF}">
-                <a14:hiddenLine xmlns:a14="http://schemas.microsoft.com/office/drawing/2010/main" xmlns="" w="9525">
+                <a14:hiddenLine xmlns="" xmlns:a14="http://schemas.microsoft.com/office/drawing/2010/main" w="9525">
                   <a:solidFill>
                     <a:srgbClr val="000000"/>
                   </a:solidFill>
@@ -2847,7 +2854,7 @@
             </a:ln>
             <a:extLst>
               <a:ext uri="{91240B29-F687-4f45-9708-019B960494DF}">
-                <a14:hiddenLine xmlns:a14="http://schemas.microsoft.com/office/drawing/2010/main" xmlns="" w="9525">
+                <a14:hiddenLine xmlns="" xmlns:a14="http://schemas.microsoft.com/office/drawing/2010/main" w="9525">
                   <a:solidFill>
                     <a:srgbClr val="000000"/>
                   </a:solidFill>
@@ -2881,7 +2888,7 @@
             </a:ln>
             <a:extLst>
               <a:ext uri="{91240B29-F687-4f45-9708-019B960494DF}">
-                <a14:hiddenLine xmlns:a14="http://schemas.microsoft.com/office/drawing/2010/main" xmlns="" w="9525">
+                <a14:hiddenLine xmlns="" xmlns:a14="http://schemas.microsoft.com/office/drawing/2010/main" w="9525">
                   <a:solidFill>
                     <a:srgbClr val="000000"/>
                   </a:solidFill>
@@ -2971,7 +2978,7 @@
             </a:ln>
             <a:extLst>
               <a:ext uri="{91240B29-F687-4f45-9708-019B960494DF}">
-                <a14:hiddenLine xmlns:a14="http://schemas.microsoft.com/office/drawing/2010/main" xmlns="" w="9525">
+                <a14:hiddenLine xmlns="" xmlns:a14="http://schemas.microsoft.com/office/drawing/2010/main" w="9525">
                   <a:solidFill>
                     <a:srgbClr val="000000"/>
                   </a:solidFill>
@@ -3033,7 +3040,7 @@
             </a:ln>
             <a:extLst>
               <a:ext uri="{91240B29-F687-4f45-9708-019B960494DF}">
-                <a14:hiddenLine xmlns:a14="http://schemas.microsoft.com/office/drawing/2010/main" xmlns="" w="9525">
+                <a14:hiddenLine xmlns="" xmlns:a14="http://schemas.microsoft.com/office/drawing/2010/main" w="9525">
                   <a:solidFill>
                     <a:srgbClr val="000000"/>
                   </a:solidFill>
@@ -3095,7 +3102,7 @@
             </a:ln>
             <a:extLst>
               <a:ext uri="{91240B29-F687-4f45-9708-019B960494DF}">
-                <a14:hiddenLine xmlns:a14="http://schemas.microsoft.com/office/drawing/2010/main" xmlns="" w="9525">
+                <a14:hiddenLine xmlns="" xmlns:a14="http://schemas.microsoft.com/office/drawing/2010/main" w="9525">
                   <a:solidFill>
                     <a:srgbClr val="000000"/>
                   </a:solidFill>
@@ -3185,7 +3192,7 @@
             </a:ln>
             <a:extLst>
               <a:ext uri="{91240B29-F687-4f45-9708-019B960494DF}">
-                <a14:hiddenLine xmlns:a14="http://schemas.microsoft.com/office/drawing/2010/main" xmlns="" w="9525">
+                <a14:hiddenLine xmlns="" xmlns:a14="http://schemas.microsoft.com/office/drawing/2010/main" w="9525">
                   <a:solidFill>
                     <a:srgbClr val="000000"/>
                   </a:solidFill>
@@ -3253,7 +3260,7 @@
             </a:ln>
             <a:extLst>
               <a:ext uri="{91240B29-F687-4f45-9708-019B960494DF}">
-                <a14:hiddenLine xmlns:a14="http://schemas.microsoft.com/office/drawing/2010/main" xmlns="" w="9525">
+                <a14:hiddenLine xmlns="" xmlns:a14="http://schemas.microsoft.com/office/drawing/2010/main" w="9525">
                   <a:solidFill>
                     <a:srgbClr val="000000"/>
                   </a:solidFill>
@@ -3315,7 +3322,7 @@
             </a:ln>
             <a:extLst>
               <a:ext uri="{91240B29-F687-4f45-9708-019B960494DF}">
-                <a14:hiddenLine xmlns:a14="http://schemas.microsoft.com/office/drawing/2010/main" xmlns="" w="9525">
+                <a14:hiddenLine xmlns="" xmlns:a14="http://schemas.microsoft.com/office/drawing/2010/main" w="9525">
                   <a:solidFill>
                     <a:srgbClr val="000000"/>
                   </a:solidFill>
@@ -3405,7 +3412,7 @@
             </a:ln>
             <a:extLst>
               <a:ext uri="{91240B29-F687-4f45-9708-019B960494DF}">
-                <a14:hiddenLine xmlns:a14="http://schemas.microsoft.com/office/drawing/2010/main" xmlns="" w="9525">
+                <a14:hiddenLine xmlns="" xmlns:a14="http://schemas.microsoft.com/office/drawing/2010/main" w="9525">
                   <a:solidFill>
                     <a:srgbClr val="000000"/>
                   </a:solidFill>
@@ -3467,7 +3474,7 @@
             </a:ln>
             <a:extLst>
               <a:ext uri="{91240B29-F687-4f45-9708-019B960494DF}">
-                <a14:hiddenLine xmlns:a14="http://schemas.microsoft.com/office/drawing/2010/main" xmlns="" w="9525">
+                <a14:hiddenLine xmlns="" xmlns:a14="http://schemas.microsoft.com/office/drawing/2010/main" w="9525">
                   <a:solidFill>
                     <a:srgbClr val="000000"/>
                   </a:solidFill>
@@ -3557,7 +3564,7 @@
             </a:ln>
             <a:extLst>
               <a:ext uri="{91240B29-F687-4f45-9708-019B960494DF}">
-                <a14:hiddenLine xmlns:a14="http://schemas.microsoft.com/office/drawing/2010/main" xmlns="" w="9525">
+                <a14:hiddenLine xmlns="" xmlns:a14="http://schemas.microsoft.com/office/drawing/2010/main" w="9525">
                   <a:solidFill>
                     <a:srgbClr val="000000"/>
                   </a:solidFill>
@@ -3619,7 +3626,7 @@
             </a:ln>
             <a:extLst>
               <a:ext uri="{91240B29-F687-4f45-9708-019B960494DF}">
-                <a14:hiddenLine xmlns:a14="http://schemas.microsoft.com/office/drawing/2010/main" xmlns="" w="9525">
+                <a14:hiddenLine xmlns="" xmlns:a14="http://schemas.microsoft.com/office/drawing/2010/main" w="9525">
                   <a:solidFill>
                     <a:srgbClr val="000000"/>
                   </a:solidFill>
@@ -3709,7 +3716,7 @@
             </a:ln>
             <a:extLst>
               <a:ext uri="{91240B29-F687-4f45-9708-019B960494DF}">
-                <a14:hiddenLine xmlns:a14="http://schemas.microsoft.com/office/drawing/2010/main" xmlns="" w="9525">
+                <a14:hiddenLine xmlns="" xmlns:a14="http://schemas.microsoft.com/office/drawing/2010/main" w="9525">
                   <a:solidFill>
                     <a:srgbClr val="000000"/>
                   </a:solidFill>
@@ -3743,7 +3750,7 @@
             </a:ln>
             <a:extLst>
               <a:ext uri="{91240B29-F687-4f45-9708-019B960494DF}">
-                <a14:hiddenLine xmlns:a14="http://schemas.microsoft.com/office/drawing/2010/main" xmlns="" w="9525">
+                <a14:hiddenLine xmlns="" xmlns:a14="http://schemas.microsoft.com/office/drawing/2010/main" w="9525">
                   <a:solidFill>
                     <a:srgbClr val="000000"/>
                   </a:solidFill>
@@ -3808,7 +3815,7 @@
             </a:ln>
             <a:extLst>
               <a:ext uri="{91240B29-F687-4f45-9708-019B960494DF}">
-                <a14:hiddenLine xmlns:a14="http://schemas.microsoft.com/office/drawing/2010/main" xmlns="" w="9525">
+                <a14:hiddenLine xmlns="" xmlns:a14="http://schemas.microsoft.com/office/drawing/2010/main" w="9525">
                   <a:solidFill>
                     <a:srgbClr val="000000"/>
                   </a:solidFill>
@@ -3898,7 +3905,7 @@
             </a:ln>
             <a:extLst>
               <a:ext uri="{91240B29-F687-4f45-9708-019B960494DF}">
-                <a14:hiddenLine xmlns:a14="http://schemas.microsoft.com/office/drawing/2010/main" xmlns="" w="9525">
+                <a14:hiddenLine xmlns="" xmlns:a14="http://schemas.microsoft.com/office/drawing/2010/main" w="9525">
                   <a:solidFill>
                     <a:srgbClr val="000000"/>
                   </a:solidFill>
@@ -3960,7 +3967,7 @@
             </a:ln>
             <a:extLst>
               <a:ext uri="{91240B29-F687-4f45-9708-019B960494DF}">
-                <a14:hiddenLine xmlns:a14="http://schemas.microsoft.com/office/drawing/2010/main" xmlns="" w="9525">
+                <a14:hiddenLine xmlns="" xmlns:a14="http://schemas.microsoft.com/office/drawing/2010/main" w="9525">
                   <a:solidFill>
                     <a:srgbClr val="000000"/>
                   </a:solidFill>
@@ -4050,7 +4057,7 @@
             </a:ln>
             <a:extLst>
               <a:ext uri="{91240B29-F687-4f45-9708-019B960494DF}">
-                <a14:hiddenLine xmlns:a14="http://schemas.microsoft.com/office/drawing/2010/main" xmlns="" w="9525">
+                <a14:hiddenLine xmlns="" xmlns:a14="http://schemas.microsoft.com/office/drawing/2010/main" w="9525">
                   <a:solidFill>
                     <a:srgbClr val="000000"/>
                   </a:solidFill>
@@ -4140,7 +4147,7 @@
             </a:ln>
             <a:extLst>
               <a:ext uri="{91240B29-F687-4f45-9708-019B960494DF}">
-                <a14:hiddenLine xmlns:a14="http://schemas.microsoft.com/office/drawing/2010/main" xmlns="" w="9525">
+                <a14:hiddenLine xmlns="" xmlns:a14="http://schemas.microsoft.com/office/drawing/2010/main" w="9525">
                   <a:solidFill>
                     <a:srgbClr val="000000"/>
                   </a:solidFill>
@@ -4205,7 +4212,7 @@
             </a:ln>
             <a:extLst>
               <a:ext uri="{91240B29-F687-4f45-9708-019B960494DF}">
-                <a14:hiddenLine xmlns:a14="http://schemas.microsoft.com/office/drawing/2010/main" xmlns="" w="9525">
+                <a14:hiddenLine xmlns="" xmlns:a14="http://schemas.microsoft.com/office/drawing/2010/main" w="9525">
                   <a:solidFill>
                     <a:srgbClr val="000000"/>
                   </a:solidFill>
@@ -4267,7 +4274,7 @@
             </a:ln>
             <a:extLst>
               <a:ext uri="{91240B29-F687-4f45-9708-019B960494DF}">
-                <a14:hiddenLine xmlns:a14="http://schemas.microsoft.com/office/drawing/2010/main" xmlns="" w="9525">
+                <a14:hiddenLine xmlns="" xmlns:a14="http://schemas.microsoft.com/office/drawing/2010/main" w="9525">
                   <a:solidFill>
                     <a:srgbClr val="000000"/>
                   </a:solidFill>
@@ -4357,7 +4364,7 @@
             </a:ln>
             <a:extLst>
               <a:ext uri="{91240B29-F687-4f45-9708-019B960494DF}">
-                <a14:hiddenLine xmlns:a14="http://schemas.microsoft.com/office/drawing/2010/main" xmlns="" w="9525">
+                <a14:hiddenLine xmlns="" xmlns:a14="http://schemas.microsoft.com/office/drawing/2010/main" w="9525">
                   <a:solidFill>
                     <a:srgbClr val="000000"/>
                   </a:solidFill>
@@ -4447,7 +4454,7 @@
             </a:ln>
             <a:extLst>
               <a:ext uri="{91240B29-F687-4f45-9708-019B960494DF}">
-                <a14:hiddenLine xmlns:a14="http://schemas.microsoft.com/office/drawing/2010/main" xmlns="" w="9525">
+                <a14:hiddenLine xmlns="" xmlns:a14="http://schemas.microsoft.com/office/drawing/2010/main" w="9525">
                   <a:solidFill>
                     <a:srgbClr val="000000"/>
                   </a:solidFill>
@@ -4509,7 +4516,7 @@
             </a:ln>
             <a:extLst>
               <a:ext uri="{91240B29-F687-4f45-9708-019B960494DF}">
-                <a14:hiddenLine xmlns:a14="http://schemas.microsoft.com/office/drawing/2010/main" xmlns="" w="9525">
+                <a14:hiddenLine xmlns="" xmlns:a14="http://schemas.microsoft.com/office/drawing/2010/main" w="9525">
                   <a:solidFill>
                     <a:srgbClr val="000000"/>
                   </a:solidFill>
@@ -4629,7 +4636,7 @@
             </a:ln>
             <a:extLst>
               <a:ext uri="{91240B29-F687-4f45-9708-019B960494DF}">
-                <a14:hiddenLine xmlns:a14="http://schemas.microsoft.com/office/drawing/2010/main" xmlns="" w="9525">
+                <a14:hiddenLine xmlns="" xmlns:a14="http://schemas.microsoft.com/office/drawing/2010/main" w="9525">
                   <a:solidFill>
                     <a:srgbClr val="000000"/>
                   </a:solidFill>
@@ -4697,7 +4704,7 @@
             </a:ln>
             <a:extLst>
               <a:ext uri="{91240B29-F687-4f45-9708-019B960494DF}">
-                <a14:hiddenLine xmlns:a14="http://schemas.microsoft.com/office/drawing/2010/main" xmlns="" w="9525">
+                <a14:hiddenLine xmlns="" xmlns:a14="http://schemas.microsoft.com/office/drawing/2010/main" w="9525">
                   <a:solidFill>
                     <a:srgbClr val="000000"/>
                   </a:solidFill>
@@ -4787,7 +4794,7 @@
             </a:ln>
             <a:extLst>
               <a:ext uri="{91240B29-F687-4f45-9708-019B960494DF}">
-                <a14:hiddenLine xmlns:a14="http://schemas.microsoft.com/office/drawing/2010/main" xmlns="" w="9525">
+                <a14:hiddenLine xmlns="" xmlns:a14="http://schemas.microsoft.com/office/drawing/2010/main" w="9525">
                   <a:solidFill>
                     <a:srgbClr val="000000"/>
                   </a:solidFill>
@@ -4927,7 +4934,7 @@
           <a:p>
             <a:fld id="{F5EE77D2-A7A0-440A-9FFE-8D75038282A9}" type="datetimeFigureOut">
               <a:rPr lang="en-GB" smtClean="0"/>
-              <a:t>11/12/2020</a:t>
+              <a:t>12/12/2020</a:t>
             </a:fld>
             <a:endParaRPr lang="en-GB"/>
           </a:p>
@@ -5107,7 +5114,7 @@
           <a:p>
             <a:fld id="{F5EE77D2-A7A0-440A-9FFE-8D75038282A9}" type="datetimeFigureOut">
               <a:rPr lang="en-GB" smtClean="0"/>
-              <a:t>11/12/2020</a:t>
+              <a:t>12/12/2020</a:t>
             </a:fld>
             <a:endParaRPr lang="en-GB"/>
           </a:p>
@@ -5357,7 +5364,7 @@
           <a:p>
             <a:fld id="{F5EE77D2-A7A0-440A-9FFE-8D75038282A9}" type="datetimeFigureOut">
               <a:rPr lang="en-GB" smtClean="0"/>
-              <a:t>11/12/2020</a:t>
+              <a:t>12/12/2020</a:t>
             </a:fld>
             <a:endParaRPr lang="en-GB"/>
           </a:p>
@@ -5589,7 +5596,7 @@
           <a:p>
             <a:fld id="{F5EE77D2-A7A0-440A-9FFE-8D75038282A9}" type="datetimeFigureOut">
               <a:rPr lang="en-GB" smtClean="0"/>
-              <a:t>11/12/2020</a:t>
+              <a:t>12/12/2020</a:t>
             </a:fld>
             <a:endParaRPr lang="en-GB"/>
           </a:p>
@@ -5970,7 +5977,7 @@
           <a:p>
             <a:fld id="{F5EE77D2-A7A0-440A-9FFE-8D75038282A9}" type="datetimeFigureOut">
               <a:rPr lang="en-GB" smtClean="0"/>
-              <a:t>11/12/2020</a:t>
+              <a:t>12/12/2020</a:t>
             </a:fld>
             <a:endParaRPr lang="en-GB"/>
           </a:p>
@@ -6088,7 +6095,7 @@
           <a:p>
             <a:fld id="{F5EE77D2-A7A0-440A-9FFE-8D75038282A9}" type="datetimeFigureOut">
               <a:rPr lang="en-GB" smtClean="0"/>
-              <a:t>11/12/2020</a:t>
+              <a:t>12/12/2020</a:t>
             </a:fld>
             <a:endParaRPr lang="en-GB"/>
           </a:p>
@@ -6183,7 +6190,7 @@
           <a:p>
             <a:fld id="{F5EE77D2-A7A0-440A-9FFE-8D75038282A9}" type="datetimeFigureOut">
               <a:rPr lang="en-GB" smtClean="0"/>
-              <a:t>11/12/2020</a:t>
+              <a:t>12/12/2020</a:t>
             </a:fld>
             <a:endParaRPr lang="en-GB"/>
           </a:p>
@@ -6432,7 +6439,7 @@
           <a:p>
             <a:fld id="{F5EE77D2-A7A0-440A-9FFE-8D75038282A9}" type="datetimeFigureOut">
               <a:rPr lang="en-GB" smtClean="0"/>
-              <a:t>11/12/2020</a:t>
+              <a:t>12/12/2020</a:t>
             </a:fld>
             <a:endParaRPr lang="en-GB"/>
           </a:p>
@@ -6602,7 +6609,7 @@
           <a:p>
             <a:fld id="{F5EE77D2-A7A0-440A-9FFE-8D75038282A9}" type="datetimeFigureOut">
               <a:rPr lang="en-GB" smtClean="0"/>
-              <a:t>11/12/2020</a:t>
+              <a:t>12/12/2020</a:t>
             </a:fld>
             <a:endParaRPr lang="en-GB"/>
           </a:p>
@@ -6882,7 +6889,7 @@
           <a:p>
             <a:fld id="{F5EE77D2-A7A0-440A-9FFE-8D75038282A9}" type="datetimeFigureOut">
               <a:rPr lang="en-GB" smtClean="0"/>
-              <a:t>11/12/2020</a:t>
+              <a:t>12/12/2020</a:t>
             </a:fld>
             <a:endParaRPr lang="en-GB"/>
           </a:p>
@@ -7139,7 +7146,7 @@
           <a:p>
             <a:fld id="{F5EE77D2-A7A0-440A-9FFE-8D75038282A9}" type="datetimeFigureOut">
               <a:rPr lang="en-GB" smtClean="0"/>
-              <a:t>11/12/2020</a:t>
+              <a:t>12/12/2020</a:t>
             </a:fld>
             <a:endParaRPr lang="en-GB"/>
           </a:p>
@@ -7335,7 +7342,7 @@
           <a:p>
             <a:fld id="{F5EE77D2-A7A0-440A-9FFE-8D75038282A9}" type="datetimeFigureOut">
               <a:rPr lang="en-GB" smtClean="0"/>
-              <a:t>11/12/2020</a:t>
+              <a:t>12/12/2020</a:t>
             </a:fld>
             <a:endParaRPr lang="en-GB"/>
           </a:p>
@@ -7598,7 +7605,7 @@
           <a:p>
             <a:fld id="{F5EE77D2-A7A0-440A-9FFE-8D75038282A9}" type="datetimeFigureOut">
               <a:rPr lang="en-GB" smtClean="0"/>
-              <a:t>11/12/2020</a:t>
+              <a:t>12/12/2020</a:t>
             </a:fld>
             <a:endParaRPr lang="en-GB"/>
           </a:p>
@@ -8032,7 +8039,7 @@
           <a:p>
             <a:fld id="{F5EE77D2-A7A0-440A-9FFE-8D75038282A9}" type="datetimeFigureOut">
               <a:rPr lang="en-GB" smtClean="0"/>
-              <a:t>11/12/2020</a:t>
+              <a:t>12/12/2020</a:t>
             </a:fld>
             <a:endParaRPr lang="en-GB"/>
           </a:p>
@@ -8578,7 +8585,7 @@
           <a:p>
             <a:fld id="{F5EE77D2-A7A0-440A-9FFE-8D75038282A9}" type="datetimeFigureOut">
               <a:rPr lang="en-GB" smtClean="0"/>
-              <a:t>11/12/2020</a:t>
+              <a:t>12/12/2020</a:t>
             </a:fld>
             <a:endParaRPr lang="en-GB"/>
           </a:p>
@@ -9298,7 +9305,7 @@
           <a:p>
             <a:fld id="{F5EE77D2-A7A0-440A-9FFE-8D75038282A9}" type="datetimeFigureOut">
               <a:rPr lang="en-GB" smtClean="0"/>
-              <a:t>11/12/2020</a:t>
+              <a:t>12/12/2020</a:t>
             </a:fld>
             <a:endParaRPr lang="en-GB"/>
           </a:p>
@@ -9468,7 +9475,7 @@
           <a:p>
             <a:fld id="{F5EE77D2-A7A0-440A-9FFE-8D75038282A9}" type="datetimeFigureOut">
               <a:rPr lang="en-GB" smtClean="0"/>
-              <a:t>11/12/2020</a:t>
+              <a:t>12/12/2020</a:t>
             </a:fld>
             <a:endParaRPr lang="en-GB"/>
           </a:p>
@@ -9648,7 +9655,7 @@
           <a:p>
             <a:fld id="{F5EE77D2-A7A0-440A-9FFE-8D75038282A9}" type="datetimeFigureOut">
               <a:rPr lang="en-GB" smtClean="0"/>
-              <a:t>11/12/2020</a:t>
+              <a:t>12/12/2020</a:t>
             </a:fld>
             <a:endParaRPr lang="en-GB"/>
           </a:p>
@@ -9894,7 +9901,7 @@
           <a:p>
             <a:fld id="{F5EE77D2-A7A0-440A-9FFE-8D75038282A9}" type="datetimeFigureOut">
               <a:rPr lang="en-GB" smtClean="0"/>
-              <a:t>11/12/2020</a:t>
+              <a:t>12/12/2020</a:t>
             </a:fld>
             <a:endParaRPr lang="en-GB"/>
           </a:p>
@@ -10126,7 +10133,7 @@
           <a:p>
             <a:fld id="{F5EE77D2-A7A0-440A-9FFE-8D75038282A9}" type="datetimeFigureOut">
               <a:rPr lang="en-GB" smtClean="0"/>
-              <a:t>11/12/2020</a:t>
+              <a:t>12/12/2020</a:t>
             </a:fld>
             <a:endParaRPr lang="en-GB"/>
           </a:p>
@@ -10493,7 +10500,7 @@
           <a:p>
             <a:fld id="{F5EE77D2-A7A0-440A-9FFE-8D75038282A9}" type="datetimeFigureOut">
               <a:rPr lang="en-GB" smtClean="0"/>
-              <a:t>11/12/2020</a:t>
+              <a:t>12/12/2020</a:t>
             </a:fld>
             <a:endParaRPr lang="en-GB"/>
           </a:p>
@@ -10611,7 +10618,7 @@
           <a:p>
             <a:fld id="{F5EE77D2-A7A0-440A-9FFE-8D75038282A9}" type="datetimeFigureOut">
               <a:rPr lang="en-GB" smtClean="0"/>
-              <a:t>11/12/2020</a:t>
+              <a:t>12/12/2020</a:t>
             </a:fld>
             <a:endParaRPr lang="en-GB"/>
           </a:p>
@@ -10706,7 +10713,7 @@
           <a:p>
             <a:fld id="{F5EE77D2-A7A0-440A-9FFE-8D75038282A9}" type="datetimeFigureOut">
               <a:rPr lang="en-GB" smtClean="0"/>
-              <a:t>11/12/2020</a:t>
+              <a:t>12/12/2020</a:t>
             </a:fld>
             <a:endParaRPr lang="en-GB"/>
           </a:p>
@@ -10983,7 +10990,7 @@
           <a:p>
             <a:fld id="{F5EE77D2-A7A0-440A-9FFE-8D75038282A9}" type="datetimeFigureOut">
               <a:rPr lang="en-GB" smtClean="0"/>
-              <a:t>11/12/2020</a:t>
+              <a:t>12/12/2020</a:t>
             </a:fld>
             <a:endParaRPr lang="en-GB"/>
           </a:p>
@@ -11236,7 +11243,7 @@
           <a:p>
             <a:fld id="{F5EE77D2-A7A0-440A-9FFE-8D75038282A9}" type="datetimeFigureOut">
               <a:rPr lang="en-GB" smtClean="0"/>
-              <a:t>11/12/2020</a:t>
+              <a:t>12/12/2020</a:t>
             </a:fld>
             <a:endParaRPr lang="en-GB"/>
           </a:p>
@@ -11449,7 +11456,7 @@
           <a:p>
             <a:fld id="{F5EE77D2-A7A0-440A-9FFE-8D75038282A9}" type="datetimeFigureOut">
               <a:rPr lang="en-GB" smtClean="0"/>
-              <a:t>11/12/2020</a:t>
+              <a:t>12/12/2020</a:t>
             </a:fld>
             <a:endParaRPr lang="en-GB"/>
           </a:p>
@@ -11892,7 +11899,7 @@
           <a:noFill/>
           <a:extLst>
             <a:ext uri="{909E8E84-426E-40dd-AFC4-6F175D3DCCD1}">
-              <a14:hiddenFill xmlns:a14="http://schemas.microsoft.com/office/drawing/2010/main" xmlns="">
+              <a14:hiddenFill xmlns="" xmlns:a14="http://schemas.microsoft.com/office/drawing/2010/main">
                 <a:solidFill>
                   <a:srgbClr val="FFFFFF"/>
                 </a:solidFill>
@@ -11966,7 +11973,7 @@
               </a:ln>
               <a:extLst>
                 <a:ext uri="{91240B29-F687-4f45-9708-019B960494DF}">
-                  <a14:hiddenLine xmlns:a14="http://schemas.microsoft.com/office/drawing/2010/main" xmlns="" w="9525">
+                  <a14:hiddenLine xmlns="" xmlns:a14="http://schemas.microsoft.com/office/drawing/2010/main" w="9525">
                     <a:solidFill>
                       <a:srgbClr val="000000"/>
                     </a:solidFill>
@@ -12056,7 +12063,7 @@
               </a:ln>
               <a:extLst>
                 <a:ext uri="{91240B29-F687-4f45-9708-019B960494DF}">
-                  <a14:hiddenLine xmlns:a14="http://schemas.microsoft.com/office/drawing/2010/main" xmlns="" w="9525">
+                  <a14:hiddenLine xmlns="" xmlns:a14="http://schemas.microsoft.com/office/drawing/2010/main" w="9525">
                     <a:solidFill>
                       <a:srgbClr val="000000"/>
                     </a:solidFill>
@@ -12146,7 +12153,7 @@
               </a:ln>
               <a:extLst>
                 <a:ext uri="{91240B29-F687-4f45-9708-019B960494DF}">
-                  <a14:hiddenLine xmlns:a14="http://schemas.microsoft.com/office/drawing/2010/main" xmlns="" w="9525">
+                  <a14:hiddenLine xmlns="" xmlns:a14="http://schemas.microsoft.com/office/drawing/2010/main" w="9525">
                     <a:solidFill>
                       <a:srgbClr val="000000"/>
                     </a:solidFill>
@@ -12208,7 +12215,7 @@
               </a:ln>
               <a:extLst>
                 <a:ext uri="{91240B29-F687-4f45-9708-019B960494DF}">
-                  <a14:hiddenLine xmlns:a14="http://schemas.microsoft.com/office/drawing/2010/main" xmlns="" w="9525">
+                  <a14:hiddenLine xmlns="" xmlns:a14="http://schemas.microsoft.com/office/drawing/2010/main" w="9525">
                     <a:solidFill>
                       <a:srgbClr val="000000"/>
                     </a:solidFill>
@@ -12298,7 +12305,7 @@
               </a:ln>
               <a:extLst>
                 <a:ext uri="{91240B29-F687-4f45-9708-019B960494DF}">
-                  <a14:hiddenLine xmlns:a14="http://schemas.microsoft.com/office/drawing/2010/main" xmlns="" w="9525">
+                  <a14:hiddenLine xmlns="" xmlns:a14="http://schemas.microsoft.com/office/drawing/2010/main" w="9525">
                     <a:solidFill>
                       <a:srgbClr val="000000"/>
                     </a:solidFill>
@@ -12360,7 +12367,7 @@
               </a:ln>
               <a:extLst>
                 <a:ext uri="{91240B29-F687-4f45-9708-019B960494DF}">
-                  <a14:hiddenLine xmlns:a14="http://schemas.microsoft.com/office/drawing/2010/main" xmlns="" w="9525">
+                  <a14:hiddenLine xmlns="" xmlns:a14="http://schemas.microsoft.com/office/drawing/2010/main" w="9525">
                     <a:solidFill>
                       <a:srgbClr val="000000"/>
                     </a:solidFill>
@@ -12422,7 +12429,7 @@
               </a:ln>
               <a:extLst>
                 <a:ext uri="{91240B29-F687-4f45-9708-019B960494DF}">
-                  <a14:hiddenLine xmlns:a14="http://schemas.microsoft.com/office/drawing/2010/main" xmlns="" w="9525">
+                  <a14:hiddenLine xmlns="" xmlns:a14="http://schemas.microsoft.com/office/drawing/2010/main" w="9525">
                     <a:solidFill>
                       <a:srgbClr val="000000"/>
                     </a:solidFill>
@@ -12512,7 +12519,7 @@
               </a:ln>
               <a:extLst>
                 <a:ext uri="{91240B29-F687-4f45-9708-019B960494DF}">
-                  <a14:hiddenLine xmlns:a14="http://schemas.microsoft.com/office/drawing/2010/main" xmlns="" w="9525">
+                  <a14:hiddenLine xmlns="" xmlns:a14="http://schemas.microsoft.com/office/drawing/2010/main" w="9525">
                     <a:solidFill>
                       <a:srgbClr val="000000"/>
                     </a:solidFill>
@@ -12602,7 +12609,7 @@
               </a:ln>
               <a:extLst>
                 <a:ext uri="{91240B29-F687-4f45-9708-019B960494DF}">
-                  <a14:hiddenLine xmlns:a14="http://schemas.microsoft.com/office/drawing/2010/main" xmlns="" w="9525">
+                  <a14:hiddenLine xmlns="" xmlns:a14="http://schemas.microsoft.com/office/drawing/2010/main" w="9525">
                     <a:solidFill>
                       <a:srgbClr val="000000"/>
                     </a:solidFill>
@@ -12664,7 +12671,7 @@
               </a:ln>
               <a:extLst>
                 <a:ext uri="{91240B29-F687-4f45-9708-019B960494DF}">
-                  <a14:hiddenLine xmlns:a14="http://schemas.microsoft.com/office/drawing/2010/main" xmlns="" w="9525">
+                  <a14:hiddenLine xmlns="" xmlns:a14="http://schemas.microsoft.com/office/drawing/2010/main" w="9525">
                     <a:solidFill>
                       <a:srgbClr val="000000"/>
                     </a:solidFill>
@@ -12774,7 +12781,7 @@
               </a:ln>
               <a:extLst>
                 <a:ext uri="{91240B29-F687-4f45-9708-019B960494DF}">
-                  <a14:hiddenLine xmlns:a14="http://schemas.microsoft.com/office/drawing/2010/main" xmlns="" w="9525">
+                  <a14:hiddenLine xmlns="" xmlns:a14="http://schemas.microsoft.com/office/drawing/2010/main" w="9525">
                     <a:solidFill>
                       <a:srgbClr val="000000"/>
                     </a:solidFill>
@@ -12858,7 +12865,7 @@
               </a:ln>
               <a:extLst>
                 <a:ext uri="{91240B29-F687-4f45-9708-019B960494DF}">
-                  <a14:hiddenLine xmlns:a14="http://schemas.microsoft.com/office/drawing/2010/main" xmlns="" w="9525">
+                  <a14:hiddenLine xmlns="" xmlns:a14="http://schemas.microsoft.com/office/drawing/2010/main" w="9525">
                     <a:solidFill>
                       <a:srgbClr val="000000"/>
                     </a:solidFill>
@@ -12920,7 +12927,7 @@
               </a:ln>
               <a:extLst>
                 <a:ext uri="{91240B29-F687-4f45-9708-019B960494DF}">
-                  <a14:hiddenLine xmlns:a14="http://schemas.microsoft.com/office/drawing/2010/main" xmlns="" w="9525">
+                  <a14:hiddenLine xmlns="" xmlns:a14="http://schemas.microsoft.com/office/drawing/2010/main" w="9525">
                     <a:solidFill>
                       <a:srgbClr val="000000"/>
                     </a:solidFill>
@@ -12982,7 +12989,7 @@
               </a:ln>
               <a:extLst>
                 <a:ext uri="{91240B29-F687-4f45-9708-019B960494DF}">
-                  <a14:hiddenLine xmlns:a14="http://schemas.microsoft.com/office/drawing/2010/main" xmlns="" w="9525">
+                  <a14:hiddenLine xmlns="" xmlns:a14="http://schemas.microsoft.com/office/drawing/2010/main" w="9525">
                     <a:solidFill>
                       <a:srgbClr val="000000"/>
                     </a:solidFill>
@@ -13072,7 +13079,7 @@
               </a:ln>
               <a:extLst>
                 <a:ext uri="{91240B29-F687-4f45-9708-019B960494DF}">
-                  <a14:hiddenLine xmlns:a14="http://schemas.microsoft.com/office/drawing/2010/main" xmlns="" w="9525">
+                  <a14:hiddenLine xmlns="" xmlns:a14="http://schemas.microsoft.com/office/drawing/2010/main" w="9525">
                     <a:solidFill>
                       <a:srgbClr val="000000"/>
                     </a:solidFill>
@@ -13106,7 +13113,7 @@
               </a:ln>
               <a:extLst>
                 <a:ext uri="{91240B29-F687-4f45-9708-019B960494DF}">
-                  <a14:hiddenLine xmlns:a14="http://schemas.microsoft.com/office/drawing/2010/main" xmlns="" w="9525">
+                  <a14:hiddenLine xmlns="" xmlns:a14="http://schemas.microsoft.com/office/drawing/2010/main" w="9525">
                     <a:solidFill>
                       <a:srgbClr val="000000"/>
                     </a:solidFill>
@@ -13171,7 +13178,7 @@
               </a:ln>
               <a:extLst>
                 <a:ext uri="{91240B29-F687-4f45-9708-019B960494DF}">
-                  <a14:hiddenLine xmlns:a14="http://schemas.microsoft.com/office/drawing/2010/main" xmlns="" w="9525">
+                  <a14:hiddenLine xmlns="" xmlns:a14="http://schemas.microsoft.com/office/drawing/2010/main" w="9525">
                     <a:solidFill>
                       <a:srgbClr val="000000"/>
                     </a:solidFill>
@@ -13261,7 +13268,7 @@
               </a:ln>
               <a:extLst>
                 <a:ext uri="{91240B29-F687-4f45-9708-019B960494DF}">
-                  <a14:hiddenLine xmlns:a14="http://schemas.microsoft.com/office/drawing/2010/main" xmlns="" w="9525">
+                  <a14:hiddenLine xmlns="" xmlns:a14="http://schemas.microsoft.com/office/drawing/2010/main" w="9525">
                     <a:solidFill>
                       <a:srgbClr val="000000"/>
                     </a:solidFill>
@@ -13323,7 +13330,7 @@
               </a:ln>
               <a:extLst>
                 <a:ext uri="{91240B29-F687-4f45-9708-019B960494DF}">
-                  <a14:hiddenLine xmlns:a14="http://schemas.microsoft.com/office/drawing/2010/main" xmlns="" w="9525">
+                  <a14:hiddenLine xmlns="" xmlns:a14="http://schemas.microsoft.com/office/drawing/2010/main" w="9525">
                     <a:solidFill>
                       <a:srgbClr val="000000"/>
                     </a:solidFill>
@@ -13413,7 +13420,7 @@
               </a:ln>
               <a:extLst>
                 <a:ext uri="{91240B29-F687-4f45-9708-019B960494DF}">
-                  <a14:hiddenLine xmlns:a14="http://schemas.microsoft.com/office/drawing/2010/main" xmlns="" w="9525">
+                  <a14:hiddenLine xmlns="" xmlns:a14="http://schemas.microsoft.com/office/drawing/2010/main" w="9525">
                     <a:solidFill>
                       <a:srgbClr val="000000"/>
                     </a:solidFill>
@@ -13478,7 +13485,7 @@
               </a:ln>
               <a:extLst>
                 <a:ext uri="{91240B29-F687-4f45-9708-019B960494DF}">
-                  <a14:hiddenLine xmlns:a14="http://schemas.microsoft.com/office/drawing/2010/main" xmlns="" w="9525">
+                  <a14:hiddenLine xmlns="" xmlns:a14="http://schemas.microsoft.com/office/drawing/2010/main" w="9525">
                     <a:solidFill>
                       <a:srgbClr val="000000"/>
                     </a:solidFill>
@@ -13540,7 +13547,7 @@
               </a:ln>
               <a:extLst>
                 <a:ext uri="{91240B29-F687-4f45-9708-019B960494DF}">
-                  <a14:hiddenLine xmlns:a14="http://schemas.microsoft.com/office/drawing/2010/main" xmlns="" w="9525">
+                  <a14:hiddenLine xmlns="" xmlns:a14="http://schemas.microsoft.com/office/drawing/2010/main" w="9525">
                     <a:solidFill>
                       <a:srgbClr val="000000"/>
                     </a:solidFill>
@@ -13630,7 +13637,7 @@
               </a:ln>
               <a:extLst>
                 <a:ext uri="{91240B29-F687-4f45-9708-019B960494DF}">
-                  <a14:hiddenLine xmlns:a14="http://schemas.microsoft.com/office/drawing/2010/main" xmlns="" w="9525">
+                  <a14:hiddenLine xmlns="" xmlns:a14="http://schemas.microsoft.com/office/drawing/2010/main" w="9525">
                     <a:solidFill>
                       <a:srgbClr val="000000"/>
                     </a:solidFill>
@@ -13720,7 +13727,7 @@
               </a:ln>
               <a:extLst>
                 <a:ext uri="{91240B29-F687-4f45-9708-019B960494DF}">
-                  <a14:hiddenLine xmlns:a14="http://schemas.microsoft.com/office/drawing/2010/main" xmlns="" w="9525">
+                  <a14:hiddenLine xmlns="" xmlns:a14="http://schemas.microsoft.com/office/drawing/2010/main" w="9525">
                     <a:solidFill>
                       <a:srgbClr val="000000"/>
                     </a:solidFill>
@@ -13785,7 +13792,7 @@
               </a:ln>
               <a:extLst>
                 <a:ext uri="{91240B29-F687-4f45-9708-019B960494DF}">
-                  <a14:hiddenLine xmlns:a14="http://schemas.microsoft.com/office/drawing/2010/main" xmlns="" w="9525">
+                  <a14:hiddenLine xmlns="" xmlns:a14="http://schemas.microsoft.com/office/drawing/2010/main" w="9525">
                     <a:solidFill>
                       <a:srgbClr val="000000"/>
                     </a:solidFill>
@@ -13905,7 +13912,7 @@
               </a:ln>
               <a:extLst>
                 <a:ext uri="{91240B29-F687-4f45-9708-019B960494DF}">
-                  <a14:hiddenLine xmlns:a14="http://schemas.microsoft.com/office/drawing/2010/main" xmlns="" w="9525">
+                  <a14:hiddenLine xmlns="" xmlns:a14="http://schemas.microsoft.com/office/drawing/2010/main" w="9525">
                     <a:solidFill>
                       <a:srgbClr val="000000"/>
                     </a:solidFill>
@@ -14003,7 +14010,7 @@
               </a:ln>
               <a:extLst>
                 <a:ext uri="{91240B29-F687-4f45-9708-019B960494DF}">
-                  <a14:hiddenLine xmlns:a14="http://schemas.microsoft.com/office/drawing/2010/main" xmlns="" w="9525">
+                  <a14:hiddenLine xmlns="" xmlns:a14="http://schemas.microsoft.com/office/drawing/2010/main" w="9525">
                     <a:solidFill>
                       <a:srgbClr val="000000"/>
                     </a:solidFill>
@@ -14118,7 +14125,7 @@
               </a:ln>
               <a:extLst>
                 <a:ext uri="{91240B29-F687-4f45-9708-019B960494DF}">
-                  <a14:hiddenLine xmlns:a14="http://schemas.microsoft.com/office/drawing/2010/main" xmlns="" w="9525">
+                  <a14:hiddenLine xmlns="" xmlns:a14="http://schemas.microsoft.com/office/drawing/2010/main" w="9525">
                     <a:solidFill>
                       <a:srgbClr val="000000"/>
                     </a:solidFill>
@@ -14208,7 +14215,7 @@
               </a:ln>
               <a:extLst>
                 <a:ext uri="{91240B29-F687-4f45-9708-019B960494DF}">
-                  <a14:hiddenLine xmlns:a14="http://schemas.microsoft.com/office/drawing/2010/main" xmlns="" w="9525">
+                  <a14:hiddenLine xmlns="" xmlns:a14="http://schemas.microsoft.com/office/drawing/2010/main" w="9525">
                     <a:solidFill>
                       <a:srgbClr val="000000"/>
                     </a:solidFill>
@@ -14273,7 +14280,7 @@
               </a:ln>
               <a:extLst>
                 <a:ext uri="{91240B29-F687-4f45-9708-019B960494DF}">
-                  <a14:hiddenLine xmlns:a14="http://schemas.microsoft.com/office/drawing/2010/main" xmlns="" w="9525">
+                  <a14:hiddenLine xmlns="" xmlns:a14="http://schemas.microsoft.com/office/drawing/2010/main" w="9525">
                     <a:solidFill>
                       <a:srgbClr val="000000"/>
                     </a:solidFill>
@@ -14363,7 +14370,7 @@
               </a:ln>
               <a:extLst>
                 <a:ext uri="{91240B29-F687-4f45-9708-019B960494DF}">
-                  <a14:hiddenLine xmlns:a14="http://schemas.microsoft.com/office/drawing/2010/main" xmlns="" w="9525">
+                  <a14:hiddenLine xmlns="" xmlns:a14="http://schemas.microsoft.com/office/drawing/2010/main" w="9525">
                     <a:solidFill>
                       <a:srgbClr val="000000"/>
                     </a:solidFill>
@@ -14431,7 +14438,7 @@
               </a:ln>
               <a:extLst>
                 <a:ext uri="{91240B29-F687-4f45-9708-019B960494DF}">
-                  <a14:hiddenLine xmlns:a14="http://schemas.microsoft.com/office/drawing/2010/main" xmlns="" w="9525">
+                  <a14:hiddenLine xmlns="" xmlns:a14="http://schemas.microsoft.com/office/drawing/2010/main" w="9525">
                     <a:solidFill>
                       <a:srgbClr val="000000"/>
                     </a:solidFill>
@@ -14521,7 +14528,7 @@
               </a:ln>
               <a:extLst>
                 <a:ext uri="{91240B29-F687-4f45-9708-019B960494DF}">
-                  <a14:hiddenLine xmlns:a14="http://schemas.microsoft.com/office/drawing/2010/main" xmlns="" w="9525">
+                  <a14:hiddenLine xmlns="" xmlns:a14="http://schemas.microsoft.com/office/drawing/2010/main" w="9525">
                     <a:solidFill>
                       <a:srgbClr val="000000"/>
                     </a:solidFill>
@@ -14589,7 +14596,7 @@
               </a:ln>
               <a:extLst>
                 <a:ext uri="{91240B29-F687-4f45-9708-019B960494DF}">
-                  <a14:hiddenLine xmlns:a14="http://schemas.microsoft.com/office/drawing/2010/main" xmlns="" w="9525">
+                  <a14:hiddenLine xmlns="" xmlns:a14="http://schemas.microsoft.com/office/drawing/2010/main" w="9525">
                     <a:solidFill>
                       <a:srgbClr val="000000"/>
                     </a:solidFill>
@@ -14679,7 +14686,7 @@
               </a:ln>
               <a:extLst>
                 <a:ext uri="{91240B29-F687-4f45-9708-019B960494DF}">
-                  <a14:hiddenLine xmlns:a14="http://schemas.microsoft.com/office/drawing/2010/main" xmlns="" w="9525">
+                  <a14:hiddenLine xmlns="" xmlns:a14="http://schemas.microsoft.com/office/drawing/2010/main" w="9525">
                     <a:solidFill>
                       <a:srgbClr val="000000"/>
                     </a:solidFill>
@@ -14713,7 +14720,7 @@
               </a:ln>
               <a:extLst>
                 <a:ext uri="{91240B29-F687-4f45-9708-019B960494DF}">
-                  <a14:hiddenLine xmlns:a14="http://schemas.microsoft.com/office/drawing/2010/main" xmlns="" w="9525">
+                  <a14:hiddenLine xmlns="" xmlns:a14="http://schemas.microsoft.com/office/drawing/2010/main" w="9525">
                     <a:solidFill>
                       <a:srgbClr val="000000"/>
                     </a:solidFill>
@@ -14853,7 +14860,7 @@
           <a:p>
             <a:fld id="{F5EE77D2-A7A0-440A-9FFE-8D75038282A9}" type="datetimeFigureOut">
               <a:rPr lang="en-GB" smtClean="0"/>
-              <a:t>11/12/2020</a:t>
+              <a:t>12/12/2020</a:t>
             </a:fld>
             <a:endParaRPr lang="en-GB"/>
           </a:p>
@@ -21704,6 +21711,111 @@
           </a:p>
         </p:txBody>
       </p:sp>
+      <p:sp>
+        <p:nvSpPr>
+          <p:cNvPr id="137" name="Rectangle 136"/>
+          <p:cNvSpPr/>
+          <p:nvPr/>
+        </p:nvSpPr>
+        <p:spPr>
+          <a:xfrm>
+            <a:off x="116875" y="748996"/>
+            <a:ext cx="1350613" cy="288000"/>
+          </a:xfrm>
+          <a:prstGeom prst="rect">
+            <a:avLst/>
+          </a:prstGeom>
+          <a:ln>
+            <a:noFill/>
+          </a:ln>
+        </p:spPr>
+        <p:style>
+          <a:lnRef idx="2">
+            <a:schemeClr val="dk1"/>
+          </a:lnRef>
+          <a:fillRef idx="1">
+            <a:schemeClr val="lt1"/>
+          </a:fillRef>
+          <a:effectRef idx="0">
+            <a:schemeClr val="dk1"/>
+          </a:effectRef>
+          <a:fontRef idx="minor">
+            <a:schemeClr val="dk1"/>
+          </a:fontRef>
+        </p:style>
+        <p:txBody>
+          <a:bodyPr rtlCol="0" anchor="ctr"/>
+          <a:lstStyle/>
+          <a:p>
+            <a:pPr algn="ctr"/>
+            <a:r>
+              <a:rPr lang="en-ID" sz="1400" dirty="0" smtClean="0"/>
+              <a:t>*</a:t>
+            </a:r>
+            <a:r>
+              <a:rPr lang="en-ID" sz="1400" dirty="0" err="1" smtClean="0"/>
+              <a:t>tombol</a:t>
+            </a:r>
+            <a:r>
+              <a:rPr lang="en-ID" sz="1400" dirty="0" smtClean="0"/>
+              <a:t> 1 2 3 </a:t>
+            </a:r>
+            <a:r>
+              <a:rPr lang="en-ID" sz="1400" dirty="0" err="1" smtClean="0"/>
+              <a:t>buat</a:t>
+            </a:r>
+            <a:r>
+              <a:rPr lang="en-ID" sz="1400" dirty="0" smtClean="0"/>
+              <a:t> hyperlink </a:t>
+            </a:r>
+            <a:r>
+              <a:rPr lang="en-ID" sz="1400" dirty="0" err="1" smtClean="0"/>
+              <a:t>ke</a:t>
+            </a:r>
+            <a:r>
+              <a:rPr lang="en-ID" sz="1400" dirty="0" smtClean="0"/>
+              <a:t> </a:t>
+            </a:r>
+            <a:r>
+              <a:rPr lang="en-ID" sz="1400" dirty="0" err="1" smtClean="0"/>
+              <a:t>gambar</a:t>
+            </a:r>
+            <a:r>
+              <a:rPr lang="en-ID" sz="1400" dirty="0" smtClean="0"/>
+              <a:t> laptop yang </a:t>
+            </a:r>
+            <a:r>
+              <a:rPr lang="en-ID" sz="1400" dirty="0" err="1" smtClean="0"/>
+              <a:t>sesuai</a:t>
+            </a:r>
+            <a:r>
+              <a:rPr lang="en-ID" sz="1400" dirty="0" smtClean="0"/>
+              <a:t> </a:t>
+            </a:r>
+            <a:r>
+              <a:rPr lang="en-ID" sz="1400" dirty="0" err="1" smtClean="0"/>
+              <a:t>dengan</a:t>
+            </a:r>
+            <a:r>
+              <a:rPr lang="en-ID" sz="1400" dirty="0" smtClean="0"/>
+              <a:t> </a:t>
+            </a:r>
+            <a:r>
+              <a:rPr lang="en-ID" sz="1400" dirty="0" err="1" smtClean="0"/>
+              <a:t>spesifikasi</a:t>
+            </a:r>
+            <a:r>
+              <a:rPr lang="en-ID" sz="1400" dirty="0" smtClean="0"/>
+              <a:t> </a:t>
+            </a:r>
+            <a:r>
+              <a:rPr lang="en-ID" sz="1400" dirty="0" err="1" smtClean="0"/>
+              <a:t>disamping</a:t>
+            </a:r>
+            <a:endParaRPr lang="en-GB" sz="1400" dirty="0"/>
+          </a:p>
+        </p:txBody>
+      </p:sp>
     </p:spTree>
     <p:extLst>
       <p:ext uri="{BB962C8B-B14F-4D97-AF65-F5344CB8AC3E}">
@@ -21721,6 +21833,6850 @@
       </p:par>
     </p:tnLst>
   </p:timing>
+</p:sld>
+</file>
+
+<file path=ppt/slides/slide3.xml><?xml version="1.0" encoding="utf-8"?>
+<p:sld xmlns:a="http://schemas.openxmlformats.org/drawingml/2006/main" xmlns:r="http://schemas.openxmlformats.org/officeDocument/2006/relationships" xmlns:p="http://schemas.openxmlformats.org/presentationml/2006/main">
+  <p:cSld>
+    <p:spTree>
+      <p:nvGrpSpPr>
+        <p:cNvPr id="1" name=""/>
+        <p:cNvGrpSpPr/>
+        <p:nvPr/>
+      </p:nvGrpSpPr>
+      <p:grpSpPr>
+        <a:xfrm>
+          <a:off x="0" y="0"/>
+          <a:ext cx="0" cy="0"/>
+          <a:chOff x="0" y="0"/>
+          <a:chExt cx="0" cy="0"/>
+        </a:xfrm>
+      </p:grpSpPr>
+      <p:sp>
+        <p:nvSpPr>
+          <p:cNvPr id="3" name="Rectangle 2"/>
+          <p:cNvSpPr/>
+          <p:nvPr/>
+        </p:nvSpPr>
+        <p:spPr>
+          <a:xfrm>
+            <a:off x="116875" y="3434751"/>
+            <a:ext cx="944862" cy="715618"/>
+          </a:xfrm>
+          <a:prstGeom prst="rect">
+            <a:avLst/>
+          </a:prstGeom>
+          <a:ln>
+            <a:noFill/>
+          </a:ln>
+        </p:spPr>
+        <p:style>
+          <a:lnRef idx="2">
+            <a:schemeClr val="accent3">
+              <a:shade val="50000"/>
+            </a:schemeClr>
+          </a:lnRef>
+          <a:fillRef idx="1">
+            <a:schemeClr val="accent3"/>
+          </a:fillRef>
+          <a:effectRef idx="0">
+            <a:schemeClr val="accent3"/>
+          </a:effectRef>
+          <a:fontRef idx="minor">
+            <a:schemeClr val="lt1"/>
+          </a:fontRef>
+        </p:style>
+        <p:txBody>
+          <a:bodyPr rtlCol="0" anchor="ctr"/>
+          <a:lstStyle/>
+          <a:p>
+            <a:pPr algn="ctr"/>
+            <a:r>
+              <a:rPr lang="en-ID" sz="1200" dirty="0" smtClean="0"/>
+              <a:t>Professional</a:t>
+            </a:r>
+            <a:endParaRPr lang="en-GB" sz="1200" dirty="0"/>
+          </a:p>
+        </p:txBody>
+      </p:sp>
+      <p:sp>
+        <p:nvSpPr>
+          <p:cNvPr id="4" name="Rectangle 3"/>
+          <p:cNvSpPr/>
+          <p:nvPr/>
+        </p:nvSpPr>
+        <p:spPr>
+          <a:xfrm>
+            <a:off x="1524415" y="1667517"/>
+            <a:ext cx="900000" cy="288000"/>
+          </a:xfrm>
+          <a:prstGeom prst="rect">
+            <a:avLst/>
+          </a:prstGeom>
+        </p:spPr>
+        <p:style>
+          <a:lnRef idx="1">
+            <a:schemeClr val="accent5"/>
+          </a:lnRef>
+          <a:fillRef idx="3">
+            <a:schemeClr val="accent5"/>
+          </a:fillRef>
+          <a:effectRef idx="2">
+            <a:schemeClr val="accent5"/>
+          </a:effectRef>
+          <a:fontRef idx="minor">
+            <a:schemeClr val="lt1"/>
+          </a:fontRef>
+        </p:style>
+        <p:txBody>
+          <a:bodyPr rtlCol="0" anchor="ctr"/>
+          <a:lstStyle/>
+          <a:p>
+            <a:pPr algn="ctr"/>
+            <a:r>
+              <a:rPr lang="en-ID" sz="1400" dirty="0" smtClean="0"/>
+              <a:t>&lt; 2</a:t>
+            </a:r>
+            <a:endParaRPr lang="en-GB" sz="1400" dirty="0"/>
+          </a:p>
+        </p:txBody>
+      </p:sp>
+      <p:sp>
+        <p:nvSpPr>
+          <p:cNvPr id="5" name="Rectangle 4"/>
+          <p:cNvSpPr/>
+          <p:nvPr/>
+        </p:nvSpPr>
+        <p:spPr>
+          <a:xfrm>
+            <a:off x="1524415" y="3678889"/>
+            <a:ext cx="900000" cy="288000"/>
+          </a:xfrm>
+          <a:prstGeom prst="rect">
+            <a:avLst/>
+          </a:prstGeom>
+        </p:spPr>
+        <p:style>
+          <a:lnRef idx="1">
+            <a:schemeClr val="accent5"/>
+          </a:lnRef>
+          <a:fillRef idx="3">
+            <a:schemeClr val="accent5"/>
+          </a:fillRef>
+          <a:effectRef idx="2">
+            <a:schemeClr val="accent5"/>
+          </a:effectRef>
+          <a:fontRef idx="minor">
+            <a:schemeClr val="lt1"/>
+          </a:fontRef>
+        </p:style>
+        <p:txBody>
+          <a:bodyPr rtlCol="0" anchor="ctr"/>
+          <a:lstStyle/>
+          <a:p>
+            <a:pPr algn="ctr"/>
+            <a:r>
+              <a:rPr lang="en-ID" sz="1400" dirty="0" smtClean="0"/>
+              <a:t>2 - 5</a:t>
+            </a:r>
+            <a:endParaRPr lang="en-GB" sz="1400" dirty="0"/>
+          </a:p>
+        </p:txBody>
+      </p:sp>
+      <p:sp>
+        <p:nvSpPr>
+          <p:cNvPr id="6" name="Rectangle 5"/>
+          <p:cNvSpPr/>
+          <p:nvPr/>
+        </p:nvSpPr>
+        <p:spPr>
+          <a:xfrm>
+            <a:off x="1524414" y="5690260"/>
+            <a:ext cx="900000" cy="288000"/>
+          </a:xfrm>
+          <a:prstGeom prst="rect">
+            <a:avLst/>
+          </a:prstGeom>
+        </p:spPr>
+        <p:style>
+          <a:lnRef idx="1">
+            <a:schemeClr val="accent5"/>
+          </a:lnRef>
+          <a:fillRef idx="3">
+            <a:schemeClr val="accent5"/>
+          </a:fillRef>
+          <a:effectRef idx="2">
+            <a:schemeClr val="accent5"/>
+          </a:effectRef>
+          <a:fontRef idx="minor">
+            <a:schemeClr val="lt1"/>
+          </a:fontRef>
+        </p:style>
+        <p:txBody>
+          <a:bodyPr rtlCol="0" anchor="ctr"/>
+          <a:lstStyle/>
+          <a:p>
+            <a:pPr algn="ctr"/>
+            <a:r>
+              <a:rPr lang="en-ID" sz="1400" dirty="0" smtClean="0"/>
+              <a:t>&gt; 5</a:t>
+            </a:r>
+            <a:endParaRPr lang="en-GB" sz="1400" dirty="0"/>
+          </a:p>
+        </p:txBody>
+      </p:sp>
+      <p:sp>
+        <p:nvSpPr>
+          <p:cNvPr id="7" name="Rectangle 6"/>
+          <p:cNvSpPr/>
+          <p:nvPr/>
+        </p:nvSpPr>
+        <p:spPr>
+          <a:xfrm>
+            <a:off x="1524414" y="421811"/>
+            <a:ext cx="900000" cy="288000"/>
+          </a:xfrm>
+          <a:prstGeom prst="rect">
+            <a:avLst/>
+          </a:prstGeom>
+        </p:spPr>
+        <p:style>
+          <a:lnRef idx="2">
+            <a:schemeClr val="dk1"/>
+          </a:lnRef>
+          <a:fillRef idx="1">
+            <a:schemeClr val="lt1"/>
+          </a:fillRef>
+          <a:effectRef idx="0">
+            <a:schemeClr val="dk1"/>
+          </a:effectRef>
+          <a:fontRef idx="minor">
+            <a:schemeClr val="dk1"/>
+          </a:fontRef>
+        </p:style>
+        <p:txBody>
+          <a:bodyPr rtlCol="0" anchor="ctr"/>
+          <a:lstStyle/>
+          <a:p>
+            <a:pPr algn="ctr"/>
+            <a:r>
+              <a:rPr lang="en-ID" sz="1400" dirty="0" smtClean="0"/>
+              <a:t>Budget</a:t>
+            </a:r>
+            <a:endParaRPr lang="en-GB" sz="1400" dirty="0"/>
+          </a:p>
+        </p:txBody>
+      </p:sp>
+      <p:sp>
+        <p:nvSpPr>
+          <p:cNvPr id="8" name="Rectangle 7"/>
+          <p:cNvSpPr/>
+          <p:nvPr/>
+        </p:nvSpPr>
+        <p:spPr>
+          <a:xfrm>
+            <a:off x="2956516" y="422175"/>
+            <a:ext cx="900000" cy="288000"/>
+          </a:xfrm>
+          <a:prstGeom prst="rect">
+            <a:avLst/>
+          </a:prstGeom>
+        </p:spPr>
+        <p:style>
+          <a:lnRef idx="2">
+            <a:schemeClr val="dk1"/>
+          </a:lnRef>
+          <a:fillRef idx="1">
+            <a:schemeClr val="lt1"/>
+          </a:fillRef>
+          <a:effectRef idx="0">
+            <a:schemeClr val="dk1"/>
+          </a:effectRef>
+          <a:fontRef idx="minor">
+            <a:schemeClr val="dk1"/>
+          </a:fontRef>
+        </p:style>
+        <p:txBody>
+          <a:bodyPr rtlCol="0" anchor="ctr"/>
+          <a:lstStyle/>
+          <a:p>
+            <a:pPr algn="ctr"/>
+            <a:r>
+              <a:rPr lang="en-ID" sz="1400" dirty="0" err="1" smtClean="0"/>
+              <a:t>Memori</a:t>
+            </a:r>
+            <a:endParaRPr lang="en-GB" sz="1400" dirty="0"/>
+          </a:p>
+        </p:txBody>
+      </p:sp>
+      <p:sp>
+        <p:nvSpPr>
+          <p:cNvPr id="9" name="Rectangle 8"/>
+          <p:cNvSpPr/>
+          <p:nvPr/>
+        </p:nvSpPr>
+        <p:spPr>
+          <a:xfrm>
+            <a:off x="2956516" y="1258837"/>
+            <a:ext cx="900000" cy="288000"/>
+          </a:xfrm>
+          <a:prstGeom prst="rect">
+            <a:avLst/>
+          </a:prstGeom>
+        </p:spPr>
+        <p:style>
+          <a:lnRef idx="1">
+            <a:schemeClr val="accent5"/>
+          </a:lnRef>
+          <a:fillRef idx="3">
+            <a:schemeClr val="accent5"/>
+          </a:fillRef>
+          <a:effectRef idx="2">
+            <a:schemeClr val="accent5"/>
+          </a:effectRef>
+          <a:fontRef idx="minor">
+            <a:schemeClr val="lt1"/>
+          </a:fontRef>
+        </p:style>
+        <p:txBody>
+          <a:bodyPr rtlCol="0" anchor="ctr"/>
+          <a:lstStyle/>
+          <a:p>
+            <a:pPr algn="ctr"/>
+            <a:r>
+              <a:rPr lang="en-ID" sz="1400" dirty="0" err="1" smtClean="0"/>
+              <a:t>Besar</a:t>
+            </a:r>
+            <a:endParaRPr lang="en-GB" sz="1400" dirty="0"/>
+          </a:p>
+        </p:txBody>
+      </p:sp>
+      <p:sp>
+        <p:nvSpPr>
+          <p:cNvPr id="10" name="Rectangle 9"/>
+          <p:cNvSpPr/>
+          <p:nvPr/>
+        </p:nvSpPr>
+        <p:spPr>
+          <a:xfrm>
+            <a:off x="2956516" y="2202794"/>
+            <a:ext cx="900000" cy="288000"/>
+          </a:xfrm>
+          <a:prstGeom prst="rect">
+            <a:avLst/>
+          </a:prstGeom>
+        </p:spPr>
+        <p:style>
+          <a:lnRef idx="1">
+            <a:schemeClr val="accent5"/>
+          </a:lnRef>
+          <a:fillRef idx="3">
+            <a:schemeClr val="accent5"/>
+          </a:fillRef>
+          <a:effectRef idx="2">
+            <a:schemeClr val="accent5"/>
+          </a:effectRef>
+          <a:fontRef idx="minor">
+            <a:schemeClr val="lt1"/>
+          </a:fontRef>
+        </p:style>
+        <p:txBody>
+          <a:bodyPr rtlCol="0" anchor="ctr"/>
+          <a:lstStyle/>
+          <a:p>
+            <a:pPr algn="ctr"/>
+            <a:r>
+              <a:rPr lang="en-ID" sz="1400" dirty="0" smtClean="0"/>
+              <a:t>Normal</a:t>
+            </a:r>
+            <a:endParaRPr lang="en-GB" sz="1400" dirty="0"/>
+          </a:p>
+        </p:txBody>
+      </p:sp>
+      <p:sp>
+        <p:nvSpPr>
+          <p:cNvPr id="11" name="Rectangle 10"/>
+          <p:cNvSpPr/>
+          <p:nvPr/>
+        </p:nvSpPr>
+        <p:spPr>
+          <a:xfrm>
+            <a:off x="4532917" y="424336"/>
+            <a:ext cx="900000" cy="288000"/>
+          </a:xfrm>
+          <a:prstGeom prst="rect">
+            <a:avLst/>
+          </a:prstGeom>
+        </p:spPr>
+        <p:style>
+          <a:lnRef idx="2">
+            <a:schemeClr val="dk1"/>
+          </a:lnRef>
+          <a:fillRef idx="1">
+            <a:schemeClr val="lt1"/>
+          </a:fillRef>
+          <a:effectRef idx="0">
+            <a:schemeClr val="dk1"/>
+          </a:effectRef>
+          <a:fontRef idx="minor">
+            <a:schemeClr val="dk1"/>
+          </a:fontRef>
+        </p:style>
+        <p:txBody>
+          <a:bodyPr rtlCol="0" anchor="ctr"/>
+          <a:lstStyle/>
+          <a:p>
+            <a:pPr algn="ctr"/>
+            <a:r>
+              <a:rPr lang="en-ID" sz="1400" dirty="0" smtClean="0"/>
+              <a:t>Portable</a:t>
+            </a:r>
+            <a:endParaRPr lang="en-GB" sz="1400" dirty="0"/>
+          </a:p>
+        </p:txBody>
+      </p:sp>
+      <p:sp>
+        <p:nvSpPr>
+          <p:cNvPr id="12" name="Rectangle 11"/>
+          <p:cNvSpPr/>
+          <p:nvPr/>
+        </p:nvSpPr>
+        <p:spPr>
+          <a:xfrm>
+            <a:off x="4532917" y="888144"/>
+            <a:ext cx="900000" cy="288000"/>
+          </a:xfrm>
+          <a:prstGeom prst="rect">
+            <a:avLst/>
+          </a:prstGeom>
+        </p:spPr>
+        <p:style>
+          <a:lnRef idx="1">
+            <a:schemeClr val="accent5"/>
+          </a:lnRef>
+          <a:fillRef idx="3">
+            <a:schemeClr val="accent5"/>
+          </a:fillRef>
+          <a:effectRef idx="2">
+            <a:schemeClr val="accent5"/>
+          </a:effectRef>
+          <a:fontRef idx="minor">
+            <a:schemeClr val="lt1"/>
+          </a:fontRef>
+        </p:style>
+        <p:txBody>
+          <a:bodyPr rtlCol="0" anchor="ctr"/>
+          <a:lstStyle/>
+          <a:p>
+            <a:pPr algn="ctr"/>
+            <a:r>
+              <a:rPr lang="en-ID" sz="1400" dirty="0" err="1" smtClean="0"/>
+              <a:t>Ya</a:t>
+            </a:r>
+            <a:endParaRPr lang="en-GB" sz="1400" dirty="0"/>
+          </a:p>
+        </p:txBody>
+      </p:sp>
+      <p:sp>
+        <p:nvSpPr>
+          <p:cNvPr id="13" name="Rectangle 12"/>
+          <p:cNvSpPr/>
+          <p:nvPr/>
+        </p:nvSpPr>
+        <p:spPr>
+          <a:xfrm>
+            <a:off x="4532917" y="1380058"/>
+            <a:ext cx="900000" cy="288000"/>
+          </a:xfrm>
+          <a:prstGeom prst="rect">
+            <a:avLst/>
+          </a:prstGeom>
+        </p:spPr>
+        <p:style>
+          <a:lnRef idx="1">
+            <a:schemeClr val="accent1"/>
+          </a:lnRef>
+          <a:fillRef idx="3">
+            <a:schemeClr val="accent1"/>
+          </a:fillRef>
+          <a:effectRef idx="2">
+            <a:schemeClr val="accent1"/>
+          </a:effectRef>
+          <a:fontRef idx="minor">
+            <a:schemeClr val="lt1"/>
+          </a:fontRef>
+        </p:style>
+        <p:txBody>
+          <a:bodyPr rtlCol="0" anchor="ctr"/>
+          <a:lstStyle/>
+          <a:p>
+            <a:pPr algn="ctr"/>
+            <a:r>
+              <a:rPr lang="en-ID" sz="1400" dirty="0" err="1" smtClean="0"/>
+              <a:t>Tidak</a:t>
+            </a:r>
+            <a:endParaRPr lang="en-GB" sz="1400" dirty="0"/>
+          </a:p>
+        </p:txBody>
+      </p:sp>
+      <p:sp>
+        <p:nvSpPr>
+          <p:cNvPr id="14" name="Rectangle 13"/>
+          <p:cNvSpPr/>
+          <p:nvPr/>
+        </p:nvSpPr>
+        <p:spPr>
+          <a:xfrm>
+            <a:off x="2956516" y="3146751"/>
+            <a:ext cx="900000" cy="288000"/>
+          </a:xfrm>
+          <a:prstGeom prst="rect">
+            <a:avLst/>
+          </a:prstGeom>
+        </p:spPr>
+        <p:style>
+          <a:lnRef idx="1">
+            <a:schemeClr val="accent5"/>
+          </a:lnRef>
+          <a:fillRef idx="3">
+            <a:schemeClr val="accent5"/>
+          </a:fillRef>
+          <a:effectRef idx="2">
+            <a:schemeClr val="accent5"/>
+          </a:effectRef>
+          <a:fontRef idx="minor">
+            <a:schemeClr val="lt1"/>
+          </a:fontRef>
+        </p:style>
+        <p:txBody>
+          <a:bodyPr rtlCol="0" anchor="ctr"/>
+          <a:lstStyle/>
+          <a:p>
+            <a:pPr algn="ctr"/>
+            <a:r>
+              <a:rPr lang="en-ID" sz="1400" dirty="0" err="1" smtClean="0"/>
+              <a:t>Besar</a:t>
+            </a:r>
+            <a:endParaRPr lang="en-GB" sz="1400" dirty="0"/>
+          </a:p>
+        </p:txBody>
+      </p:sp>
+      <p:sp>
+        <p:nvSpPr>
+          <p:cNvPr id="15" name="Rectangle 14"/>
+          <p:cNvSpPr/>
+          <p:nvPr/>
+        </p:nvSpPr>
+        <p:spPr>
+          <a:xfrm>
+            <a:off x="2956516" y="4090708"/>
+            <a:ext cx="900000" cy="288000"/>
+          </a:xfrm>
+          <a:prstGeom prst="rect">
+            <a:avLst/>
+          </a:prstGeom>
+        </p:spPr>
+        <p:style>
+          <a:lnRef idx="1">
+            <a:schemeClr val="accent5"/>
+          </a:lnRef>
+          <a:fillRef idx="3">
+            <a:schemeClr val="accent5"/>
+          </a:fillRef>
+          <a:effectRef idx="2">
+            <a:schemeClr val="accent5"/>
+          </a:effectRef>
+          <a:fontRef idx="minor">
+            <a:schemeClr val="lt1"/>
+          </a:fontRef>
+        </p:style>
+        <p:txBody>
+          <a:bodyPr rtlCol="0" anchor="ctr"/>
+          <a:lstStyle/>
+          <a:p>
+            <a:pPr algn="ctr"/>
+            <a:r>
+              <a:rPr lang="en-ID" sz="1400" dirty="0" smtClean="0"/>
+              <a:t>Normal</a:t>
+            </a:r>
+            <a:endParaRPr lang="en-GB" sz="1400" dirty="0"/>
+          </a:p>
+        </p:txBody>
+      </p:sp>
+      <p:sp>
+        <p:nvSpPr>
+          <p:cNvPr id="16" name="Rectangle 15"/>
+          <p:cNvSpPr/>
+          <p:nvPr/>
+        </p:nvSpPr>
+        <p:spPr>
+          <a:xfrm>
+            <a:off x="2956516" y="5034665"/>
+            <a:ext cx="900000" cy="288000"/>
+          </a:xfrm>
+          <a:prstGeom prst="rect">
+            <a:avLst/>
+          </a:prstGeom>
+        </p:spPr>
+        <p:style>
+          <a:lnRef idx="1">
+            <a:schemeClr val="accent5"/>
+          </a:lnRef>
+          <a:fillRef idx="3">
+            <a:schemeClr val="accent5"/>
+          </a:fillRef>
+          <a:effectRef idx="2">
+            <a:schemeClr val="accent5"/>
+          </a:effectRef>
+          <a:fontRef idx="minor">
+            <a:schemeClr val="lt1"/>
+          </a:fontRef>
+        </p:style>
+        <p:txBody>
+          <a:bodyPr rtlCol="0" anchor="ctr"/>
+          <a:lstStyle/>
+          <a:p>
+            <a:pPr algn="ctr"/>
+            <a:r>
+              <a:rPr lang="en-ID" sz="1400" dirty="0" err="1" smtClean="0"/>
+              <a:t>Besar</a:t>
+            </a:r>
+            <a:endParaRPr lang="en-GB" sz="1400" dirty="0"/>
+          </a:p>
+        </p:txBody>
+      </p:sp>
+      <p:sp>
+        <p:nvSpPr>
+          <p:cNvPr id="17" name="Rectangle 16"/>
+          <p:cNvSpPr/>
+          <p:nvPr/>
+        </p:nvSpPr>
+        <p:spPr>
+          <a:xfrm>
+            <a:off x="2956516" y="5978624"/>
+            <a:ext cx="900000" cy="288000"/>
+          </a:xfrm>
+          <a:prstGeom prst="rect">
+            <a:avLst/>
+          </a:prstGeom>
+        </p:spPr>
+        <p:style>
+          <a:lnRef idx="1">
+            <a:schemeClr val="accent5"/>
+          </a:lnRef>
+          <a:fillRef idx="3">
+            <a:schemeClr val="accent5"/>
+          </a:fillRef>
+          <a:effectRef idx="2">
+            <a:schemeClr val="accent5"/>
+          </a:effectRef>
+          <a:fontRef idx="minor">
+            <a:schemeClr val="lt1"/>
+          </a:fontRef>
+        </p:style>
+        <p:txBody>
+          <a:bodyPr rtlCol="0" anchor="ctr"/>
+          <a:lstStyle/>
+          <a:p>
+            <a:pPr algn="ctr"/>
+            <a:r>
+              <a:rPr lang="en-ID" sz="1400" dirty="0" smtClean="0"/>
+              <a:t>Normal</a:t>
+            </a:r>
+            <a:endParaRPr lang="en-GB" sz="1400" dirty="0"/>
+          </a:p>
+        </p:txBody>
+      </p:sp>
+      <p:sp>
+        <p:nvSpPr>
+          <p:cNvPr id="18" name="Rectangle 17"/>
+          <p:cNvSpPr/>
+          <p:nvPr/>
+        </p:nvSpPr>
+        <p:spPr>
+          <a:xfrm>
+            <a:off x="4532917" y="1849621"/>
+            <a:ext cx="900000" cy="288000"/>
+          </a:xfrm>
+          <a:prstGeom prst="rect">
+            <a:avLst/>
+          </a:prstGeom>
+        </p:spPr>
+        <p:style>
+          <a:lnRef idx="1">
+            <a:schemeClr val="accent5"/>
+          </a:lnRef>
+          <a:fillRef idx="3">
+            <a:schemeClr val="accent5"/>
+          </a:fillRef>
+          <a:effectRef idx="2">
+            <a:schemeClr val="accent5"/>
+          </a:effectRef>
+          <a:fontRef idx="minor">
+            <a:schemeClr val="lt1"/>
+          </a:fontRef>
+        </p:style>
+        <p:txBody>
+          <a:bodyPr rtlCol="0" anchor="ctr"/>
+          <a:lstStyle/>
+          <a:p>
+            <a:pPr algn="ctr"/>
+            <a:r>
+              <a:rPr lang="en-ID" sz="1400" dirty="0" err="1" smtClean="0"/>
+              <a:t>Ya</a:t>
+            </a:r>
+            <a:endParaRPr lang="en-GB" sz="1400" dirty="0"/>
+          </a:p>
+        </p:txBody>
+      </p:sp>
+      <p:sp>
+        <p:nvSpPr>
+          <p:cNvPr id="19" name="Rectangle 18"/>
+          <p:cNvSpPr/>
+          <p:nvPr/>
+        </p:nvSpPr>
+        <p:spPr>
+          <a:xfrm>
+            <a:off x="4532917" y="2339876"/>
+            <a:ext cx="900000" cy="288000"/>
+          </a:xfrm>
+          <a:prstGeom prst="rect">
+            <a:avLst/>
+          </a:prstGeom>
+        </p:spPr>
+        <p:style>
+          <a:lnRef idx="1">
+            <a:schemeClr val="accent1"/>
+          </a:lnRef>
+          <a:fillRef idx="3">
+            <a:schemeClr val="accent1"/>
+          </a:fillRef>
+          <a:effectRef idx="2">
+            <a:schemeClr val="accent1"/>
+          </a:effectRef>
+          <a:fontRef idx="minor">
+            <a:schemeClr val="lt1"/>
+          </a:fontRef>
+        </p:style>
+        <p:txBody>
+          <a:bodyPr rtlCol="0" anchor="ctr"/>
+          <a:lstStyle/>
+          <a:p>
+            <a:pPr algn="ctr"/>
+            <a:r>
+              <a:rPr lang="en-ID" sz="1400" dirty="0" err="1" smtClean="0"/>
+              <a:t>Tidak</a:t>
+            </a:r>
+            <a:endParaRPr lang="en-GB" sz="1400" dirty="0"/>
+          </a:p>
+        </p:txBody>
+      </p:sp>
+      <p:sp>
+        <p:nvSpPr>
+          <p:cNvPr id="20" name="Rectangle 19"/>
+          <p:cNvSpPr/>
+          <p:nvPr/>
+        </p:nvSpPr>
+        <p:spPr>
+          <a:xfrm>
+            <a:off x="4532917" y="2880897"/>
+            <a:ext cx="900000" cy="288000"/>
+          </a:xfrm>
+          <a:prstGeom prst="rect">
+            <a:avLst/>
+          </a:prstGeom>
+        </p:spPr>
+        <p:style>
+          <a:lnRef idx="1">
+            <a:schemeClr val="accent5"/>
+          </a:lnRef>
+          <a:fillRef idx="3">
+            <a:schemeClr val="accent5"/>
+          </a:fillRef>
+          <a:effectRef idx="2">
+            <a:schemeClr val="accent5"/>
+          </a:effectRef>
+          <a:fontRef idx="minor">
+            <a:schemeClr val="lt1"/>
+          </a:fontRef>
+        </p:style>
+        <p:txBody>
+          <a:bodyPr rtlCol="0" anchor="ctr"/>
+          <a:lstStyle/>
+          <a:p>
+            <a:pPr algn="ctr"/>
+            <a:r>
+              <a:rPr lang="en-ID" sz="1400" dirty="0" err="1" smtClean="0"/>
+              <a:t>Ya</a:t>
+            </a:r>
+            <a:endParaRPr lang="en-GB" sz="1400" dirty="0"/>
+          </a:p>
+        </p:txBody>
+      </p:sp>
+      <p:sp>
+        <p:nvSpPr>
+          <p:cNvPr id="21" name="Rectangle 20"/>
+          <p:cNvSpPr/>
+          <p:nvPr/>
+        </p:nvSpPr>
+        <p:spPr>
+          <a:xfrm>
+            <a:off x="4532917" y="3408647"/>
+            <a:ext cx="900000" cy="288000"/>
+          </a:xfrm>
+          <a:prstGeom prst="rect">
+            <a:avLst/>
+          </a:prstGeom>
+        </p:spPr>
+        <p:style>
+          <a:lnRef idx="1">
+            <a:schemeClr val="accent1"/>
+          </a:lnRef>
+          <a:fillRef idx="3">
+            <a:schemeClr val="accent1"/>
+          </a:fillRef>
+          <a:effectRef idx="2">
+            <a:schemeClr val="accent1"/>
+          </a:effectRef>
+          <a:fontRef idx="minor">
+            <a:schemeClr val="lt1"/>
+          </a:fontRef>
+        </p:style>
+        <p:txBody>
+          <a:bodyPr rtlCol="0" anchor="ctr"/>
+          <a:lstStyle/>
+          <a:p>
+            <a:pPr algn="ctr"/>
+            <a:r>
+              <a:rPr lang="en-ID" sz="1400" dirty="0" err="1" smtClean="0"/>
+              <a:t>Tidak</a:t>
+            </a:r>
+            <a:endParaRPr lang="en-GB" sz="1400" dirty="0"/>
+          </a:p>
+        </p:txBody>
+      </p:sp>
+      <p:sp>
+        <p:nvSpPr>
+          <p:cNvPr id="22" name="Rectangle 21"/>
+          <p:cNvSpPr/>
+          <p:nvPr/>
+        </p:nvSpPr>
+        <p:spPr>
+          <a:xfrm>
+            <a:off x="4532917" y="3941393"/>
+            <a:ext cx="900000" cy="288000"/>
+          </a:xfrm>
+          <a:prstGeom prst="rect">
+            <a:avLst/>
+          </a:prstGeom>
+        </p:spPr>
+        <p:style>
+          <a:lnRef idx="1">
+            <a:schemeClr val="accent5"/>
+          </a:lnRef>
+          <a:fillRef idx="3">
+            <a:schemeClr val="accent5"/>
+          </a:fillRef>
+          <a:effectRef idx="2">
+            <a:schemeClr val="accent5"/>
+          </a:effectRef>
+          <a:fontRef idx="minor">
+            <a:schemeClr val="lt1"/>
+          </a:fontRef>
+        </p:style>
+        <p:txBody>
+          <a:bodyPr rtlCol="0" anchor="ctr"/>
+          <a:lstStyle/>
+          <a:p>
+            <a:pPr algn="ctr"/>
+            <a:r>
+              <a:rPr lang="en-ID" sz="1400" dirty="0" err="1" smtClean="0"/>
+              <a:t>Ya</a:t>
+            </a:r>
+            <a:endParaRPr lang="en-GB" sz="1400" dirty="0"/>
+          </a:p>
+        </p:txBody>
+      </p:sp>
+      <p:sp>
+        <p:nvSpPr>
+          <p:cNvPr id="23" name="Rectangle 22"/>
+          <p:cNvSpPr/>
+          <p:nvPr/>
+        </p:nvSpPr>
+        <p:spPr>
+          <a:xfrm>
+            <a:off x="4532917" y="4414505"/>
+            <a:ext cx="900000" cy="288000"/>
+          </a:xfrm>
+          <a:prstGeom prst="rect">
+            <a:avLst/>
+          </a:prstGeom>
+        </p:spPr>
+        <p:style>
+          <a:lnRef idx="1">
+            <a:schemeClr val="accent1"/>
+          </a:lnRef>
+          <a:fillRef idx="3">
+            <a:schemeClr val="accent1"/>
+          </a:fillRef>
+          <a:effectRef idx="2">
+            <a:schemeClr val="accent1"/>
+          </a:effectRef>
+          <a:fontRef idx="minor">
+            <a:schemeClr val="lt1"/>
+          </a:fontRef>
+        </p:style>
+        <p:txBody>
+          <a:bodyPr rtlCol="0" anchor="ctr"/>
+          <a:lstStyle/>
+          <a:p>
+            <a:pPr algn="ctr"/>
+            <a:r>
+              <a:rPr lang="en-ID" sz="1400" dirty="0" err="1" smtClean="0"/>
+              <a:t>Tidak</a:t>
+            </a:r>
+            <a:endParaRPr lang="en-GB" sz="1400" dirty="0"/>
+          </a:p>
+        </p:txBody>
+      </p:sp>
+      <p:sp>
+        <p:nvSpPr>
+          <p:cNvPr id="24" name="Rectangle 23"/>
+          <p:cNvSpPr/>
+          <p:nvPr/>
+        </p:nvSpPr>
+        <p:spPr>
+          <a:xfrm>
+            <a:off x="4532917" y="4904318"/>
+            <a:ext cx="900000" cy="288000"/>
+          </a:xfrm>
+          <a:prstGeom prst="rect">
+            <a:avLst/>
+          </a:prstGeom>
+        </p:spPr>
+        <p:style>
+          <a:lnRef idx="1">
+            <a:schemeClr val="accent5"/>
+          </a:lnRef>
+          <a:fillRef idx="3">
+            <a:schemeClr val="accent5"/>
+          </a:fillRef>
+          <a:effectRef idx="2">
+            <a:schemeClr val="accent5"/>
+          </a:effectRef>
+          <a:fontRef idx="minor">
+            <a:schemeClr val="lt1"/>
+          </a:fontRef>
+        </p:style>
+        <p:txBody>
+          <a:bodyPr rtlCol="0" anchor="ctr"/>
+          <a:lstStyle/>
+          <a:p>
+            <a:pPr algn="ctr"/>
+            <a:r>
+              <a:rPr lang="en-ID" sz="1400" dirty="0" err="1" smtClean="0"/>
+              <a:t>Ya</a:t>
+            </a:r>
+            <a:endParaRPr lang="en-GB" sz="1400" dirty="0"/>
+          </a:p>
+        </p:txBody>
+      </p:sp>
+      <p:sp>
+        <p:nvSpPr>
+          <p:cNvPr id="25" name="Rectangle 24"/>
+          <p:cNvSpPr/>
+          <p:nvPr/>
+        </p:nvSpPr>
+        <p:spPr>
+          <a:xfrm>
+            <a:off x="4532917" y="5405090"/>
+            <a:ext cx="900000" cy="288000"/>
+          </a:xfrm>
+          <a:prstGeom prst="rect">
+            <a:avLst/>
+          </a:prstGeom>
+        </p:spPr>
+        <p:style>
+          <a:lnRef idx="1">
+            <a:schemeClr val="accent1"/>
+          </a:lnRef>
+          <a:fillRef idx="3">
+            <a:schemeClr val="accent1"/>
+          </a:fillRef>
+          <a:effectRef idx="2">
+            <a:schemeClr val="accent1"/>
+          </a:effectRef>
+          <a:fontRef idx="minor">
+            <a:schemeClr val="lt1"/>
+          </a:fontRef>
+        </p:style>
+        <p:txBody>
+          <a:bodyPr rtlCol="0" anchor="ctr"/>
+          <a:lstStyle/>
+          <a:p>
+            <a:pPr algn="ctr"/>
+            <a:r>
+              <a:rPr lang="en-ID" sz="1400" dirty="0" err="1" smtClean="0"/>
+              <a:t>Tidak</a:t>
+            </a:r>
+            <a:endParaRPr lang="en-GB" sz="1400" dirty="0"/>
+          </a:p>
+        </p:txBody>
+      </p:sp>
+      <p:sp>
+        <p:nvSpPr>
+          <p:cNvPr id="26" name="Rectangle 25"/>
+          <p:cNvSpPr/>
+          <p:nvPr/>
+        </p:nvSpPr>
+        <p:spPr>
+          <a:xfrm>
+            <a:off x="4551234" y="5903414"/>
+            <a:ext cx="900000" cy="288000"/>
+          </a:xfrm>
+          <a:prstGeom prst="rect">
+            <a:avLst/>
+          </a:prstGeom>
+        </p:spPr>
+        <p:style>
+          <a:lnRef idx="1">
+            <a:schemeClr val="accent5"/>
+          </a:lnRef>
+          <a:fillRef idx="3">
+            <a:schemeClr val="accent5"/>
+          </a:fillRef>
+          <a:effectRef idx="2">
+            <a:schemeClr val="accent5"/>
+          </a:effectRef>
+          <a:fontRef idx="minor">
+            <a:schemeClr val="lt1"/>
+          </a:fontRef>
+        </p:style>
+        <p:txBody>
+          <a:bodyPr rtlCol="0" anchor="ctr"/>
+          <a:lstStyle/>
+          <a:p>
+            <a:pPr algn="ctr"/>
+            <a:r>
+              <a:rPr lang="en-ID" sz="1400" dirty="0" err="1" smtClean="0"/>
+              <a:t>Ya</a:t>
+            </a:r>
+            <a:endParaRPr lang="en-GB" sz="1400" dirty="0"/>
+          </a:p>
+        </p:txBody>
+      </p:sp>
+      <p:sp>
+        <p:nvSpPr>
+          <p:cNvPr id="27" name="Rectangle 26"/>
+          <p:cNvSpPr/>
+          <p:nvPr/>
+        </p:nvSpPr>
+        <p:spPr>
+          <a:xfrm>
+            <a:off x="4532917" y="6376674"/>
+            <a:ext cx="900000" cy="288000"/>
+          </a:xfrm>
+          <a:prstGeom prst="rect">
+            <a:avLst/>
+          </a:prstGeom>
+        </p:spPr>
+        <p:style>
+          <a:lnRef idx="1">
+            <a:schemeClr val="accent1"/>
+          </a:lnRef>
+          <a:fillRef idx="3">
+            <a:schemeClr val="accent1"/>
+          </a:fillRef>
+          <a:effectRef idx="2">
+            <a:schemeClr val="accent1"/>
+          </a:effectRef>
+          <a:fontRef idx="minor">
+            <a:schemeClr val="lt1"/>
+          </a:fontRef>
+        </p:style>
+        <p:txBody>
+          <a:bodyPr rtlCol="0" anchor="ctr"/>
+          <a:lstStyle/>
+          <a:p>
+            <a:pPr algn="ctr"/>
+            <a:r>
+              <a:rPr lang="en-ID" sz="1400" dirty="0" err="1" smtClean="0"/>
+              <a:t>Tidak</a:t>
+            </a:r>
+            <a:endParaRPr lang="en-GB" sz="1400" dirty="0"/>
+          </a:p>
+        </p:txBody>
+      </p:sp>
+      <p:cxnSp>
+        <p:nvCxnSpPr>
+          <p:cNvPr id="29" name="Straight Arrow Connector 28"/>
+          <p:cNvCxnSpPr>
+            <a:stCxn id="3" idx="3"/>
+            <a:endCxn id="4" idx="1"/>
+          </p:cNvCxnSpPr>
+          <p:nvPr/>
+        </p:nvCxnSpPr>
+        <p:spPr>
+          <a:xfrm flipV="1">
+            <a:off x="1061737" y="1811517"/>
+            <a:ext cx="462678" cy="1981043"/>
+          </a:xfrm>
+          <a:prstGeom prst="straightConnector1">
+            <a:avLst/>
+          </a:prstGeom>
+          <a:ln>
+            <a:tailEnd type="triangle"/>
+          </a:ln>
+        </p:spPr>
+        <p:style>
+          <a:lnRef idx="1">
+            <a:schemeClr val="accent1"/>
+          </a:lnRef>
+          <a:fillRef idx="0">
+            <a:schemeClr val="accent1"/>
+          </a:fillRef>
+          <a:effectRef idx="0">
+            <a:schemeClr val="accent1"/>
+          </a:effectRef>
+          <a:fontRef idx="minor">
+            <a:schemeClr val="tx1"/>
+          </a:fontRef>
+        </p:style>
+      </p:cxnSp>
+      <p:cxnSp>
+        <p:nvCxnSpPr>
+          <p:cNvPr id="30" name="Straight Arrow Connector 29"/>
+          <p:cNvCxnSpPr>
+            <a:stCxn id="3" idx="3"/>
+            <a:endCxn id="5" idx="1"/>
+          </p:cNvCxnSpPr>
+          <p:nvPr/>
+        </p:nvCxnSpPr>
+        <p:spPr>
+          <a:xfrm>
+            <a:off x="1061737" y="3792560"/>
+            <a:ext cx="462678" cy="30329"/>
+          </a:xfrm>
+          <a:prstGeom prst="straightConnector1">
+            <a:avLst/>
+          </a:prstGeom>
+          <a:ln>
+            <a:tailEnd type="triangle"/>
+          </a:ln>
+        </p:spPr>
+        <p:style>
+          <a:lnRef idx="1">
+            <a:schemeClr val="accent1"/>
+          </a:lnRef>
+          <a:fillRef idx="0">
+            <a:schemeClr val="accent1"/>
+          </a:fillRef>
+          <a:effectRef idx="0">
+            <a:schemeClr val="accent1"/>
+          </a:effectRef>
+          <a:fontRef idx="minor">
+            <a:schemeClr val="tx1"/>
+          </a:fontRef>
+        </p:style>
+      </p:cxnSp>
+      <p:cxnSp>
+        <p:nvCxnSpPr>
+          <p:cNvPr id="33" name="Straight Arrow Connector 32"/>
+          <p:cNvCxnSpPr>
+            <a:stCxn id="3" idx="3"/>
+            <a:endCxn id="6" idx="1"/>
+          </p:cNvCxnSpPr>
+          <p:nvPr/>
+        </p:nvCxnSpPr>
+        <p:spPr>
+          <a:xfrm>
+            <a:off x="1061737" y="3792560"/>
+            <a:ext cx="462677" cy="2041700"/>
+          </a:xfrm>
+          <a:prstGeom prst="straightConnector1">
+            <a:avLst/>
+          </a:prstGeom>
+          <a:ln>
+            <a:tailEnd type="triangle"/>
+          </a:ln>
+        </p:spPr>
+        <p:style>
+          <a:lnRef idx="1">
+            <a:schemeClr val="accent1"/>
+          </a:lnRef>
+          <a:fillRef idx="0">
+            <a:schemeClr val="accent1"/>
+          </a:fillRef>
+          <a:effectRef idx="0">
+            <a:schemeClr val="accent1"/>
+          </a:effectRef>
+          <a:fontRef idx="minor">
+            <a:schemeClr val="tx1"/>
+          </a:fontRef>
+        </p:style>
+      </p:cxnSp>
+      <p:cxnSp>
+        <p:nvCxnSpPr>
+          <p:cNvPr id="36" name="Straight Arrow Connector 35"/>
+          <p:cNvCxnSpPr>
+            <a:stCxn id="4" idx="3"/>
+            <a:endCxn id="9" idx="1"/>
+          </p:cNvCxnSpPr>
+          <p:nvPr/>
+        </p:nvCxnSpPr>
+        <p:spPr>
+          <a:xfrm flipV="1">
+            <a:off x="2424415" y="1402837"/>
+            <a:ext cx="532101" cy="408680"/>
+          </a:xfrm>
+          <a:prstGeom prst="straightConnector1">
+            <a:avLst/>
+          </a:prstGeom>
+          <a:ln>
+            <a:tailEnd type="triangle"/>
+          </a:ln>
+        </p:spPr>
+        <p:style>
+          <a:lnRef idx="1">
+            <a:schemeClr val="accent5"/>
+          </a:lnRef>
+          <a:fillRef idx="3">
+            <a:schemeClr val="accent5"/>
+          </a:fillRef>
+          <a:effectRef idx="2">
+            <a:schemeClr val="accent5"/>
+          </a:effectRef>
+          <a:fontRef idx="minor">
+            <a:schemeClr val="lt1"/>
+          </a:fontRef>
+        </p:style>
+      </p:cxnSp>
+      <p:cxnSp>
+        <p:nvCxnSpPr>
+          <p:cNvPr id="39" name="Straight Arrow Connector 38"/>
+          <p:cNvCxnSpPr>
+            <a:stCxn id="4" idx="3"/>
+            <a:endCxn id="10" idx="1"/>
+          </p:cNvCxnSpPr>
+          <p:nvPr/>
+        </p:nvCxnSpPr>
+        <p:spPr>
+          <a:xfrm>
+            <a:off x="2424415" y="1811517"/>
+            <a:ext cx="532101" cy="535277"/>
+          </a:xfrm>
+          <a:prstGeom prst="straightConnector1">
+            <a:avLst/>
+          </a:prstGeom>
+          <a:ln>
+            <a:tailEnd type="triangle"/>
+          </a:ln>
+        </p:spPr>
+        <p:style>
+          <a:lnRef idx="1">
+            <a:schemeClr val="accent5"/>
+          </a:lnRef>
+          <a:fillRef idx="3">
+            <a:schemeClr val="accent5"/>
+          </a:fillRef>
+          <a:effectRef idx="2">
+            <a:schemeClr val="accent5"/>
+          </a:effectRef>
+          <a:fontRef idx="minor">
+            <a:schemeClr val="lt1"/>
+          </a:fontRef>
+        </p:style>
+      </p:cxnSp>
+      <p:cxnSp>
+        <p:nvCxnSpPr>
+          <p:cNvPr id="42" name="Straight Arrow Connector 41"/>
+          <p:cNvCxnSpPr>
+            <a:stCxn id="5" idx="3"/>
+            <a:endCxn id="14" idx="1"/>
+          </p:cNvCxnSpPr>
+          <p:nvPr/>
+        </p:nvCxnSpPr>
+        <p:spPr>
+          <a:xfrm flipV="1">
+            <a:off x="2424415" y="3290751"/>
+            <a:ext cx="532101" cy="532138"/>
+          </a:xfrm>
+          <a:prstGeom prst="straightConnector1">
+            <a:avLst/>
+          </a:prstGeom>
+          <a:ln>
+            <a:tailEnd type="triangle"/>
+          </a:ln>
+        </p:spPr>
+        <p:style>
+          <a:lnRef idx="1">
+            <a:schemeClr val="accent5"/>
+          </a:lnRef>
+          <a:fillRef idx="3">
+            <a:schemeClr val="accent5"/>
+          </a:fillRef>
+          <a:effectRef idx="2">
+            <a:schemeClr val="accent5"/>
+          </a:effectRef>
+          <a:fontRef idx="minor">
+            <a:schemeClr val="lt1"/>
+          </a:fontRef>
+        </p:style>
+      </p:cxnSp>
+      <p:cxnSp>
+        <p:nvCxnSpPr>
+          <p:cNvPr id="45" name="Straight Arrow Connector 44"/>
+          <p:cNvCxnSpPr>
+            <a:stCxn id="5" idx="3"/>
+            <a:endCxn id="15" idx="1"/>
+          </p:cNvCxnSpPr>
+          <p:nvPr/>
+        </p:nvCxnSpPr>
+        <p:spPr>
+          <a:xfrm>
+            <a:off x="2424415" y="3822889"/>
+            <a:ext cx="532101" cy="411819"/>
+          </a:xfrm>
+          <a:prstGeom prst="straightConnector1">
+            <a:avLst/>
+          </a:prstGeom>
+          <a:ln>
+            <a:tailEnd type="triangle"/>
+          </a:ln>
+        </p:spPr>
+        <p:style>
+          <a:lnRef idx="1">
+            <a:schemeClr val="accent5"/>
+          </a:lnRef>
+          <a:fillRef idx="3">
+            <a:schemeClr val="accent5"/>
+          </a:fillRef>
+          <a:effectRef idx="2">
+            <a:schemeClr val="accent5"/>
+          </a:effectRef>
+          <a:fontRef idx="minor">
+            <a:schemeClr val="lt1"/>
+          </a:fontRef>
+        </p:style>
+      </p:cxnSp>
+      <p:cxnSp>
+        <p:nvCxnSpPr>
+          <p:cNvPr id="48" name="Straight Arrow Connector 47"/>
+          <p:cNvCxnSpPr>
+            <a:stCxn id="6" idx="3"/>
+            <a:endCxn id="16" idx="1"/>
+          </p:cNvCxnSpPr>
+          <p:nvPr/>
+        </p:nvCxnSpPr>
+        <p:spPr>
+          <a:xfrm flipV="1">
+            <a:off x="2424414" y="5178665"/>
+            <a:ext cx="532102" cy="655595"/>
+          </a:xfrm>
+          <a:prstGeom prst="straightConnector1">
+            <a:avLst/>
+          </a:prstGeom>
+          <a:ln>
+            <a:tailEnd type="triangle"/>
+          </a:ln>
+        </p:spPr>
+        <p:style>
+          <a:lnRef idx="1">
+            <a:schemeClr val="accent5"/>
+          </a:lnRef>
+          <a:fillRef idx="3">
+            <a:schemeClr val="accent5"/>
+          </a:fillRef>
+          <a:effectRef idx="2">
+            <a:schemeClr val="accent5"/>
+          </a:effectRef>
+          <a:fontRef idx="minor">
+            <a:schemeClr val="lt1"/>
+          </a:fontRef>
+        </p:style>
+      </p:cxnSp>
+      <p:cxnSp>
+        <p:nvCxnSpPr>
+          <p:cNvPr id="51" name="Straight Arrow Connector 50"/>
+          <p:cNvCxnSpPr>
+            <a:stCxn id="6" idx="3"/>
+            <a:endCxn id="17" idx="1"/>
+          </p:cNvCxnSpPr>
+          <p:nvPr/>
+        </p:nvCxnSpPr>
+        <p:spPr>
+          <a:xfrm>
+            <a:off x="2424414" y="5834260"/>
+            <a:ext cx="532102" cy="288364"/>
+          </a:xfrm>
+          <a:prstGeom prst="straightConnector1">
+            <a:avLst/>
+          </a:prstGeom>
+          <a:ln>
+            <a:tailEnd type="triangle"/>
+          </a:ln>
+        </p:spPr>
+        <p:style>
+          <a:lnRef idx="1">
+            <a:schemeClr val="accent5"/>
+          </a:lnRef>
+          <a:fillRef idx="3">
+            <a:schemeClr val="accent5"/>
+          </a:fillRef>
+          <a:effectRef idx="2">
+            <a:schemeClr val="accent5"/>
+          </a:effectRef>
+          <a:fontRef idx="minor">
+            <a:schemeClr val="lt1"/>
+          </a:fontRef>
+        </p:style>
+      </p:cxnSp>
+      <p:cxnSp>
+        <p:nvCxnSpPr>
+          <p:cNvPr id="54" name="Straight Arrow Connector 53"/>
+          <p:cNvCxnSpPr>
+            <a:stCxn id="17" idx="3"/>
+            <a:endCxn id="27" idx="1"/>
+          </p:cNvCxnSpPr>
+          <p:nvPr/>
+        </p:nvCxnSpPr>
+        <p:spPr>
+          <a:xfrm>
+            <a:off x="3856516" y="6122624"/>
+            <a:ext cx="676401" cy="398050"/>
+          </a:xfrm>
+          <a:prstGeom prst="straightConnector1">
+            <a:avLst/>
+          </a:prstGeom>
+          <a:ln>
+            <a:tailEnd type="triangle"/>
+          </a:ln>
+        </p:spPr>
+        <p:style>
+          <a:lnRef idx="1">
+            <a:schemeClr val="accent5"/>
+          </a:lnRef>
+          <a:fillRef idx="3">
+            <a:schemeClr val="accent5"/>
+          </a:fillRef>
+          <a:effectRef idx="2">
+            <a:schemeClr val="accent5"/>
+          </a:effectRef>
+          <a:fontRef idx="minor">
+            <a:schemeClr val="lt1"/>
+          </a:fontRef>
+        </p:style>
+      </p:cxnSp>
+      <p:cxnSp>
+        <p:nvCxnSpPr>
+          <p:cNvPr id="57" name="Straight Arrow Connector 56"/>
+          <p:cNvCxnSpPr>
+            <a:stCxn id="17" idx="3"/>
+            <a:endCxn id="26" idx="1"/>
+          </p:cNvCxnSpPr>
+          <p:nvPr/>
+        </p:nvCxnSpPr>
+        <p:spPr>
+          <a:xfrm flipV="1">
+            <a:off x="3856516" y="6047414"/>
+            <a:ext cx="694718" cy="75210"/>
+          </a:xfrm>
+          <a:prstGeom prst="straightConnector1">
+            <a:avLst/>
+          </a:prstGeom>
+          <a:ln>
+            <a:tailEnd type="triangle"/>
+          </a:ln>
+        </p:spPr>
+        <p:style>
+          <a:lnRef idx="1">
+            <a:schemeClr val="accent5"/>
+          </a:lnRef>
+          <a:fillRef idx="3">
+            <a:schemeClr val="accent5"/>
+          </a:fillRef>
+          <a:effectRef idx="2">
+            <a:schemeClr val="accent5"/>
+          </a:effectRef>
+          <a:fontRef idx="minor">
+            <a:schemeClr val="lt1"/>
+          </a:fontRef>
+        </p:style>
+      </p:cxnSp>
+      <p:cxnSp>
+        <p:nvCxnSpPr>
+          <p:cNvPr id="60" name="Straight Arrow Connector 59"/>
+          <p:cNvCxnSpPr>
+            <a:stCxn id="16" idx="3"/>
+            <a:endCxn id="25" idx="1"/>
+          </p:cNvCxnSpPr>
+          <p:nvPr/>
+        </p:nvCxnSpPr>
+        <p:spPr>
+          <a:xfrm>
+            <a:off x="3856516" y="5178665"/>
+            <a:ext cx="676401" cy="370425"/>
+          </a:xfrm>
+          <a:prstGeom prst="straightConnector1">
+            <a:avLst/>
+          </a:prstGeom>
+          <a:ln>
+            <a:tailEnd type="triangle"/>
+          </a:ln>
+        </p:spPr>
+        <p:style>
+          <a:lnRef idx="1">
+            <a:schemeClr val="accent5"/>
+          </a:lnRef>
+          <a:fillRef idx="3">
+            <a:schemeClr val="accent5"/>
+          </a:fillRef>
+          <a:effectRef idx="2">
+            <a:schemeClr val="accent5"/>
+          </a:effectRef>
+          <a:fontRef idx="minor">
+            <a:schemeClr val="lt1"/>
+          </a:fontRef>
+        </p:style>
+      </p:cxnSp>
+      <p:cxnSp>
+        <p:nvCxnSpPr>
+          <p:cNvPr id="63" name="Straight Arrow Connector 62"/>
+          <p:cNvCxnSpPr>
+            <a:stCxn id="16" idx="3"/>
+            <a:endCxn id="24" idx="1"/>
+          </p:cNvCxnSpPr>
+          <p:nvPr/>
+        </p:nvCxnSpPr>
+        <p:spPr>
+          <a:xfrm flipV="1">
+            <a:off x="3856516" y="5048318"/>
+            <a:ext cx="676401" cy="130347"/>
+          </a:xfrm>
+          <a:prstGeom prst="straightConnector1">
+            <a:avLst/>
+          </a:prstGeom>
+          <a:ln>
+            <a:tailEnd type="triangle"/>
+          </a:ln>
+        </p:spPr>
+        <p:style>
+          <a:lnRef idx="1">
+            <a:schemeClr val="accent5"/>
+          </a:lnRef>
+          <a:fillRef idx="3">
+            <a:schemeClr val="accent5"/>
+          </a:fillRef>
+          <a:effectRef idx="2">
+            <a:schemeClr val="accent5"/>
+          </a:effectRef>
+          <a:fontRef idx="minor">
+            <a:schemeClr val="lt1"/>
+          </a:fontRef>
+        </p:style>
+      </p:cxnSp>
+      <p:cxnSp>
+        <p:nvCxnSpPr>
+          <p:cNvPr id="66" name="Straight Arrow Connector 65"/>
+          <p:cNvCxnSpPr>
+            <a:stCxn id="15" idx="3"/>
+            <a:endCxn id="23" idx="1"/>
+          </p:cNvCxnSpPr>
+          <p:nvPr/>
+        </p:nvCxnSpPr>
+        <p:spPr>
+          <a:xfrm>
+            <a:off x="3856516" y="4234708"/>
+            <a:ext cx="676401" cy="323797"/>
+          </a:xfrm>
+          <a:prstGeom prst="straightConnector1">
+            <a:avLst/>
+          </a:prstGeom>
+          <a:ln>
+            <a:tailEnd type="triangle"/>
+          </a:ln>
+        </p:spPr>
+        <p:style>
+          <a:lnRef idx="1">
+            <a:schemeClr val="accent5"/>
+          </a:lnRef>
+          <a:fillRef idx="3">
+            <a:schemeClr val="accent5"/>
+          </a:fillRef>
+          <a:effectRef idx="2">
+            <a:schemeClr val="accent5"/>
+          </a:effectRef>
+          <a:fontRef idx="minor">
+            <a:schemeClr val="lt1"/>
+          </a:fontRef>
+        </p:style>
+      </p:cxnSp>
+      <p:cxnSp>
+        <p:nvCxnSpPr>
+          <p:cNvPr id="69" name="Straight Arrow Connector 68"/>
+          <p:cNvCxnSpPr>
+            <a:stCxn id="15" idx="3"/>
+            <a:endCxn id="22" idx="1"/>
+          </p:cNvCxnSpPr>
+          <p:nvPr/>
+        </p:nvCxnSpPr>
+        <p:spPr>
+          <a:xfrm flipV="1">
+            <a:off x="3856516" y="4085393"/>
+            <a:ext cx="676401" cy="149315"/>
+          </a:xfrm>
+          <a:prstGeom prst="straightConnector1">
+            <a:avLst/>
+          </a:prstGeom>
+          <a:ln>
+            <a:tailEnd type="triangle"/>
+          </a:ln>
+        </p:spPr>
+        <p:style>
+          <a:lnRef idx="1">
+            <a:schemeClr val="accent5"/>
+          </a:lnRef>
+          <a:fillRef idx="3">
+            <a:schemeClr val="accent5"/>
+          </a:fillRef>
+          <a:effectRef idx="2">
+            <a:schemeClr val="accent5"/>
+          </a:effectRef>
+          <a:fontRef idx="minor">
+            <a:schemeClr val="lt1"/>
+          </a:fontRef>
+        </p:style>
+      </p:cxnSp>
+      <p:cxnSp>
+        <p:nvCxnSpPr>
+          <p:cNvPr id="72" name="Straight Arrow Connector 71"/>
+          <p:cNvCxnSpPr>
+            <a:stCxn id="14" idx="3"/>
+            <a:endCxn id="21" idx="1"/>
+          </p:cNvCxnSpPr>
+          <p:nvPr/>
+        </p:nvCxnSpPr>
+        <p:spPr>
+          <a:xfrm>
+            <a:off x="3856516" y="3290751"/>
+            <a:ext cx="676401" cy="261896"/>
+          </a:xfrm>
+          <a:prstGeom prst="straightConnector1">
+            <a:avLst/>
+          </a:prstGeom>
+          <a:ln>
+            <a:tailEnd type="triangle"/>
+          </a:ln>
+        </p:spPr>
+        <p:style>
+          <a:lnRef idx="1">
+            <a:schemeClr val="accent5"/>
+          </a:lnRef>
+          <a:fillRef idx="3">
+            <a:schemeClr val="accent5"/>
+          </a:fillRef>
+          <a:effectRef idx="2">
+            <a:schemeClr val="accent5"/>
+          </a:effectRef>
+          <a:fontRef idx="minor">
+            <a:schemeClr val="lt1"/>
+          </a:fontRef>
+        </p:style>
+      </p:cxnSp>
+      <p:cxnSp>
+        <p:nvCxnSpPr>
+          <p:cNvPr id="75" name="Straight Arrow Connector 74"/>
+          <p:cNvCxnSpPr>
+            <a:stCxn id="14" idx="3"/>
+            <a:endCxn id="20" idx="1"/>
+          </p:cNvCxnSpPr>
+          <p:nvPr/>
+        </p:nvCxnSpPr>
+        <p:spPr>
+          <a:xfrm flipV="1">
+            <a:off x="3856516" y="3024897"/>
+            <a:ext cx="676401" cy="265854"/>
+          </a:xfrm>
+          <a:prstGeom prst="straightConnector1">
+            <a:avLst/>
+          </a:prstGeom>
+          <a:ln>
+            <a:tailEnd type="triangle"/>
+          </a:ln>
+        </p:spPr>
+        <p:style>
+          <a:lnRef idx="1">
+            <a:schemeClr val="accent5"/>
+          </a:lnRef>
+          <a:fillRef idx="3">
+            <a:schemeClr val="accent5"/>
+          </a:fillRef>
+          <a:effectRef idx="2">
+            <a:schemeClr val="accent5"/>
+          </a:effectRef>
+          <a:fontRef idx="minor">
+            <a:schemeClr val="lt1"/>
+          </a:fontRef>
+        </p:style>
+      </p:cxnSp>
+      <p:cxnSp>
+        <p:nvCxnSpPr>
+          <p:cNvPr id="78" name="Straight Arrow Connector 77"/>
+          <p:cNvCxnSpPr>
+            <a:stCxn id="10" idx="3"/>
+            <a:endCxn id="19" idx="1"/>
+          </p:cNvCxnSpPr>
+          <p:nvPr/>
+        </p:nvCxnSpPr>
+        <p:spPr>
+          <a:xfrm>
+            <a:off x="3856516" y="2346794"/>
+            <a:ext cx="676401" cy="137082"/>
+          </a:xfrm>
+          <a:prstGeom prst="straightConnector1">
+            <a:avLst/>
+          </a:prstGeom>
+          <a:ln>
+            <a:tailEnd type="triangle"/>
+          </a:ln>
+        </p:spPr>
+        <p:style>
+          <a:lnRef idx="1">
+            <a:schemeClr val="accent5"/>
+          </a:lnRef>
+          <a:fillRef idx="3">
+            <a:schemeClr val="accent5"/>
+          </a:fillRef>
+          <a:effectRef idx="2">
+            <a:schemeClr val="accent5"/>
+          </a:effectRef>
+          <a:fontRef idx="minor">
+            <a:schemeClr val="lt1"/>
+          </a:fontRef>
+        </p:style>
+      </p:cxnSp>
+      <p:cxnSp>
+        <p:nvCxnSpPr>
+          <p:cNvPr id="81" name="Straight Arrow Connector 80"/>
+          <p:cNvCxnSpPr>
+            <a:stCxn id="10" idx="3"/>
+            <a:endCxn id="18" idx="1"/>
+          </p:cNvCxnSpPr>
+          <p:nvPr/>
+        </p:nvCxnSpPr>
+        <p:spPr>
+          <a:xfrm flipV="1">
+            <a:off x="3856516" y="1993621"/>
+            <a:ext cx="676401" cy="353173"/>
+          </a:xfrm>
+          <a:prstGeom prst="straightConnector1">
+            <a:avLst/>
+          </a:prstGeom>
+          <a:ln>
+            <a:tailEnd type="triangle"/>
+          </a:ln>
+        </p:spPr>
+        <p:style>
+          <a:lnRef idx="1">
+            <a:schemeClr val="accent5"/>
+          </a:lnRef>
+          <a:fillRef idx="3">
+            <a:schemeClr val="accent5"/>
+          </a:fillRef>
+          <a:effectRef idx="2">
+            <a:schemeClr val="accent5"/>
+          </a:effectRef>
+          <a:fontRef idx="minor">
+            <a:schemeClr val="lt1"/>
+          </a:fontRef>
+        </p:style>
+      </p:cxnSp>
+      <p:cxnSp>
+        <p:nvCxnSpPr>
+          <p:cNvPr id="84" name="Straight Arrow Connector 83"/>
+          <p:cNvCxnSpPr>
+            <a:stCxn id="9" idx="3"/>
+            <a:endCxn id="13" idx="1"/>
+          </p:cNvCxnSpPr>
+          <p:nvPr/>
+        </p:nvCxnSpPr>
+        <p:spPr>
+          <a:xfrm>
+            <a:off x="3856516" y="1402837"/>
+            <a:ext cx="676401" cy="121221"/>
+          </a:xfrm>
+          <a:prstGeom prst="straightConnector1">
+            <a:avLst/>
+          </a:prstGeom>
+          <a:ln>
+            <a:tailEnd type="triangle"/>
+          </a:ln>
+        </p:spPr>
+        <p:style>
+          <a:lnRef idx="1">
+            <a:schemeClr val="accent5"/>
+          </a:lnRef>
+          <a:fillRef idx="3">
+            <a:schemeClr val="accent5"/>
+          </a:fillRef>
+          <a:effectRef idx="2">
+            <a:schemeClr val="accent5"/>
+          </a:effectRef>
+          <a:fontRef idx="minor">
+            <a:schemeClr val="lt1"/>
+          </a:fontRef>
+        </p:style>
+      </p:cxnSp>
+      <p:cxnSp>
+        <p:nvCxnSpPr>
+          <p:cNvPr id="87" name="Straight Arrow Connector 86"/>
+          <p:cNvCxnSpPr>
+            <a:stCxn id="9" idx="3"/>
+            <a:endCxn id="12" idx="1"/>
+          </p:cNvCxnSpPr>
+          <p:nvPr/>
+        </p:nvCxnSpPr>
+        <p:spPr>
+          <a:xfrm flipV="1">
+            <a:off x="3856516" y="1032144"/>
+            <a:ext cx="676401" cy="370693"/>
+          </a:xfrm>
+          <a:prstGeom prst="straightConnector1">
+            <a:avLst/>
+          </a:prstGeom>
+          <a:ln>
+            <a:tailEnd type="triangle"/>
+          </a:ln>
+        </p:spPr>
+        <p:style>
+          <a:lnRef idx="1">
+            <a:schemeClr val="accent5"/>
+          </a:lnRef>
+          <a:fillRef idx="3">
+            <a:schemeClr val="accent5"/>
+          </a:fillRef>
+          <a:effectRef idx="2">
+            <a:schemeClr val="accent5"/>
+          </a:effectRef>
+          <a:fontRef idx="minor">
+            <a:schemeClr val="lt1"/>
+          </a:fontRef>
+        </p:style>
+      </p:cxnSp>
+      <p:sp>
+        <p:nvSpPr>
+          <p:cNvPr id="122" name="Rectangle 121"/>
+          <p:cNvSpPr/>
+          <p:nvPr/>
+        </p:nvSpPr>
+        <p:spPr>
+          <a:xfrm>
+            <a:off x="5922568" y="417853"/>
+            <a:ext cx="900000" cy="288000"/>
+          </a:xfrm>
+          <a:prstGeom prst="rect">
+            <a:avLst/>
+          </a:prstGeom>
+        </p:spPr>
+        <p:style>
+          <a:lnRef idx="2">
+            <a:schemeClr val="dk1"/>
+          </a:lnRef>
+          <a:fillRef idx="1">
+            <a:schemeClr val="lt1"/>
+          </a:fillRef>
+          <a:effectRef idx="0">
+            <a:schemeClr val="dk1"/>
+          </a:effectRef>
+          <a:fontRef idx="minor">
+            <a:schemeClr val="dk1"/>
+          </a:fontRef>
+        </p:style>
+        <p:txBody>
+          <a:bodyPr rtlCol="0" anchor="ctr"/>
+          <a:lstStyle/>
+          <a:p>
+            <a:pPr algn="ctr"/>
+            <a:r>
+              <a:rPr lang="en-ID" sz="1400" dirty="0" smtClean="0"/>
+              <a:t>RAM</a:t>
+            </a:r>
+            <a:endParaRPr lang="en-GB" sz="1400" dirty="0"/>
+          </a:p>
+        </p:txBody>
+      </p:sp>
+      <p:sp>
+        <p:nvSpPr>
+          <p:cNvPr id="123" name="Rectangle 122"/>
+          <p:cNvSpPr/>
+          <p:nvPr/>
+        </p:nvSpPr>
+        <p:spPr>
+          <a:xfrm>
+            <a:off x="7088619" y="420014"/>
+            <a:ext cx="900000" cy="288000"/>
+          </a:xfrm>
+          <a:prstGeom prst="rect">
+            <a:avLst/>
+          </a:prstGeom>
+        </p:spPr>
+        <p:style>
+          <a:lnRef idx="2">
+            <a:schemeClr val="dk1"/>
+          </a:lnRef>
+          <a:fillRef idx="1">
+            <a:schemeClr val="lt1"/>
+          </a:fillRef>
+          <a:effectRef idx="0">
+            <a:schemeClr val="dk1"/>
+          </a:effectRef>
+          <a:fontRef idx="minor">
+            <a:schemeClr val="dk1"/>
+          </a:fontRef>
+        </p:style>
+        <p:txBody>
+          <a:bodyPr rtlCol="0" anchor="ctr"/>
+          <a:lstStyle/>
+          <a:p>
+            <a:pPr algn="ctr"/>
+            <a:r>
+              <a:rPr lang="en-ID" sz="1400" dirty="0" smtClean="0"/>
+              <a:t>CPU</a:t>
+            </a:r>
+            <a:endParaRPr lang="en-GB" sz="1400" dirty="0"/>
+          </a:p>
+        </p:txBody>
+      </p:sp>
+      <p:sp>
+        <p:nvSpPr>
+          <p:cNvPr id="124" name="Rectangle 123"/>
+          <p:cNvSpPr/>
+          <p:nvPr/>
+        </p:nvSpPr>
+        <p:spPr>
+          <a:xfrm>
+            <a:off x="8254670" y="422175"/>
+            <a:ext cx="900000" cy="288000"/>
+          </a:xfrm>
+          <a:prstGeom prst="rect">
+            <a:avLst/>
+          </a:prstGeom>
+        </p:spPr>
+        <p:style>
+          <a:lnRef idx="2">
+            <a:schemeClr val="dk1"/>
+          </a:lnRef>
+          <a:fillRef idx="1">
+            <a:schemeClr val="lt1"/>
+          </a:fillRef>
+          <a:effectRef idx="0">
+            <a:schemeClr val="dk1"/>
+          </a:effectRef>
+          <a:fontRef idx="minor">
+            <a:schemeClr val="dk1"/>
+          </a:fontRef>
+        </p:style>
+        <p:txBody>
+          <a:bodyPr rtlCol="0" anchor="ctr"/>
+          <a:lstStyle/>
+          <a:p>
+            <a:pPr algn="ctr"/>
+            <a:r>
+              <a:rPr lang="en-ID" sz="1400" dirty="0" smtClean="0"/>
+              <a:t>Memory</a:t>
+            </a:r>
+            <a:endParaRPr lang="en-GB" sz="1400" dirty="0"/>
+          </a:p>
+        </p:txBody>
+      </p:sp>
+      <p:sp>
+        <p:nvSpPr>
+          <p:cNvPr id="125" name="Rectangle 124"/>
+          <p:cNvSpPr/>
+          <p:nvPr/>
+        </p:nvSpPr>
+        <p:spPr>
+          <a:xfrm>
+            <a:off x="9420721" y="424336"/>
+            <a:ext cx="900000" cy="288000"/>
+          </a:xfrm>
+          <a:prstGeom prst="rect">
+            <a:avLst/>
+          </a:prstGeom>
+        </p:spPr>
+        <p:style>
+          <a:lnRef idx="2">
+            <a:schemeClr val="dk1"/>
+          </a:lnRef>
+          <a:fillRef idx="1">
+            <a:schemeClr val="lt1"/>
+          </a:fillRef>
+          <a:effectRef idx="0">
+            <a:schemeClr val="dk1"/>
+          </a:effectRef>
+          <a:fontRef idx="minor">
+            <a:schemeClr val="dk1"/>
+          </a:fontRef>
+        </p:style>
+        <p:txBody>
+          <a:bodyPr rtlCol="0" anchor="ctr"/>
+          <a:lstStyle/>
+          <a:p>
+            <a:pPr algn="ctr"/>
+            <a:r>
+              <a:rPr lang="en-ID" sz="1400" dirty="0" err="1" smtClean="0"/>
+              <a:t>Layar</a:t>
+            </a:r>
+            <a:endParaRPr lang="en-GB" sz="1400" dirty="0"/>
+          </a:p>
+        </p:txBody>
+      </p:sp>
+      <p:sp>
+        <p:nvSpPr>
+          <p:cNvPr id="159" name="Rectangle 158"/>
+          <p:cNvSpPr/>
+          <p:nvPr/>
+        </p:nvSpPr>
+        <p:spPr>
+          <a:xfrm>
+            <a:off x="5922568" y="888144"/>
+            <a:ext cx="900000" cy="288000"/>
+          </a:xfrm>
+          <a:prstGeom prst="rect">
+            <a:avLst/>
+          </a:prstGeom>
+          <a:solidFill>
+            <a:schemeClr val="accent6">
+              <a:lumMod val="75000"/>
+            </a:schemeClr>
+          </a:solidFill>
+        </p:spPr>
+        <p:style>
+          <a:lnRef idx="1">
+            <a:schemeClr val="accent6"/>
+          </a:lnRef>
+          <a:fillRef idx="3">
+            <a:schemeClr val="accent6"/>
+          </a:fillRef>
+          <a:effectRef idx="2">
+            <a:schemeClr val="accent6"/>
+          </a:effectRef>
+          <a:fontRef idx="minor">
+            <a:schemeClr val="lt1"/>
+          </a:fontRef>
+        </p:style>
+        <p:txBody>
+          <a:bodyPr rtlCol="0" anchor="ctr"/>
+          <a:lstStyle/>
+          <a:p>
+            <a:pPr algn="ctr"/>
+            <a:r>
+              <a:rPr lang="en-ID" sz="1400" dirty="0"/>
+              <a:t>2</a:t>
+            </a:r>
+            <a:r>
+              <a:rPr lang="en-ID" sz="1400" dirty="0" smtClean="0"/>
+              <a:t>GB</a:t>
+            </a:r>
+            <a:endParaRPr lang="en-GB" sz="1400" dirty="0"/>
+          </a:p>
+        </p:txBody>
+      </p:sp>
+      <p:sp>
+        <p:nvSpPr>
+          <p:cNvPr id="160" name="Rectangle 159"/>
+          <p:cNvSpPr/>
+          <p:nvPr/>
+        </p:nvSpPr>
+        <p:spPr>
+          <a:xfrm>
+            <a:off x="7086168" y="888144"/>
+            <a:ext cx="900000" cy="288000"/>
+          </a:xfrm>
+          <a:prstGeom prst="rect">
+            <a:avLst/>
+          </a:prstGeom>
+          <a:solidFill>
+            <a:schemeClr val="accent6">
+              <a:lumMod val="75000"/>
+            </a:schemeClr>
+          </a:solidFill>
+        </p:spPr>
+        <p:style>
+          <a:lnRef idx="1">
+            <a:schemeClr val="accent6"/>
+          </a:lnRef>
+          <a:fillRef idx="3">
+            <a:schemeClr val="accent6"/>
+          </a:fillRef>
+          <a:effectRef idx="2">
+            <a:schemeClr val="accent6"/>
+          </a:effectRef>
+          <a:fontRef idx="minor">
+            <a:schemeClr val="lt1"/>
+          </a:fontRef>
+        </p:style>
+        <p:txBody>
+          <a:bodyPr rtlCol="0" anchor="ctr"/>
+          <a:lstStyle/>
+          <a:p>
+            <a:pPr algn="ctr"/>
+            <a:r>
+              <a:rPr lang="en-ID" sz="1400" dirty="0" smtClean="0"/>
+              <a:t>Core i3</a:t>
+            </a:r>
+            <a:endParaRPr lang="en-GB" sz="1400" dirty="0"/>
+          </a:p>
+        </p:txBody>
+      </p:sp>
+      <p:sp>
+        <p:nvSpPr>
+          <p:cNvPr id="161" name="Rectangle 160"/>
+          <p:cNvSpPr/>
+          <p:nvPr/>
+        </p:nvSpPr>
+        <p:spPr>
+          <a:xfrm>
+            <a:off x="8249768" y="888144"/>
+            <a:ext cx="900000" cy="288000"/>
+          </a:xfrm>
+          <a:prstGeom prst="rect">
+            <a:avLst/>
+          </a:prstGeom>
+          <a:solidFill>
+            <a:schemeClr val="accent6">
+              <a:lumMod val="75000"/>
+            </a:schemeClr>
+          </a:solidFill>
+        </p:spPr>
+        <p:style>
+          <a:lnRef idx="1">
+            <a:schemeClr val="accent6"/>
+          </a:lnRef>
+          <a:fillRef idx="3">
+            <a:schemeClr val="accent6"/>
+          </a:fillRef>
+          <a:effectRef idx="2">
+            <a:schemeClr val="accent6"/>
+          </a:effectRef>
+          <a:fontRef idx="minor">
+            <a:schemeClr val="lt1"/>
+          </a:fontRef>
+        </p:style>
+        <p:txBody>
+          <a:bodyPr rtlCol="0" anchor="ctr"/>
+          <a:lstStyle/>
+          <a:p>
+            <a:pPr algn="ctr"/>
+            <a:r>
+              <a:rPr lang="en-ID" sz="1100" dirty="0" smtClean="0"/>
+              <a:t>500GB HDD</a:t>
+            </a:r>
+            <a:endParaRPr lang="en-GB" sz="1100" dirty="0"/>
+          </a:p>
+        </p:txBody>
+      </p:sp>
+      <p:sp>
+        <p:nvSpPr>
+          <p:cNvPr id="162" name="Rectangle 161"/>
+          <p:cNvSpPr/>
+          <p:nvPr/>
+        </p:nvSpPr>
+        <p:spPr>
+          <a:xfrm>
+            <a:off x="9420721" y="888144"/>
+            <a:ext cx="900000" cy="288000"/>
+          </a:xfrm>
+          <a:prstGeom prst="rect">
+            <a:avLst/>
+          </a:prstGeom>
+          <a:solidFill>
+            <a:schemeClr val="accent6">
+              <a:lumMod val="75000"/>
+            </a:schemeClr>
+          </a:solidFill>
+        </p:spPr>
+        <p:style>
+          <a:lnRef idx="1">
+            <a:schemeClr val="accent6"/>
+          </a:lnRef>
+          <a:fillRef idx="3">
+            <a:schemeClr val="accent6"/>
+          </a:fillRef>
+          <a:effectRef idx="2">
+            <a:schemeClr val="accent6"/>
+          </a:effectRef>
+          <a:fontRef idx="minor">
+            <a:schemeClr val="lt1"/>
+          </a:fontRef>
+        </p:style>
+        <p:txBody>
+          <a:bodyPr rtlCol="0" anchor="ctr"/>
+          <a:lstStyle/>
+          <a:p>
+            <a:pPr algn="ctr"/>
+            <a:r>
+              <a:rPr lang="en-ID" sz="1400" dirty="0" smtClean="0"/>
+              <a:t>14’</a:t>
+            </a:r>
+            <a:endParaRPr lang="en-GB" sz="1400" dirty="0"/>
+          </a:p>
+        </p:txBody>
+      </p:sp>
+      <p:sp>
+        <p:nvSpPr>
+          <p:cNvPr id="163" name="Rectangle 162"/>
+          <p:cNvSpPr/>
+          <p:nvPr/>
+        </p:nvSpPr>
+        <p:spPr>
+          <a:xfrm>
+            <a:off x="5922568" y="1380058"/>
+            <a:ext cx="900000" cy="288000"/>
+          </a:xfrm>
+          <a:prstGeom prst="rect">
+            <a:avLst/>
+          </a:prstGeom>
+          <a:solidFill>
+            <a:srgbClr val="00B050"/>
+          </a:solidFill>
+        </p:spPr>
+        <p:style>
+          <a:lnRef idx="1">
+            <a:schemeClr val="accent6"/>
+          </a:lnRef>
+          <a:fillRef idx="3">
+            <a:schemeClr val="accent6"/>
+          </a:fillRef>
+          <a:effectRef idx="2">
+            <a:schemeClr val="accent6"/>
+          </a:effectRef>
+          <a:fontRef idx="minor">
+            <a:schemeClr val="lt1"/>
+          </a:fontRef>
+        </p:style>
+        <p:txBody>
+          <a:bodyPr rtlCol="0" anchor="ctr"/>
+          <a:lstStyle/>
+          <a:p>
+            <a:pPr algn="ctr"/>
+            <a:r>
+              <a:rPr lang="en-ID" sz="1400" dirty="0" err="1" smtClean="0"/>
+              <a:t>Ya</a:t>
+            </a:r>
+            <a:endParaRPr lang="en-GB" sz="1400" dirty="0"/>
+          </a:p>
+        </p:txBody>
+      </p:sp>
+      <p:sp>
+        <p:nvSpPr>
+          <p:cNvPr id="164" name="Rectangle 163"/>
+          <p:cNvSpPr/>
+          <p:nvPr/>
+        </p:nvSpPr>
+        <p:spPr>
+          <a:xfrm>
+            <a:off x="7086168" y="1380058"/>
+            <a:ext cx="900000" cy="288000"/>
+          </a:xfrm>
+          <a:prstGeom prst="rect">
+            <a:avLst/>
+          </a:prstGeom>
+          <a:solidFill>
+            <a:srgbClr val="00B050"/>
+          </a:solidFill>
+        </p:spPr>
+        <p:style>
+          <a:lnRef idx="1">
+            <a:schemeClr val="accent6"/>
+          </a:lnRef>
+          <a:fillRef idx="3">
+            <a:schemeClr val="accent6"/>
+          </a:fillRef>
+          <a:effectRef idx="2">
+            <a:schemeClr val="accent6"/>
+          </a:effectRef>
+          <a:fontRef idx="minor">
+            <a:schemeClr val="lt1"/>
+          </a:fontRef>
+        </p:style>
+        <p:txBody>
+          <a:bodyPr rtlCol="0" anchor="ctr"/>
+          <a:lstStyle/>
+          <a:p>
+            <a:pPr algn="ctr"/>
+            <a:r>
+              <a:rPr lang="en-ID" sz="1400" dirty="0" err="1" smtClean="0"/>
+              <a:t>Ya</a:t>
+            </a:r>
+            <a:endParaRPr lang="en-GB" sz="1400" dirty="0"/>
+          </a:p>
+        </p:txBody>
+      </p:sp>
+      <p:sp>
+        <p:nvSpPr>
+          <p:cNvPr id="165" name="Rectangle 164"/>
+          <p:cNvSpPr/>
+          <p:nvPr/>
+        </p:nvSpPr>
+        <p:spPr>
+          <a:xfrm>
+            <a:off x="8249768" y="1380058"/>
+            <a:ext cx="900000" cy="288000"/>
+          </a:xfrm>
+          <a:prstGeom prst="rect">
+            <a:avLst/>
+          </a:prstGeom>
+          <a:solidFill>
+            <a:srgbClr val="00B050"/>
+          </a:solidFill>
+        </p:spPr>
+        <p:style>
+          <a:lnRef idx="1">
+            <a:schemeClr val="accent6"/>
+          </a:lnRef>
+          <a:fillRef idx="3">
+            <a:schemeClr val="accent6"/>
+          </a:fillRef>
+          <a:effectRef idx="2">
+            <a:schemeClr val="accent6"/>
+          </a:effectRef>
+          <a:fontRef idx="minor">
+            <a:schemeClr val="lt1"/>
+          </a:fontRef>
+        </p:style>
+        <p:txBody>
+          <a:bodyPr rtlCol="0" anchor="ctr"/>
+          <a:lstStyle/>
+          <a:p>
+            <a:pPr algn="ctr"/>
+            <a:r>
+              <a:rPr lang="en-ID" sz="1100" dirty="0" smtClean="0"/>
+              <a:t>500GB HDD</a:t>
+            </a:r>
+            <a:endParaRPr lang="en-GB" sz="1100" dirty="0"/>
+          </a:p>
+        </p:txBody>
+      </p:sp>
+      <p:sp>
+        <p:nvSpPr>
+          <p:cNvPr id="166" name="Rectangle 165"/>
+          <p:cNvSpPr/>
+          <p:nvPr/>
+        </p:nvSpPr>
+        <p:spPr>
+          <a:xfrm>
+            <a:off x="9420721" y="1380058"/>
+            <a:ext cx="900000" cy="288000"/>
+          </a:xfrm>
+          <a:prstGeom prst="rect">
+            <a:avLst/>
+          </a:prstGeom>
+          <a:solidFill>
+            <a:srgbClr val="00B050"/>
+          </a:solidFill>
+        </p:spPr>
+        <p:style>
+          <a:lnRef idx="1">
+            <a:schemeClr val="accent6"/>
+          </a:lnRef>
+          <a:fillRef idx="3">
+            <a:schemeClr val="accent6"/>
+          </a:fillRef>
+          <a:effectRef idx="2">
+            <a:schemeClr val="accent6"/>
+          </a:effectRef>
+          <a:fontRef idx="minor">
+            <a:schemeClr val="lt1"/>
+          </a:fontRef>
+        </p:style>
+        <p:txBody>
+          <a:bodyPr rtlCol="0" anchor="ctr"/>
+          <a:lstStyle/>
+          <a:p>
+            <a:pPr algn="ctr"/>
+            <a:r>
+              <a:rPr lang="en-ID" sz="1400" dirty="0" smtClean="0"/>
+              <a:t>15’</a:t>
+            </a:r>
+            <a:endParaRPr lang="en-GB" sz="1400" dirty="0"/>
+          </a:p>
+        </p:txBody>
+      </p:sp>
+      <p:sp>
+        <p:nvSpPr>
+          <p:cNvPr id="167" name="Rectangle 166"/>
+          <p:cNvSpPr/>
+          <p:nvPr/>
+        </p:nvSpPr>
+        <p:spPr>
+          <a:xfrm>
+            <a:off x="5922568" y="1863179"/>
+            <a:ext cx="900000" cy="288000"/>
+          </a:xfrm>
+          <a:prstGeom prst="rect">
+            <a:avLst/>
+          </a:prstGeom>
+          <a:solidFill>
+            <a:schemeClr val="accent6">
+              <a:lumMod val="75000"/>
+            </a:schemeClr>
+          </a:solidFill>
+        </p:spPr>
+        <p:style>
+          <a:lnRef idx="1">
+            <a:schemeClr val="accent6"/>
+          </a:lnRef>
+          <a:fillRef idx="3">
+            <a:schemeClr val="accent6"/>
+          </a:fillRef>
+          <a:effectRef idx="2">
+            <a:schemeClr val="accent6"/>
+          </a:effectRef>
+          <a:fontRef idx="minor">
+            <a:schemeClr val="lt1"/>
+          </a:fontRef>
+        </p:style>
+        <p:txBody>
+          <a:bodyPr rtlCol="0" anchor="ctr"/>
+          <a:lstStyle/>
+          <a:p>
+            <a:pPr algn="ctr"/>
+            <a:r>
+              <a:rPr lang="en-ID" sz="1400" dirty="0" err="1" smtClean="0"/>
+              <a:t>Ya</a:t>
+            </a:r>
+            <a:endParaRPr lang="en-GB" sz="1400" dirty="0"/>
+          </a:p>
+        </p:txBody>
+      </p:sp>
+      <p:sp>
+        <p:nvSpPr>
+          <p:cNvPr id="168" name="Rectangle 167"/>
+          <p:cNvSpPr/>
+          <p:nvPr/>
+        </p:nvSpPr>
+        <p:spPr>
+          <a:xfrm>
+            <a:off x="7086168" y="1860104"/>
+            <a:ext cx="900000" cy="288000"/>
+          </a:xfrm>
+          <a:prstGeom prst="rect">
+            <a:avLst/>
+          </a:prstGeom>
+          <a:solidFill>
+            <a:schemeClr val="accent6">
+              <a:lumMod val="75000"/>
+            </a:schemeClr>
+          </a:solidFill>
+        </p:spPr>
+        <p:style>
+          <a:lnRef idx="1">
+            <a:schemeClr val="accent6"/>
+          </a:lnRef>
+          <a:fillRef idx="3">
+            <a:schemeClr val="accent6"/>
+          </a:fillRef>
+          <a:effectRef idx="2">
+            <a:schemeClr val="accent6"/>
+          </a:effectRef>
+          <a:fontRef idx="minor">
+            <a:schemeClr val="lt1"/>
+          </a:fontRef>
+        </p:style>
+        <p:txBody>
+          <a:bodyPr rtlCol="0" anchor="ctr"/>
+          <a:lstStyle/>
+          <a:p>
+            <a:pPr algn="ctr"/>
+            <a:r>
+              <a:rPr lang="en-ID" sz="1400" dirty="0" err="1" smtClean="0"/>
+              <a:t>Ya</a:t>
+            </a:r>
+            <a:endParaRPr lang="en-GB" sz="1400" dirty="0"/>
+          </a:p>
+        </p:txBody>
+      </p:sp>
+      <p:sp>
+        <p:nvSpPr>
+          <p:cNvPr id="169" name="Rectangle 168"/>
+          <p:cNvSpPr/>
+          <p:nvPr/>
+        </p:nvSpPr>
+        <p:spPr>
+          <a:xfrm>
+            <a:off x="8249768" y="1844288"/>
+            <a:ext cx="900000" cy="288000"/>
+          </a:xfrm>
+          <a:prstGeom prst="rect">
+            <a:avLst/>
+          </a:prstGeom>
+          <a:solidFill>
+            <a:schemeClr val="accent6">
+              <a:lumMod val="75000"/>
+            </a:schemeClr>
+          </a:solidFill>
+        </p:spPr>
+        <p:style>
+          <a:lnRef idx="1">
+            <a:schemeClr val="accent6"/>
+          </a:lnRef>
+          <a:fillRef idx="3">
+            <a:schemeClr val="accent6"/>
+          </a:fillRef>
+          <a:effectRef idx="2">
+            <a:schemeClr val="accent6"/>
+          </a:effectRef>
+          <a:fontRef idx="minor">
+            <a:schemeClr val="lt1"/>
+          </a:fontRef>
+        </p:style>
+        <p:txBody>
+          <a:bodyPr rtlCol="0" anchor="ctr"/>
+          <a:lstStyle/>
+          <a:p>
+            <a:pPr algn="ctr"/>
+            <a:r>
+              <a:rPr lang="en-ID" sz="1400" dirty="0" err="1" smtClean="0"/>
+              <a:t>Ya</a:t>
+            </a:r>
+            <a:endParaRPr lang="en-GB" sz="1400" dirty="0"/>
+          </a:p>
+        </p:txBody>
+      </p:sp>
+      <p:sp>
+        <p:nvSpPr>
+          <p:cNvPr id="170" name="Rectangle 169"/>
+          <p:cNvSpPr/>
+          <p:nvPr/>
+        </p:nvSpPr>
+        <p:spPr>
+          <a:xfrm>
+            <a:off x="9420721" y="1844288"/>
+            <a:ext cx="900000" cy="288000"/>
+          </a:xfrm>
+          <a:prstGeom prst="rect">
+            <a:avLst/>
+          </a:prstGeom>
+          <a:solidFill>
+            <a:schemeClr val="accent6">
+              <a:lumMod val="75000"/>
+            </a:schemeClr>
+          </a:solidFill>
+        </p:spPr>
+        <p:style>
+          <a:lnRef idx="1">
+            <a:schemeClr val="accent6"/>
+          </a:lnRef>
+          <a:fillRef idx="3">
+            <a:schemeClr val="accent6"/>
+          </a:fillRef>
+          <a:effectRef idx="2">
+            <a:schemeClr val="accent6"/>
+          </a:effectRef>
+          <a:fontRef idx="minor">
+            <a:schemeClr val="lt1"/>
+          </a:fontRef>
+        </p:style>
+        <p:txBody>
+          <a:bodyPr rtlCol="0" anchor="ctr"/>
+          <a:lstStyle/>
+          <a:p>
+            <a:pPr algn="ctr"/>
+            <a:r>
+              <a:rPr lang="en-ID" sz="1400" dirty="0" err="1" smtClean="0"/>
+              <a:t>Ya</a:t>
+            </a:r>
+            <a:endParaRPr lang="en-GB" sz="1400" dirty="0"/>
+          </a:p>
+        </p:txBody>
+      </p:sp>
+      <p:sp>
+        <p:nvSpPr>
+          <p:cNvPr id="171" name="Rectangle 170"/>
+          <p:cNvSpPr/>
+          <p:nvPr/>
+        </p:nvSpPr>
+        <p:spPr>
+          <a:xfrm>
+            <a:off x="5922568" y="2346230"/>
+            <a:ext cx="900000" cy="288000"/>
+          </a:xfrm>
+          <a:prstGeom prst="rect">
+            <a:avLst/>
+          </a:prstGeom>
+          <a:solidFill>
+            <a:srgbClr val="00B050"/>
+          </a:solidFill>
+        </p:spPr>
+        <p:style>
+          <a:lnRef idx="1">
+            <a:schemeClr val="accent6"/>
+          </a:lnRef>
+          <a:fillRef idx="3">
+            <a:schemeClr val="accent6"/>
+          </a:fillRef>
+          <a:effectRef idx="2">
+            <a:schemeClr val="accent6"/>
+          </a:effectRef>
+          <a:fontRef idx="minor">
+            <a:schemeClr val="lt1"/>
+          </a:fontRef>
+        </p:style>
+        <p:txBody>
+          <a:bodyPr rtlCol="0" anchor="ctr"/>
+          <a:lstStyle/>
+          <a:p>
+            <a:pPr algn="ctr"/>
+            <a:r>
+              <a:rPr lang="en-ID" sz="1400" dirty="0" err="1" smtClean="0"/>
+              <a:t>Ya</a:t>
+            </a:r>
+            <a:endParaRPr lang="en-GB" sz="1400" dirty="0"/>
+          </a:p>
+        </p:txBody>
+      </p:sp>
+      <p:sp>
+        <p:nvSpPr>
+          <p:cNvPr id="172" name="Rectangle 171"/>
+          <p:cNvSpPr/>
+          <p:nvPr/>
+        </p:nvSpPr>
+        <p:spPr>
+          <a:xfrm>
+            <a:off x="7086168" y="2343155"/>
+            <a:ext cx="900000" cy="288000"/>
+          </a:xfrm>
+          <a:prstGeom prst="rect">
+            <a:avLst/>
+          </a:prstGeom>
+          <a:solidFill>
+            <a:srgbClr val="00B050"/>
+          </a:solidFill>
+        </p:spPr>
+        <p:style>
+          <a:lnRef idx="1">
+            <a:schemeClr val="accent6"/>
+          </a:lnRef>
+          <a:fillRef idx="3">
+            <a:schemeClr val="accent6"/>
+          </a:fillRef>
+          <a:effectRef idx="2">
+            <a:schemeClr val="accent6"/>
+          </a:effectRef>
+          <a:fontRef idx="minor">
+            <a:schemeClr val="lt1"/>
+          </a:fontRef>
+        </p:style>
+        <p:txBody>
+          <a:bodyPr rtlCol="0" anchor="ctr"/>
+          <a:lstStyle/>
+          <a:p>
+            <a:pPr algn="ctr"/>
+            <a:r>
+              <a:rPr lang="en-ID" sz="1400" dirty="0" err="1" smtClean="0"/>
+              <a:t>Ya</a:t>
+            </a:r>
+            <a:endParaRPr lang="en-GB" sz="1400" dirty="0"/>
+          </a:p>
+        </p:txBody>
+      </p:sp>
+      <p:sp>
+        <p:nvSpPr>
+          <p:cNvPr id="173" name="Rectangle 172"/>
+          <p:cNvSpPr/>
+          <p:nvPr/>
+        </p:nvSpPr>
+        <p:spPr>
+          <a:xfrm>
+            <a:off x="8249768" y="2327339"/>
+            <a:ext cx="900000" cy="288000"/>
+          </a:xfrm>
+          <a:prstGeom prst="rect">
+            <a:avLst/>
+          </a:prstGeom>
+          <a:solidFill>
+            <a:srgbClr val="00B050"/>
+          </a:solidFill>
+        </p:spPr>
+        <p:style>
+          <a:lnRef idx="1">
+            <a:schemeClr val="accent6"/>
+          </a:lnRef>
+          <a:fillRef idx="3">
+            <a:schemeClr val="accent6"/>
+          </a:fillRef>
+          <a:effectRef idx="2">
+            <a:schemeClr val="accent6"/>
+          </a:effectRef>
+          <a:fontRef idx="minor">
+            <a:schemeClr val="lt1"/>
+          </a:fontRef>
+        </p:style>
+        <p:txBody>
+          <a:bodyPr rtlCol="0" anchor="ctr"/>
+          <a:lstStyle/>
+          <a:p>
+            <a:pPr algn="ctr"/>
+            <a:r>
+              <a:rPr lang="en-ID" sz="1400" dirty="0" err="1" smtClean="0"/>
+              <a:t>Ya</a:t>
+            </a:r>
+            <a:endParaRPr lang="en-GB" sz="1400" dirty="0"/>
+          </a:p>
+        </p:txBody>
+      </p:sp>
+      <p:sp>
+        <p:nvSpPr>
+          <p:cNvPr id="174" name="Rectangle 173"/>
+          <p:cNvSpPr/>
+          <p:nvPr/>
+        </p:nvSpPr>
+        <p:spPr>
+          <a:xfrm>
+            <a:off x="9420721" y="2327339"/>
+            <a:ext cx="900000" cy="288000"/>
+          </a:xfrm>
+          <a:prstGeom prst="rect">
+            <a:avLst/>
+          </a:prstGeom>
+          <a:solidFill>
+            <a:srgbClr val="00B050"/>
+          </a:solidFill>
+        </p:spPr>
+        <p:style>
+          <a:lnRef idx="1">
+            <a:schemeClr val="accent6"/>
+          </a:lnRef>
+          <a:fillRef idx="3">
+            <a:schemeClr val="accent6"/>
+          </a:fillRef>
+          <a:effectRef idx="2">
+            <a:schemeClr val="accent6"/>
+          </a:effectRef>
+          <a:fontRef idx="minor">
+            <a:schemeClr val="lt1"/>
+          </a:fontRef>
+        </p:style>
+        <p:txBody>
+          <a:bodyPr rtlCol="0" anchor="ctr"/>
+          <a:lstStyle/>
+          <a:p>
+            <a:pPr algn="ctr"/>
+            <a:r>
+              <a:rPr lang="en-ID" sz="1400" dirty="0" err="1" smtClean="0"/>
+              <a:t>Ya</a:t>
+            </a:r>
+            <a:endParaRPr lang="en-GB" sz="1400" dirty="0"/>
+          </a:p>
+        </p:txBody>
+      </p:sp>
+      <p:sp>
+        <p:nvSpPr>
+          <p:cNvPr id="175" name="Rectangle 174"/>
+          <p:cNvSpPr/>
+          <p:nvPr/>
+        </p:nvSpPr>
+        <p:spPr>
+          <a:xfrm>
+            <a:off x="5922568" y="2878976"/>
+            <a:ext cx="900000" cy="288000"/>
+          </a:xfrm>
+          <a:prstGeom prst="rect">
+            <a:avLst/>
+          </a:prstGeom>
+          <a:solidFill>
+            <a:schemeClr val="accent6">
+              <a:lumMod val="75000"/>
+            </a:schemeClr>
+          </a:solidFill>
+        </p:spPr>
+        <p:style>
+          <a:lnRef idx="1">
+            <a:schemeClr val="accent6"/>
+          </a:lnRef>
+          <a:fillRef idx="3">
+            <a:schemeClr val="accent6"/>
+          </a:fillRef>
+          <a:effectRef idx="2">
+            <a:schemeClr val="accent6"/>
+          </a:effectRef>
+          <a:fontRef idx="minor">
+            <a:schemeClr val="lt1"/>
+          </a:fontRef>
+        </p:style>
+        <p:txBody>
+          <a:bodyPr rtlCol="0" anchor="ctr"/>
+          <a:lstStyle/>
+          <a:p>
+            <a:pPr algn="ctr"/>
+            <a:r>
+              <a:rPr lang="en-ID" sz="1400" dirty="0" err="1" smtClean="0"/>
+              <a:t>Ya</a:t>
+            </a:r>
+            <a:endParaRPr lang="en-GB" sz="1400" dirty="0"/>
+          </a:p>
+        </p:txBody>
+      </p:sp>
+      <p:sp>
+        <p:nvSpPr>
+          <p:cNvPr id="176" name="Rectangle 175"/>
+          <p:cNvSpPr/>
+          <p:nvPr/>
+        </p:nvSpPr>
+        <p:spPr>
+          <a:xfrm>
+            <a:off x="7086168" y="2875901"/>
+            <a:ext cx="900000" cy="288000"/>
+          </a:xfrm>
+          <a:prstGeom prst="rect">
+            <a:avLst/>
+          </a:prstGeom>
+          <a:solidFill>
+            <a:schemeClr val="accent6">
+              <a:lumMod val="75000"/>
+            </a:schemeClr>
+          </a:solidFill>
+        </p:spPr>
+        <p:style>
+          <a:lnRef idx="1">
+            <a:schemeClr val="accent6"/>
+          </a:lnRef>
+          <a:fillRef idx="3">
+            <a:schemeClr val="accent6"/>
+          </a:fillRef>
+          <a:effectRef idx="2">
+            <a:schemeClr val="accent6"/>
+          </a:effectRef>
+          <a:fontRef idx="minor">
+            <a:schemeClr val="lt1"/>
+          </a:fontRef>
+        </p:style>
+        <p:txBody>
+          <a:bodyPr rtlCol="0" anchor="ctr"/>
+          <a:lstStyle/>
+          <a:p>
+            <a:pPr algn="ctr"/>
+            <a:r>
+              <a:rPr lang="en-ID" sz="1400" dirty="0" err="1" smtClean="0"/>
+              <a:t>Ya</a:t>
+            </a:r>
+            <a:endParaRPr lang="en-GB" sz="1400" dirty="0"/>
+          </a:p>
+        </p:txBody>
+      </p:sp>
+      <p:sp>
+        <p:nvSpPr>
+          <p:cNvPr id="177" name="Rectangle 176"/>
+          <p:cNvSpPr/>
+          <p:nvPr/>
+        </p:nvSpPr>
+        <p:spPr>
+          <a:xfrm>
+            <a:off x="8249768" y="2860085"/>
+            <a:ext cx="900000" cy="288000"/>
+          </a:xfrm>
+          <a:prstGeom prst="rect">
+            <a:avLst/>
+          </a:prstGeom>
+          <a:solidFill>
+            <a:schemeClr val="accent6">
+              <a:lumMod val="75000"/>
+            </a:schemeClr>
+          </a:solidFill>
+        </p:spPr>
+        <p:style>
+          <a:lnRef idx="1">
+            <a:schemeClr val="accent6"/>
+          </a:lnRef>
+          <a:fillRef idx="3">
+            <a:schemeClr val="accent6"/>
+          </a:fillRef>
+          <a:effectRef idx="2">
+            <a:schemeClr val="accent6"/>
+          </a:effectRef>
+          <a:fontRef idx="minor">
+            <a:schemeClr val="lt1"/>
+          </a:fontRef>
+        </p:style>
+        <p:txBody>
+          <a:bodyPr rtlCol="0" anchor="ctr"/>
+          <a:lstStyle/>
+          <a:p>
+            <a:pPr algn="ctr"/>
+            <a:r>
+              <a:rPr lang="en-ID" sz="1400" dirty="0" err="1" smtClean="0"/>
+              <a:t>Ya</a:t>
+            </a:r>
+            <a:endParaRPr lang="en-GB" sz="1400" dirty="0"/>
+          </a:p>
+        </p:txBody>
+      </p:sp>
+      <p:sp>
+        <p:nvSpPr>
+          <p:cNvPr id="178" name="Rectangle 177"/>
+          <p:cNvSpPr/>
+          <p:nvPr/>
+        </p:nvSpPr>
+        <p:spPr>
+          <a:xfrm>
+            <a:off x="9420721" y="2860085"/>
+            <a:ext cx="900000" cy="288000"/>
+          </a:xfrm>
+          <a:prstGeom prst="rect">
+            <a:avLst/>
+          </a:prstGeom>
+          <a:solidFill>
+            <a:schemeClr val="accent6">
+              <a:lumMod val="75000"/>
+            </a:schemeClr>
+          </a:solidFill>
+        </p:spPr>
+        <p:style>
+          <a:lnRef idx="1">
+            <a:schemeClr val="accent6"/>
+          </a:lnRef>
+          <a:fillRef idx="3">
+            <a:schemeClr val="accent6"/>
+          </a:fillRef>
+          <a:effectRef idx="2">
+            <a:schemeClr val="accent6"/>
+          </a:effectRef>
+          <a:fontRef idx="minor">
+            <a:schemeClr val="lt1"/>
+          </a:fontRef>
+        </p:style>
+        <p:txBody>
+          <a:bodyPr rtlCol="0" anchor="ctr"/>
+          <a:lstStyle/>
+          <a:p>
+            <a:pPr algn="ctr"/>
+            <a:r>
+              <a:rPr lang="en-ID" sz="1400" dirty="0" err="1" smtClean="0"/>
+              <a:t>Ya</a:t>
+            </a:r>
+            <a:endParaRPr lang="en-GB" sz="1400" dirty="0"/>
+          </a:p>
+        </p:txBody>
+      </p:sp>
+      <p:sp>
+        <p:nvSpPr>
+          <p:cNvPr id="179" name="Rectangle 178"/>
+          <p:cNvSpPr/>
+          <p:nvPr/>
+        </p:nvSpPr>
+        <p:spPr>
+          <a:xfrm>
+            <a:off x="5922568" y="3411722"/>
+            <a:ext cx="900000" cy="288000"/>
+          </a:xfrm>
+          <a:prstGeom prst="rect">
+            <a:avLst/>
+          </a:prstGeom>
+          <a:solidFill>
+            <a:srgbClr val="00B050"/>
+          </a:solidFill>
+        </p:spPr>
+        <p:style>
+          <a:lnRef idx="1">
+            <a:schemeClr val="accent6"/>
+          </a:lnRef>
+          <a:fillRef idx="3">
+            <a:schemeClr val="accent6"/>
+          </a:fillRef>
+          <a:effectRef idx="2">
+            <a:schemeClr val="accent6"/>
+          </a:effectRef>
+          <a:fontRef idx="minor">
+            <a:schemeClr val="lt1"/>
+          </a:fontRef>
+        </p:style>
+        <p:txBody>
+          <a:bodyPr rtlCol="0" anchor="ctr"/>
+          <a:lstStyle/>
+          <a:p>
+            <a:pPr algn="ctr"/>
+            <a:r>
+              <a:rPr lang="en-ID" sz="1400" dirty="0" err="1" smtClean="0"/>
+              <a:t>Ya</a:t>
+            </a:r>
+            <a:endParaRPr lang="en-GB" sz="1400" dirty="0"/>
+          </a:p>
+        </p:txBody>
+      </p:sp>
+      <p:sp>
+        <p:nvSpPr>
+          <p:cNvPr id="180" name="Rectangle 179"/>
+          <p:cNvSpPr/>
+          <p:nvPr/>
+        </p:nvSpPr>
+        <p:spPr>
+          <a:xfrm>
+            <a:off x="7086168" y="3408647"/>
+            <a:ext cx="900000" cy="288000"/>
+          </a:xfrm>
+          <a:prstGeom prst="rect">
+            <a:avLst/>
+          </a:prstGeom>
+          <a:solidFill>
+            <a:srgbClr val="00B050"/>
+          </a:solidFill>
+        </p:spPr>
+        <p:style>
+          <a:lnRef idx="1">
+            <a:schemeClr val="accent6"/>
+          </a:lnRef>
+          <a:fillRef idx="3">
+            <a:schemeClr val="accent6"/>
+          </a:fillRef>
+          <a:effectRef idx="2">
+            <a:schemeClr val="accent6"/>
+          </a:effectRef>
+          <a:fontRef idx="minor">
+            <a:schemeClr val="lt1"/>
+          </a:fontRef>
+        </p:style>
+        <p:txBody>
+          <a:bodyPr rtlCol="0" anchor="ctr"/>
+          <a:lstStyle/>
+          <a:p>
+            <a:pPr algn="ctr"/>
+            <a:r>
+              <a:rPr lang="en-ID" sz="1400" dirty="0" err="1" smtClean="0"/>
+              <a:t>Ya</a:t>
+            </a:r>
+            <a:endParaRPr lang="en-GB" sz="1400" dirty="0"/>
+          </a:p>
+        </p:txBody>
+      </p:sp>
+      <p:sp>
+        <p:nvSpPr>
+          <p:cNvPr id="181" name="Rectangle 180"/>
+          <p:cNvSpPr/>
+          <p:nvPr/>
+        </p:nvSpPr>
+        <p:spPr>
+          <a:xfrm>
+            <a:off x="8249768" y="3392831"/>
+            <a:ext cx="900000" cy="288000"/>
+          </a:xfrm>
+          <a:prstGeom prst="rect">
+            <a:avLst/>
+          </a:prstGeom>
+          <a:solidFill>
+            <a:srgbClr val="00B050"/>
+          </a:solidFill>
+        </p:spPr>
+        <p:style>
+          <a:lnRef idx="1">
+            <a:schemeClr val="accent6"/>
+          </a:lnRef>
+          <a:fillRef idx="3">
+            <a:schemeClr val="accent6"/>
+          </a:fillRef>
+          <a:effectRef idx="2">
+            <a:schemeClr val="accent6"/>
+          </a:effectRef>
+          <a:fontRef idx="minor">
+            <a:schemeClr val="lt1"/>
+          </a:fontRef>
+        </p:style>
+        <p:txBody>
+          <a:bodyPr rtlCol="0" anchor="ctr"/>
+          <a:lstStyle/>
+          <a:p>
+            <a:pPr algn="ctr"/>
+            <a:r>
+              <a:rPr lang="en-ID" sz="1400" dirty="0" err="1" smtClean="0"/>
+              <a:t>Ya</a:t>
+            </a:r>
+            <a:endParaRPr lang="en-GB" sz="1400" dirty="0"/>
+          </a:p>
+        </p:txBody>
+      </p:sp>
+      <p:sp>
+        <p:nvSpPr>
+          <p:cNvPr id="182" name="Rectangle 181"/>
+          <p:cNvSpPr/>
+          <p:nvPr/>
+        </p:nvSpPr>
+        <p:spPr>
+          <a:xfrm>
+            <a:off x="9420721" y="3392831"/>
+            <a:ext cx="900000" cy="288000"/>
+          </a:xfrm>
+          <a:prstGeom prst="rect">
+            <a:avLst/>
+          </a:prstGeom>
+          <a:solidFill>
+            <a:srgbClr val="00B050"/>
+          </a:solidFill>
+        </p:spPr>
+        <p:style>
+          <a:lnRef idx="1">
+            <a:schemeClr val="accent6"/>
+          </a:lnRef>
+          <a:fillRef idx="3">
+            <a:schemeClr val="accent6"/>
+          </a:fillRef>
+          <a:effectRef idx="2">
+            <a:schemeClr val="accent6"/>
+          </a:effectRef>
+          <a:fontRef idx="minor">
+            <a:schemeClr val="lt1"/>
+          </a:fontRef>
+        </p:style>
+        <p:txBody>
+          <a:bodyPr rtlCol="0" anchor="ctr"/>
+          <a:lstStyle/>
+          <a:p>
+            <a:pPr algn="ctr"/>
+            <a:r>
+              <a:rPr lang="en-ID" sz="1400" dirty="0" err="1" smtClean="0"/>
+              <a:t>Ya</a:t>
+            </a:r>
+            <a:endParaRPr lang="en-GB" sz="1400" dirty="0"/>
+          </a:p>
+        </p:txBody>
+      </p:sp>
+      <p:sp>
+        <p:nvSpPr>
+          <p:cNvPr id="183" name="Rectangle 182"/>
+          <p:cNvSpPr/>
+          <p:nvPr/>
+        </p:nvSpPr>
+        <p:spPr>
+          <a:xfrm>
+            <a:off x="5922568" y="3944468"/>
+            <a:ext cx="900000" cy="288000"/>
+          </a:xfrm>
+          <a:prstGeom prst="rect">
+            <a:avLst/>
+          </a:prstGeom>
+          <a:solidFill>
+            <a:schemeClr val="accent6">
+              <a:lumMod val="75000"/>
+            </a:schemeClr>
+          </a:solidFill>
+        </p:spPr>
+        <p:style>
+          <a:lnRef idx="1">
+            <a:schemeClr val="accent6"/>
+          </a:lnRef>
+          <a:fillRef idx="3">
+            <a:schemeClr val="accent6"/>
+          </a:fillRef>
+          <a:effectRef idx="2">
+            <a:schemeClr val="accent6"/>
+          </a:effectRef>
+          <a:fontRef idx="minor">
+            <a:schemeClr val="lt1"/>
+          </a:fontRef>
+        </p:style>
+        <p:txBody>
+          <a:bodyPr rtlCol="0" anchor="ctr"/>
+          <a:lstStyle/>
+          <a:p>
+            <a:pPr algn="ctr"/>
+            <a:r>
+              <a:rPr lang="en-ID" sz="1400" dirty="0" err="1" smtClean="0"/>
+              <a:t>Ya</a:t>
+            </a:r>
+            <a:endParaRPr lang="en-GB" sz="1400" dirty="0"/>
+          </a:p>
+        </p:txBody>
+      </p:sp>
+      <p:sp>
+        <p:nvSpPr>
+          <p:cNvPr id="184" name="Rectangle 183"/>
+          <p:cNvSpPr/>
+          <p:nvPr/>
+        </p:nvSpPr>
+        <p:spPr>
+          <a:xfrm>
+            <a:off x="7086168" y="3941393"/>
+            <a:ext cx="900000" cy="288000"/>
+          </a:xfrm>
+          <a:prstGeom prst="rect">
+            <a:avLst/>
+          </a:prstGeom>
+          <a:solidFill>
+            <a:schemeClr val="accent6">
+              <a:lumMod val="75000"/>
+            </a:schemeClr>
+          </a:solidFill>
+        </p:spPr>
+        <p:style>
+          <a:lnRef idx="1">
+            <a:schemeClr val="accent6"/>
+          </a:lnRef>
+          <a:fillRef idx="3">
+            <a:schemeClr val="accent6"/>
+          </a:fillRef>
+          <a:effectRef idx="2">
+            <a:schemeClr val="accent6"/>
+          </a:effectRef>
+          <a:fontRef idx="minor">
+            <a:schemeClr val="lt1"/>
+          </a:fontRef>
+        </p:style>
+        <p:txBody>
+          <a:bodyPr rtlCol="0" anchor="ctr"/>
+          <a:lstStyle/>
+          <a:p>
+            <a:pPr algn="ctr"/>
+            <a:r>
+              <a:rPr lang="en-ID" sz="1400" dirty="0" err="1" smtClean="0"/>
+              <a:t>Ya</a:t>
+            </a:r>
+            <a:endParaRPr lang="en-GB" sz="1400" dirty="0"/>
+          </a:p>
+        </p:txBody>
+      </p:sp>
+      <p:sp>
+        <p:nvSpPr>
+          <p:cNvPr id="185" name="Rectangle 184"/>
+          <p:cNvSpPr/>
+          <p:nvPr/>
+        </p:nvSpPr>
+        <p:spPr>
+          <a:xfrm>
+            <a:off x="8249768" y="3925577"/>
+            <a:ext cx="900000" cy="288000"/>
+          </a:xfrm>
+          <a:prstGeom prst="rect">
+            <a:avLst/>
+          </a:prstGeom>
+          <a:solidFill>
+            <a:schemeClr val="accent6">
+              <a:lumMod val="75000"/>
+            </a:schemeClr>
+          </a:solidFill>
+        </p:spPr>
+        <p:style>
+          <a:lnRef idx="1">
+            <a:schemeClr val="accent6"/>
+          </a:lnRef>
+          <a:fillRef idx="3">
+            <a:schemeClr val="accent6"/>
+          </a:fillRef>
+          <a:effectRef idx="2">
+            <a:schemeClr val="accent6"/>
+          </a:effectRef>
+          <a:fontRef idx="minor">
+            <a:schemeClr val="lt1"/>
+          </a:fontRef>
+        </p:style>
+        <p:txBody>
+          <a:bodyPr rtlCol="0" anchor="ctr"/>
+          <a:lstStyle/>
+          <a:p>
+            <a:pPr algn="ctr"/>
+            <a:r>
+              <a:rPr lang="en-ID" sz="1400" dirty="0" err="1" smtClean="0"/>
+              <a:t>Ya</a:t>
+            </a:r>
+            <a:endParaRPr lang="en-GB" sz="1400" dirty="0"/>
+          </a:p>
+        </p:txBody>
+      </p:sp>
+      <p:sp>
+        <p:nvSpPr>
+          <p:cNvPr id="186" name="Rectangle 185"/>
+          <p:cNvSpPr/>
+          <p:nvPr/>
+        </p:nvSpPr>
+        <p:spPr>
+          <a:xfrm>
+            <a:off x="9420721" y="3925577"/>
+            <a:ext cx="900000" cy="288000"/>
+          </a:xfrm>
+          <a:prstGeom prst="rect">
+            <a:avLst/>
+          </a:prstGeom>
+          <a:solidFill>
+            <a:schemeClr val="accent6">
+              <a:lumMod val="75000"/>
+            </a:schemeClr>
+          </a:solidFill>
+        </p:spPr>
+        <p:style>
+          <a:lnRef idx="1">
+            <a:schemeClr val="accent6"/>
+          </a:lnRef>
+          <a:fillRef idx="3">
+            <a:schemeClr val="accent6"/>
+          </a:fillRef>
+          <a:effectRef idx="2">
+            <a:schemeClr val="accent6"/>
+          </a:effectRef>
+          <a:fontRef idx="minor">
+            <a:schemeClr val="lt1"/>
+          </a:fontRef>
+        </p:style>
+        <p:txBody>
+          <a:bodyPr rtlCol="0" anchor="ctr"/>
+          <a:lstStyle/>
+          <a:p>
+            <a:pPr algn="ctr"/>
+            <a:r>
+              <a:rPr lang="en-ID" sz="1400" dirty="0" err="1" smtClean="0"/>
+              <a:t>Ya</a:t>
+            </a:r>
+            <a:endParaRPr lang="en-GB" sz="1400" dirty="0"/>
+          </a:p>
+        </p:txBody>
+      </p:sp>
+      <p:sp>
+        <p:nvSpPr>
+          <p:cNvPr id="187" name="Rectangle 186"/>
+          <p:cNvSpPr/>
+          <p:nvPr/>
+        </p:nvSpPr>
+        <p:spPr>
+          <a:xfrm>
+            <a:off x="5922568" y="4417580"/>
+            <a:ext cx="900000" cy="288000"/>
+          </a:xfrm>
+          <a:prstGeom prst="rect">
+            <a:avLst/>
+          </a:prstGeom>
+          <a:solidFill>
+            <a:srgbClr val="00B050"/>
+          </a:solidFill>
+        </p:spPr>
+        <p:style>
+          <a:lnRef idx="1">
+            <a:schemeClr val="accent6"/>
+          </a:lnRef>
+          <a:fillRef idx="3">
+            <a:schemeClr val="accent6"/>
+          </a:fillRef>
+          <a:effectRef idx="2">
+            <a:schemeClr val="accent6"/>
+          </a:effectRef>
+          <a:fontRef idx="minor">
+            <a:schemeClr val="lt1"/>
+          </a:fontRef>
+        </p:style>
+        <p:txBody>
+          <a:bodyPr rtlCol="0" anchor="ctr"/>
+          <a:lstStyle/>
+          <a:p>
+            <a:pPr algn="ctr"/>
+            <a:r>
+              <a:rPr lang="en-ID" sz="1400" dirty="0" err="1" smtClean="0"/>
+              <a:t>Ya</a:t>
+            </a:r>
+            <a:endParaRPr lang="en-GB" sz="1400" dirty="0"/>
+          </a:p>
+        </p:txBody>
+      </p:sp>
+      <p:sp>
+        <p:nvSpPr>
+          <p:cNvPr id="188" name="Rectangle 187"/>
+          <p:cNvSpPr/>
+          <p:nvPr/>
+        </p:nvSpPr>
+        <p:spPr>
+          <a:xfrm>
+            <a:off x="7086168" y="4414505"/>
+            <a:ext cx="900000" cy="288000"/>
+          </a:xfrm>
+          <a:prstGeom prst="rect">
+            <a:avLst/>
+          </a:prstGeom>
+          <a:solidFill>
+            <a:srgbClr val="00B050"/>
+          </a:solidFill>
+        </p:spPr>
+        <p:style>
+          <a:lnRef idx="1">
+            <a:schemeClr val="accent6"/>
+          </a:lnRef>
+          <a:fillRef idx="3">
+            <a:schemeClr val="accent6"/>
+          </a:fillRef>
+          <a:effectRef idx="2">
+            <a:schemeClr val="accent6"/>
+          </a:effectRef>
+          <a:fontRef idx="minor">
+            <a:schemeClr val="lt1"/>
+          </a:fontRef>
+        </p:style>
+        <p:txBody>
+          <a:bodyPr rtlCol="0" anchor="ctr"/>
+          <a:lstStyle/>
+          <a:p>
+            <a:pPr algn="ctr"/>
+            <a:r>
+              <a:rPr lang="en-ID" sz="1400" dirty="0" err="1" smtClean="0"/>
+              <a:t>Ya</a:t>
+            </a:r>
+            <a:endParaRPr lang="en-GB" sz="1400" dirty="0"/>
+          </a:p>
+        </p:txBody>
+      </p:sp>
+      <p:sp>
+        <p:nvSpPr>
+          <p:cNvPr id="189" name="Rectangle 188"/>
+          <p:cNvSpPr/>
+          <p:nvPr/>
+        </p:nvSpPr>
+        <p:spPr>
+          <a:xfrm>
+            <a:off x="8249768" y="4398689"/>
+            <a:ext cx="900000" cy="288000"/>
+          </a:xfrm>
+          <a:prstGeom prst="rect">
+            <a:avLst/>
+          </a:prstGeom>
+          <a:solidFill>
+            <a:srgbClr val="00B050"/>
+          </a:solidFill>
+        </p:spPr>
+        <p:style>
+          <a:lnRef idx="1">
+            <a:schemeClr val="accent6"/>
+          </a:lnRef>
+          <a:fillRef idx="3">
+            <a:schemeClr val="accent6"/>
+          </a:fillRef>
+          <a:effectRef idx="2">
+            <a:schemeClr val="accent6"/>
+          </a:effectRef>
+          <a:fontRef idx="minor">
+            <a:schemeClr val="lt1"/>
+          </a:fontRef>
+        </p:style>
+        <p:txBody>
+          <a:bodyPr rtlCol="0" anchor="ctr"/>
+          <a:lstStyle/>
+          <a:p>
+            <a:pPr algn="ctr"/>
+            <a:r>
+              <a:rPr lang="en-ID" sz="1400" dirty="0" err="1" smtClean="0"/>
+              <a:t>Ya</a:t>
+            </a:r>
+            <a:endParaRPr lang="en-GB" sz="1400" dirty="0"/>
+          </a:p>
+        </p:txBody>
+      </p:sp>
+      <p:sp>
+        <p:nvSpPr>
+          <p:cNvPr id="190" name="Rectangle 189"/>
+          <p:cNvSpPr/>
+          <p:nvPr/>
+        </p:nvSpPr>
+        <p:spPr>
+          <a:xfrm>
+            <a:off x="9420721" y="4398689"/>
+            <a:ext cx="900000" cy="288000"/>
+          </a:xfrm>
+          <a:prstGeom prst="rect">
+            <a:avLst/>
+          </a:prstGeom>
+          <a:solidFill>
+            <a:srgbClr val="00B050"/>
+          </a:solidFill>
+        </p:spPr>
+        <p:style>
+          <a:lnRef idx="1">
+            <a:schemeClr val="accent6"/>
+          </a:lnRef>
+          <a:fillRef idx="3">
+            <a:schemeClr val="accent6"/>
+          </a:fillRef>
+          <a:effectRef idx="2">
+            <a:schemeClr val="accent6"/>
+          </a:effectRef>
+          <a:fontRef idx="minor">
+            <a:schemeClr val="lt1"/>
+          </a:fontRef>
+        </p:style>
+        <p:txBody>
+          <a:bodyPr rtlCol="0" anchor="ctr"/>
+          <a:lstStyle/>
+          <a:p>
+            <a:pPr algn="ctr"/>
+            <a:r>
+              <a:rPr lang="en-ID" sz="1400" dirty="0" err="1" smtClean="0"/>
+              <a:t>Ya</a:t>
+            </a:r>
+            <a:endParaRPr lang="en-GB" sz="1400" dirty="0"/>
+          </a:p>
+        </p:txBody>
+      </p:sp>
+      <p:sp>
+        <p:nvSpPr>
+          <p:cNvPr id="191" name="Rectangle 190"/>
+          <p:cNvSpPr/>
+          <p:nvPr/>
+        </p:nvSpPr>
+        <p:spPr>
+          <a:xfrm>
+            <a:off x="5922568" y="4910570"/>
+            <a:ext cx="900000" cy="288000"/>
+          </a:xfrm>
+          <a:prstGeom prst="rect">
+            <a:avLst/>
+          </a:prstGeom>
+          <a:solidFill>
+            <a:schemeClr val="accent6">
+              <a:lumMod val="75000"/>
+            </a:schemeClr>
+          </a:solidFill>
+        </p:spPr>
+        <p:style>
+          <a:lnRef idx="1">
+            <a:schemeClr val="accent6"/>
+          </a:lnRef>
+          <a:fillRef idx="3">
+            <a:schemeClr val="accent6"/>
+          </a:fillRef>
+          <a:effectRef idx="2">
+            <a:schemeClr val="accent6"/>
+          </a:effectRef>
+          <a:fontRef idx="minor">
+            <a:schemeClr val="lt1"/>
+          </a:fontRef>
+        </p:style>
+        <p:txBody>
+          <a:bodyPr rtlCol="0" anchor="ctr"/>
+          <a:lstStyle/>
+          <a:p>
+            <a:pPr algn="ctr"/>
+            <a:r>
+              <a:rPr lang="en-ID" sz="1400" dirty="0" err="1" smtClean="0"/>
+              <a:t>Ya</a:t>
+            </a:r>
+            <a:endParaRPr lang="en-GB" sz="1400" dirty="0"/>
+          </a:p>
+        </p:txBody>
+      </p:sp>
+      <p:sp>
+        <p:nvSpPr>
+          <p:cNvPr id="192" name="Rectangle 191"/>
+          <p:cNvSpPr/>
+          <p:nvPr/>
+        </p:nvSpPr>
+        <p:spPr>
+          <a:xfrm>
+            <a:off x="7086168" y="4907495"/>
+            <a:ext cx="900000" cy="288000"/>
+          </a:xfrm>
+          <a:prstGeom prst="rect">
+            <a:avLst/>
+          </a:prstGeom>
+          <a:solidFill>
+            <a:schemeClr val="accent6">
+              <a:lumMod val="75000"/>
+            </a:schemeClr>
+          </a:solidFill>
+        </p:spPr>
+        <p:style>
+          <a:lnRef idx="1">
+            <a:schemeClr val="accent6"/>
+          </a:lnRef>
+          <a:fillRef idx="3">
+            <a:schemeClr val="accent6"/>
+          </a:fillRef>
+          <a:effectRef idx="2">
+            <a:schemeClr val="accent6"/>
+          </a:effectRef>
+          <a:fontRef idx="minor">
+            <a:schemeClr val="lt1"/>
+          </a:fontRef>
+        </p:style>
+        <p:txBody>
+          <a:bodyPr rtlCol="0" anchor="ctr"/>
+          <a:lstStyle/>
+          <a:p>
+            <a:pPr algn="ctr"/>
+            <a:r>
+              <a:rPr lang="en-ID" sz="1400" dirty="0" err="1" smtClean="0"/>
+              <a:t>Ya</a:t>
+            </a:r>
+            <a:endParaRPr lang="en-GB" sz="1400" dirty="0"/>
+          </a:p>
+        </p:txBody>
+      </p:sp>
+      <p:sp>
+        <p:nvSpPr>
+          <p:cNvPr id="193" name="Rectangle 192"/>
+          <p:cNvSpPr/>
+          <p:nvPr/>
+        </p:nvSpPr>
+        <p:spPr>
+          <a:xfrm>
+            <a:off x="8249768" y="4891679"/>
+            <a:ext cx="900000" cy="288000"/>
+          </a:xfrm>
+          <a:prstGeom prst="rect">
+            <a:avLst/>
+          </a:prstGeom>
+          <a:solidFill>
+            <a:schemeClr val="accent6">
+              <a:lumMod val="75000"/>
+            </a:schemeClr>
+          </a:solidFill>
+        </p:spPr>
+        <p:style>
+          <a:lnRef idx="1">
+            <a:schemeClr val="accent6"/>
+          </a:lnRef>
+          <a:fillRef idx="3">
+            <a:schemeClr val="accent6"/>
+          </a:fillRef>
+          <a:effectRef idx="2">
+            <a:schemeClr val="accent6"/>
+          </a:effectRef>
+          <a:fontRef idx="minor">
+            <a:schemeClr val="lt1"/>
+          </a:fontRef>
+        </p:style>
+        <p:txBody>
+          <a:bodyPr rtlCol="0" anchor="ctr"/>
+          <a:lstStyle/>
+          <a:p>
+            <a:pPr algn="ctr"/>
+            <a:r>
+              <a:rPr lang="en-ID" sz="1400" dirty="0" err="1" smtClean="0"/>
+              <a:t>Ya</a:t>
+            </a:r>
+            <a:endParaRPr lang="en-GB" sz="1400" dirty="0"/>
+          </a:p>
+        </p:txBody>
+      </p:sp>
+      <p:sp>
+        <p:nvSpPr>
+          <p:cNvPr id="194" name="Rectangle 193"/>
+          <p:cNvSpPr/>
+          <p:nvPr/>
+        </p:nvSpPr>
+        <p:spPr>
+          <a:xfrm>
+            <a:off x="9420721" y="4891679"/>
+            <a:ext cx="900000" cy="288000"/>
+          </a:xfrm>
+          <a:prstGeom prst="rect">
+            <a:avLst/>
+          </a:prstGeom>
+          <a:solidFill>
+            <a:schemeClr val="accent6">
+              <a:lumMod val="75000"/>
+            </a:schemeClr>
+          </a:solidFill>
+        </p:spPr>
+        <p:style>
+          <a:lnRef idx="1">
+            <a:schemeClr val="accent6"/>
+          </a:lnRef>
+          <a:fillRef idx="3">
+            <a:schemeClr val="accent6"/>
+          </a:fillRef>
+          <a:effectRef idx="2">
+            <a:schemeClr val="accent6"/>
+          </a:effectRef>
+          <a:fontRef idx="minor">
+            <a:schemeClr val="lt1"/>
+          </a:fontRef>
+        </p:style>
+        <p:txBody>
+          <a:bodyPr rtlCol="0" anchor="ctr"/>
+          <a:lstStyle/>
+          <a:p>
+            <a:pPr algn="ctr"/>
+            <a:r>
+              <a:rPr lang="en-ID" sz="1400" dirty="0" err="1" smtClean="0"/>
+              <a:t>Ya</a:t>
+            </a:r>
+            <a:endParaRPr lang="en-GB" sz="1400" dirty="0"/>
+          </a:p>
+        </p:txBody>
+      </p:sp>
+      <p:sp>
+        <p:nvSpPr>
+          <p:cNvPr id="195" name="Rectangle 194"/>
+          <p:cNvSpPr/>
+          <p:nvPr/>
+        </p:nvSpPr>
+        <p:spPr>
+          <a:xfrm>
+            <a:off x="5922568" y="5413499"/>
+            <a:ext cx="900000" cy="288000"/>
+          </a:xfrm>
+          <a:prstGeom prst="rect">
+            <a:avLst/>
+          </a:prstGeom>
+          <a:solidFill>
+            <a:srgbClr val="00B050"/>
+          </a:solidFill>
+        </p:spPr>
+        <p:style>
+          <a:lnRef idx="1">
+            <a:schemeClr val="accent6"/>
+          </a:lnRef>
+          <a:fillRef idx="3">
+            <a:schemeClr val="accent6"/>
+          </a:fillRef>
+          <a:effectRef idx="2">
+            <a:schemeClr val="accent6"/>
+          </a:effectRef>
+          <a:fontRef idx="minor">
+            <a:schemeClr val="lt1"/>
+          </a:fontRef>
+        </p:style>
+        <p:txBody>
+          <a:bodyPr rtlCol="0" anchor="ctr"/>
+          <a:lstStyle/>
+          <a:p>
+            <a:pPr algn="ctr"/>
+            <a:r>
+              <a:rPr lang="en-ID" sz="1400" dirty="0" err="1" smtClean="0"/>
+              <a:t>Ya</a:t>
+            </a:r>
+            <a:endParaRPr lang="en-GB" sz="1400" dirty="0"/>
+          </a:p>
+        </p:txBody>
+      </p:sp>
+      <p:sp>
+        <p:nvSpPr>
+          <p:cNvPr id="196" name="Rectangle 195"/>
+          <p:cNvSpPr/>
+          <p:nvPr/>
+        </p:nvSpPr>
+        <p:spPr>
+          <a:xfrm>
+            <a:off x="7086168" y="5410424"/>
+            <a:ext cx="900000" cy="288000"/>
+          </a:xfrm>
+          <a:prstGeom prst="rect">
+            <a:avLst/>
+          </a:prstGeom>
+          <a:solidFill>
+            <a:srgbClr val="00B050"/>
+          </a:solidFill>
+        </p:spPr>
+        <p:style>
+          <a:lnRef idx="1">
+            <a:schemeClr val="accent6"/>
+          </a:lnRef>
+          <a:fillRef idx="3">
+            <a:schemeClr val="accent6"/>
+          </a:fillRef>
+          <a:effectRef idx="2">
+            <a:schemeClr val="accent6"/>
+          </a:effectRef>
+          <a:fontRef idx="minor">
+            <a:schemeClr val="lt1"/>
+          </a:fontRef>
+        </p:style>
+        <p:txBody>
+          <a:bodyPr rtlCol="0" anchor="ctr"/>
+          <a:lstStyle/>
+          <a:p>
+            <a:pPr algn="ctr"/>
+            <a:r>
+              <a:rPr lang="en-ID" sz="1400" dirty="0" err="1" smtClean="0"/>
+              <a:t>Ya</a:t>
+            </a:r>
+            <a:endParaRPr lang="en-GB" sz="1400" dirty="0"/>
+          </a:p>
+        </p:txBody>
+      </p:sp>
+      <p:sp>
+        <p:nvSpPr>
+          <p:cNvPr id="197" name="Rectangle 196"/>
+          <p:cNvSpPr/>
+          <p:nvPr/>
+        </p:nvSpPr>
+        <p:spPr>
+          <a:xfrm>
+            <a:off x="8249768" y="5394608"/>
+            <a:ext cx="900000" cy="288000"/>
+          </a:xfrm>
+          <a:prstGeom prst="rect">
+            <a:avLst/>
+          </a:prstGeom>
+          <a:solidFill>
+            <a:srgbClr val="00B050"/>
+          </a:solidFill>
+        </p:spPr>
+        <p:style>
+          <a:lnRef idx="1">
+            <a:schemeClr val="accent6"/>
+          </a:lnRef>
+          <a:fillRef idx="3">
+            <a:schemeClr val="accent6"/>
+          </a:fillRef>
+          <a:effectRef idx="2">
+            <a:schemeClr val="accent6"/>
+          </a:effectRef>
+          <a:fontRef idx="minor">
+            <a:schemeClr val="lt1"/>
+          </a:fontRef>
+        </p:style>
+        <p:txBody>
+          <a:bodyPr rtlCol="0" anchor="ctr"/>
+          <a:lstStyle/>
+          <a:p>
+            <a:pPr algn="ctr"/>
+            <a:r>
+              <a:rPr lang="en-ID" sz="1400" dirty="0" err="1" smtClean="0"/>
+              <a:t>Ya</a:t>
+            </a:r>
+            <a:endParaRPr lang="en-GB" sz="1400" dirty="0"/>
+          </a:p>
+        </p:txBody>
+      </p:sp>
+      <p:sp>
+        <p:nvSpPr>
+          <p:cNvPr id="198" name="Rectangle 197"/>
+          <p:cNvSpPr/>
+          <p:nvPr/>
+        </p:nvSpPr>
+        <p:spPr>
+          <a:xfrm>
+            <a:off x="9420721" y="5394608"/>
+            <a:ext cx="900000" cy="288000"/>
+          </a:xfrm>
+          <a:prstGeom prst="rect">
+            <a:avLst/>
+          </a:prstGeom>
+          <a:solidFill>
+            <a:srgbClr val="00B050"/>
+          </a:solidFill>
+        </p:spPr>
+        <p:style>
+          <a:lnRef idx="1">
+            <a:schemeClr val="accent6"/>
+          </a:lnRef>
+          <a:fillRef idx="3">
+            <a:schemeClr val="accent6"/>
+          </a:fillRef>
+          <a:effectRef idx="2">
+            <a:schemeClr val="accent6"/>
+          </a:effectRef>
+          <a:fontRef idx="minor">
+            <a:schemeClr val="lt1"/>
+          </a:fontRef>
+        </p:style>
+        <p:txBody>
+          <a:bodyPr rtlCol="0" anchor="ctr"/>
+          <a:lstStyle/>
+          <a:p>
+            <a:pPr algn="ctr"/>
+            <a:r>
+              <a:rPr lang="en-ID" sz="1400" dirty="0" err="1" smtClean="0"/>
+              <a:t>Ya</a:t>
+            </a:r>
+            <a:endParaRPr lang="en-GB" sz="1400" dirty="0"/>
+          </a:p>
+        </p:txBody>
+      </p:sp>
+      <p:sp>
+        <p:nvSpPr>
+          <p:cNvPr id="199" name="Rectangle 198"/>
+          <p:cNvSpPr/>
+          <p:nvPr/>
+        </p:nvSpPr>
+        <p:spPr>
+          <a:xfrm>
+            <a:off x="5922568" y="5906489"/>
+            <a:ext cx="900000" cy="288000"/>
+          </a:xfrm>
+          <a:prstGeom prst="rect">
+            <a:avLst/>
+          </a:prstGeom>
+          <a:solidFill>
+            <a:schemeClr val="accent6">
+              <a:lumMod val="75000"/>
+            </a:schemeClr>
+          </a:solidFill>
+        </p:spPr>
+        <p:style>
+          <a:lnRef idx="1">
+            <a:schemeClr val="accent6"/>
+          </a:lnRef>
+          <a:fillRef idx="3">
+            <a:schemeClr val="accent6"/>
+          </a:fillRef>
+          <a:effectRef idx="2">
+            <a:schemeClr val="accent6"/>
+          </a:effectRef>
+          <a:fontRef idx="minor">
+            <a:schemeClr val="lt1"/>
+          </a:fontRef>
+        </p:style>
+        <p:txBody>
+          <a:bodyPr rtlCol="0" anchor="ctr"/>
+          <a:lstStyle/>
+          <a:p>
+            <a:pPr algn="ctr"/>
+            <a:r>
+              <a:rPr lang="en-ID" sz="1400" dirty="0" err="1" smtClean="0"/>
+              <a:t>Ya</a:t>
+            </a:r>
+            <a:endParaRPr lang="en-GB" sz="1400" dirty="0"/>
+          </a:p>
+        </p:txBody>
+      </p:sp>
+      <p:sp>
+        <p:nvSpPr>
+          <p:cNvPr id="200" name="Rectangle 199"/>
+          <p:cNvSpPr/>
+          <p:nvPr/>
+        </p:nvSpPr>
+        <p:spPr>
+          <a:xfrm>
+            <a:off x="7086168" y="5903414"/>
+            <a:ext cx="900000" cy="288000"/>
+          </a:xfrm>
+          <a:prstGeom prst="rect">
+            <a:avLst/>
+          </a:prstGeom>
+          <a:solidFill>
+            <a:schemeClr val="accent6">
+              <a:lumMod val="75000"/>
+            </a:schemeClr>
+          </a:solidFill>
+        </p:spPr>
+        <p:style>
+          <a:lnRef idx="1">
+            <a:schemeClr val="accent6"/>
+          </a:lnRef>
+          <a:fillRef idx="3">
+            <a:schemeClr val="accent6"/>
+          </a:fillRef>
+          <a:effectRef idx="2">
+            <a:schemeClr val="accent6"/>
+          </a:effectRef>
+          <a:fontRef idx="minor">
+            <a:schemeClr val="lt1"/>
+          </a:fontRef>
+        </p:style>
+        <p:txBody>
+          <a:bodyPr rtlCol="0" anchor="ctr"/>
+          <a:lstStyle/>
+          <a:p>
+            <a:pPr algn="ctr"/>
+            <a:r>
+              <a:rPr lang="en-ID" sz="1400" dirty="0" err="1" smtClean="0"/>
+              <a:t>Ya</a:t>
+            </a:r>
+            <a:endParaRPr lang="en-GB" sz="1400" dirty="0"/>
+          </a:p>
+        </p:txBody>
+      </p:sp>
+      <p:sp>
+        <p:nvSpPr>
+          <p:cNvPr id="201" name="Rectangle 200"/>
+          <p:cNvSpPr/>
+          <p:nvPr/>
+        </p:nvSpPr>
+        <p:spPr>
+          <a:xfrm>
+            <a:off x="8249768" y="5887598"/>
+            <a:ext cx="900000" cy="288000"/>
+          </a:xfrm>
+          <a:prstGeom prst="rect">
+            <a:avLst/>
+          </a:prstGeom>
+          <a:solidFill>
+            <a:schemeClr val="accent6">
+              <a:lumMod val="75000"/>
+            </a:schemeClr>
+          </a:solidFill>
+        </p:spPr>
+        <p:style>
+          <a:lnRef idx="1">
+            <a:schemeClr val="accent6"/>
+          </a:lnRef>
+          <a:fillRef idx="3">
+            <a:schemeClr val="accent6"/>
+          </a:fillRef>
+          <a:effectRef idx="2">
+            <a:schemeClr val="accent6"/>
+          </a:effectRef>
+          <a:fontRef idx="minor">
+            <a:schemeClr val="lt1"/>
+          </a:fontRef>
+        </p:style>
+        <p:txBody>
+          <a:bodyPr rtlCol="0" anchor="ctr"/>
+          <a:lstStyle/>
+          <a:p>
+            <a:pPr algn="ctr"/>
+            <a:r>
+              <a:rPr lang="en-ID" sz="1400" dirty="0" err="1" smtClean="0"/>
+              <a:t>Ya</a:t>
+            </a:r>
+            <a:endParaRPr lang="en-GB" sz="1400" dirty="0"/>
+          </a:p>
+        </p:txBody>
+      </p:sp>
+      <p:sp>
+        <p:nvSpPr>
+          <p:cNvPr id="202" name="Rectangle 201"/>
+          <p:cNvSpPr/>
+          <p:nvPr/>
+        </p:nvSpPr>
+        <p:spPr>
+          <a:xfrm>
+            <a:off x="9420721" y="5887598"/>
+            <a:ext cx="900000" cy="288000"/>
+          </a:xfrm>
+          <a:prstGeom prst="rect">
+            <a:avLst/>
+          </a:prstGeom>
+          <a:solidFill>
+            <a:schemeClr val="accent6">
+              <a:lumMod val="75000"/>
+            </a:schemeClr>
+          </a:solidFill>
+        </p:spPr>
+        <p:style>
+          <a:lnRef idx="1">
+            <a:schemeClr val="accent6"/>
+          </a:lnRef>
+          <a:fillRef idx="3">
+            <a:schemeClr val="accent6"/>
+          </a:fillRef>
+          <a:effectRef idx="2">
+            <a:schemeClr val="accent6"/>
+          </a:effectRef>
+          <a:fontRef idx="minor">
+            <a:schemeClr val="lt1"/>
+          </a:fontRef>
+        </p:style>
+        <p:txBody>
+          <a:bodyPr rtlCol="0" anchor="ctr"/>
+          <a:lstStyle/>
+          <a:p>
+            <a:pPr algn="ctr"/>
+            <a:r>
+              <a:rPr lang="en-ID" sz="1400" dirty="0" err="1" smtClean="0"/>
+              <a:t>Ya</a:t>
+            </a:r>
+            <a:endParaRPr lang="en-GB" sz="1400" dirty="0"/>
+          </a:p>
+        </p:txBody>
+      </p:sp>
+      <p:sp>
+        <p:nvSpPr>
+          <p:cNvPr id="203" name="Rectangle 202"/>
+          <p:cNvSpPr/>
+          <p:nvPr/>
+        </p:nvSpPr>
+        <p:spPr>
+          <a:xfrm>
+            <a:off x="5922568" y="6389540"/>
+            <a:ext cx="900000" cy="288000"/>
+          </a:xfrm>
+          <a:prstGeom prst="rect">
+            <a:avLst/>
+          </a:prstGeom>
+          <a:solidFill>
+            <a:srgbClr val="00B050"/>
+          </a:solidFill>
+        </p:spPr>
+        <p:style>
+          <a:lnRef idx="1">
+            <a:schemeClr val="accent6"/>
+          </a:lnRef>
+          <a:fillRef idx="3">
+            <a:schemeClr val="accent6"/>
+          </a:fillRef>
+          <a:effectRef idx="2">
+            <a:schemeClr val="accent6"/>
+          </a:effectRef>
+          <a:fontRef idx="minor">
+            <a:schemeClr val="lt1"/>
+          </a:fontRef>
+        </p:style>
+        <p:txBody>
+          <a:bodyPr rtlCol="0" anchor="ctr"/>
+          <a:lstStyle/>
+          <a:p>
+            <a:pPr algn="ctr"/>
+            <a:r>
+              <a:rPr lang="en-ID" sz="1400" dirty="0" err="1" smtClean="0"/>
+              <a:t>Ya</a:t>
+            </a:r>
+            <a:endParaRPr lang="en-GB" sz="1400" dirty="0"/>
+          </a:p>
+        </p:txBody>
+      </p:sp>
+      <p:sp>
+        <p:nvSpPr>
+          <p:cNvPr id="204" name="Rectangle 203"/>
+          <p:cNvSpPr/>
+          <p:nvPr/>
+        </p:nvSpPr>
+        <p:spPr>
+          <a:xfrm>
+            <a:off x="7086168" y="6386465"/>
+            <a:ext cx="900000" cy="288000"/>
+          </a:xfrm>
+          <a:prstGeom prst="rect">
+            <a:avLst/>
+          </a:prstGeom>
+          <a:solidFill>
+            <a:srgbClr val="00B050"/>
+          </a:solidFill>
+        </p:spPr>
+        <p:style>
+          <a:lnRef idx="1">
+            <a:schemeClr val="accent6"/>
+          </a:lnRef>
+          <a:fillRef idx="3">
+            <a:schemeClr val="accent6"/>
+          </a:fillRef>
+          <a:effectRef idx="2">
+            <a:schemeClr val="accent6"/>
+          </a:effectRef>
+          <a:fontRef idx="minor">
+            <a:schemeClr val="lt1"/>
+          </a:fontRef>
+        </p:style>
+        <p:txBody>
+          <a:bodyPr rtlCol="0" anchor="ctr"/>
+          <a:lstStyle/>
+          <a:p>
+            <a:pPr algn="ctr"/>
+            <a:r>
+              <a:rPr lang="en-ID" sz="1400" dirty="0" err="1" smtClean="0"/>
+              <a:t>Ya</a:t>
+            </a:r>
+            <a:endParaRPr lang="en-GB" sz="1400" dirty="0"/>
+          </a:p>
+        </p:txBody>
+      </p:sp>
+      <p:sp>
+        <p:nvSpPr>
+          <p:cNvPr id="205" name="Rectangle 204"/>
+          <p:cNvSpPr/>
+          <p:nvPr/>
+        </p:nvSpPr>
+        <p:spPr>
+          <a:xfrm>
+            <a:off x="8249768" y="6370649"/>
+            <a:ext cx="900000" cy="288000"/>
+          </a:xfrm>
+          <a:prstGeom prst="rect">
+            <a:avLst/>
+          </a:prstGeom>
+          <a:solidFill>
+            <a:srgbClr val="00B050"/>
+          </a:solidFill>
+        </p:spPr>
+        <p:style>
+          <a:lnRef idx="1">
+            <a:schemeClr val="accent6"/>
+          </a:lnRef>
+          <a:fillRef idx="3">
+            <a:schemeClr val="accent6"/>
+          </a:fillRef>
+          <a:effectRef idx="2">
+            <a:schemeClr val="accent6"/>
+          </a:effectRef>
+          <a:fontRef idx="minor">
+            <a:schemeClr val="lt1"/>
+          </a:fontRef>
+        </p:style>
+        <p:txBody>
+          <a:bodyPr rtlCol="0" anchor="ctr"/>
+          <a:lstStyle/>
+          <a:p>
+            <a:pPr algn="ctr"/>
+            <a:r>
+              <a:rPr lang="en-ID" sz="1400" dirty="0" err="1" smtClean="0"/>
+              <a:t>Ya</a:t>
+            </a:r>
+            <a:endParaRPr lang="en-GB" sz="1400" dirty="0"/>
+          </a:p>
+        </p:txBody>
+      </p:sp>
+      <p:sp>
+        <p:nvSpPr>
+          <p:cNvPr id="206" name="Rectangle 205"/>
+          <p:cNvSpPr/>
+          <p:nvPr/>
+        </p:nvSpPr>
+        <p:spPr>
+          <a:xfrm>
+            <a:off x="9420721" y="6370649"/>
+            <a:ext cx="900000" cy="288000"/>
+          </a:xfrm>
+          <a:prstGeom prst="rect">
+            <a:avLst/>
+          </a:prstGeom>
+          <a:solidFill>
+            <a:srgbClr val="00B050"/>
+          </a:solidFill>
+        </p:spPr>
+        <p:style>
+          <a:lnRef idx="1">
+            <a:schemeClr val="accent6"/>
+          </a:lnRef>
+          <a:fillRef idx="3">
+            <a:schemeClr val="accent6"/>
+          </a:fillRef>
+          <a:effectRef idx="2">
+            <a:schemeClr val="accent6"/>
+          </a:effectRef>
+          <a:fontRef idx="minor">
+            <a:schemeClr val="lt1"/>
+          </a:fontRef>
+        </p:style>
+        <p:txBody>
+          <a:bodyPr rtlCol="0" anchor="ctr"/>
+          <a:lstStyle/>
+          <a:p>
+            <a:pPr algn="ctr"/>
+            <a:r>
+              <a:rPr lang="en-ID" sz="1400" dirty="0" err="1" smtClean="0"/>
+              <a:t>Ya</a:t>
+            </a:r>
+            <a:endParaRPr lang="en-GB" sz="1400" dirty="0"/>
+          </a:p>
+        </p:txBody>
+      </p:sp>
+      <p:sp>
+        <p:nvSpPr>
+          <p:cNvPr id="235" name="Rectangle 234"/>
+          <p:cNvSpPr/>
+          <p:nvPr/>
+        </p:nvSpPr>
+        <p:spPr>
+          <a:xfrm>
+            <a:off x="10591673" y="424336"/>
+            <a:ext cx="1161149" cy="288000"/>
+          </a:xfrm>
+          <a:prstGeom prst="rect">
+            <a:avLst/>
+          </a:prstGeom>
+        </p:spPr>
+        <p:style>
+          <a:lnRef idx="2">
+            <a:schemeClr val="dk1"/>
+          </a:lnRef>
+          <a:fillRef idx="1">
+            <a:schemeClr val="lt1"/>
+          </a:fillRef>
+          <a:effectRef idx="0">
+            <a:schemeClr val="dk1"/>
+          </a:effectRef>
+          <a:fontRef idx="minor">
+            <a:schemeClr val="dk1"/>
+          </a:fontRef>
+        </p:style>
+        <p:txBody>
+          <a:bodyPr rtlCol="0" anchor="ctr"/>
+          <a:lstStyle/>
+          <a:p>
+            <a:pPr algn="ctr"/>
+            <a:r>
+              <a:rPr lang="en-ID" sz="1400" dirty="0"/>
+              <a:t>C</a:t>
+            </a:r>
+            <a:r>
+              <a:rPr lang="en-ID" sz="1400" dirty="0" smtClean="0"/>
+              <a:t>ONTOH</a:t>
+            </a:r>
+            <a:endParaRPr lang="en-GB" sz="1400" dirty="0"/>
+          </a:p>
+        </p:txBody>
+      </p:sp>
+      <p:sp>
+        <p:nvSpPr>
+          <p:cNvPr id="236" name="Rectangle 235"/>
+          <p:cNvSpPr/>
+          <p:nvPr/>
+        </p:nvSpPr>
+        <p:spPr>
+          <a:xfrm>
+            <a:off x="10552717" y="888144"/>
+            <a:ext cx="348577" cy="288000"/>
+          </a:xfrm>
+          <a:prstGeom prst="rect">
+            <a:avLst/>
+          </a:prstGeom>
+        </p:spPr>
+        <p:style>
+          <a:lnRef idx="1">
+            <a:schemeClr val="accent2"/>
+          </a:lnRef>
+          <a:fillRef idx="3">
+            <a:schemeClr val="accent2"/>
+          </a:fillRef>
+          <a:effectRef idx="2">
+            <a:schemeClr val="accent2"/>
+          </a:effectRef>
+          <a:fontRef idx="minor">
+            <a:schemeClr val="lt1"/>
+          </a:fontRef>
+        </p:style>
+        <p:txBody>
+          <a:bodyPr rtlCol="0" anchor="ctr"/>
+          <a:lstStyle/>
+          <a:p>
+            <a:pPr algn="ctr"/>
+            <a:r>
+              <a:rPr lang="en-ID" sz="1400" dirty="0" smtClean="0"/>
+              <a:t>1</a:t>
+            </a:r>
+            <a:endParaRPr lang="en-GB" sz="1400" dirty="0"/>
+          </a:p>
+        </p:txBody>
+      </p:sp>
+      <p:sp>
+        <p:nvSpPr>
+          <p:cNvPr id="237" name="Rectangle 236"/>
+          <p:cNvSpPr/>
+          <p:nvPr/>
+        </p:nvSpPr>
+        <p:spPr>
+          <a:xfrm>
+            <a:off x="10997958" y="888144"/>
+            <a:ext cx="348577" cy="288000"/>
+          </a:xfrm>
+          <a:prstGeom prst="rect">
+            <a:avLst/>
+          </a:prstGeom>
+        </p:spPr>
+        <p:style>
+          <a:lnRef idx="1">
+            <a:schemeClr val="accent2"/>
+          </a:lnRef>
+          <a:fillRef idx="3">
+            <a:schemeClr val="accent2"/>
+          </a:fillRef>
+          <a:effectRef idx="2">
+            <a:schemeClr val="accent2"/>
+          </a:effectRef>
+          <a:fontRef idx="minor">
+            <a:schemeClr val="lt1"/>
+          </a:fontRef>
+        </p:style>
+        <p:txBody>
+          <a:bodyPr rtlCol="0" anchor="ctr"/>
+          <a:lstStyle/>
+          <a:p>
+            <a:pPr algn="ctr"/>
+            <a:r>
+              <a:rPr lang="en-ID" sz="1400" dirty="0"/>
+              <a:t>2</a:t>
+            </a:r>
+            <a:endParaRPr lang="en-GB" sz="1400" dirty="0"/>
+          </a:p>
+        </p:txBody>
+      </p:sp>
+      <p:sp>
+        <p:nvSpPr>
+          <p:cNvPr id="238" name="Rectangle 237"/>
+          <p:cNvSpPr/>
+          <p:nvPr/>
+        </p:nvSpPr>
+        <p:spPr>
+          <a:xfrm>
+            <a:off x="11443199" y="888144"/>
+            <a:ext cx="348577" cy="288000"/>
+          </a:xfrm>
+          <a:prstGeom prst="rect">
+            <a:avLst/>
+          </a:prstGeom>
+        </p:spPr>
+        <p:style>
+          <a:lnRef idx="1">
+            <a:schemeClr val="accent2"/>
+          </a:lnRef>
+          <a:fillRef idx="3">
+            <a:schemeClr val="accent2"/>
+          </a:fillRef>
+          <a:effectRef idx="2">
+            <a:schemeClr val="accent2"/>
+          </a:effectRef>
+          <a:fontRef idx="minor">
+            <a:schemeClr val="lt1"/>
+          </a:fontRef>
+        </p:style>
+        <p:txBody>
+          <a:bodyPr rtlCol="0" anchor="ctr"/>
+          <a:lstStyle/>
+          <a:p>
+            <a:pPr algn="ctr"/>
+            <a:r>
+              <a:rPr lang="en-ID" sz="1400" dirty="0"/>
+              <a:t>3</a:t>
+            </a:r>
+            <a:endParaRPr lang="en-GB" sz="1400" dirty="0"/>
+          </a:p>
+        </p:txBody>
+      </p:sp>
+      <p:sp>
+        <p:nvSpPr>
+          <p:cNvPr id="239" name="Rectangle 238"/>
+          <p:cNvSpPr/>
+          <p:nvPr/>
+        </p:nvSpPr>
+        <p:spPr>
+          <a:xfrm>
+            <a:off x="10546840" y="1372904"/>
+            <a:ext cx="348577" cy="288000"/>
+          </a:xfrm>
+          <a:prstGeom prst="rect">
+            <a:avLst/>
+          </a:prstGeom>
+          <a:solidFill>
+            <a:schemeClr val="accent2">
+              <a:lumMod val="60000"/>
+              <a:lumOff val="40000"/>
+            </a:schemeClr>
+          </a:solidFill>
+        </p:spPr>
+        <p:style>
+          <a:lnRef idx="1">
+            <a:schemeClr val="accent2"/>
+          </a:lnRef>
+          <a:fillRef idx="3">
+            <a:schemeClr val="accent2"/>
+          </a:fillRef>
+          <a:effectRef idx="2">
+            <a:schemeClr val="accent2"/>
+          </a:effectRef>
+          <a:fontRef idx="minor">
+            <a:schemeClr val="lt1"/>
+          </a:fontRef>
+        </p:style>
+        <p:txBody>
+          <a:bodyPr rtlCol="0" anchor="ctr"/>
+          <a:lstStyle/>
+          <a:p>
+            <a:pPr algn="ctr"/>
+            <a:r>
+              <a:rPr lang="en-ID" sz="1400" dirty="0" smtClean="0">
+                <a:ln w="0"/>
+                <a:solidFill>
+                  <a:schemeClr val="tx1"/>
+                </a:solidFill>
+                <a:effectLst>
+                  <a:outerShdw blurRad="38100" dist="19050" dir="2700000" algn="tl" rotWithShape="0">
+                    <a:schemeClr val="dk1">
+                      <a:alpha val="40000"/>
+                    </a:schemeClr>
+                  </a:outerShdw>
+                </a:effectLst>
+              </a:rPr>
+              <a:t>1</a:t>
+            </a:r>
+            <a:endParaRPr lang="en-GB" sz="1400" dirty="0">
+              <a:ln w="0"/>
+              <a:solidFill>
+                <a:schemeClr val="tx1"/>
+              </a:solidFill>
+              <a:effectLst>
+                <a:outerShdw blurRad="38100" dist="19050" dir="2700000" algn="tl" rotWithShape="0">
+                  <a:schemeClr val="dk1">
+                    <a:alpha val="40000"/>
+                  </a:schemeClr>
+                </a:outerShdw>
+              </a:effectLst>
+            </a:endParaRPr>
+          </a:p>
+        </p:txBody>
+      </p:sp>
+      <p:sp>
+        <p:nvSpPr>
+          <p:cNvPr id="240" name="Rectangle 239"/>
+          <p:cNvSpPr/>
+          <p:nvPr/>
+        </p:nvSpPr>
+        <p:spPr>
+          <a:xfrm>
+            <a:off x="10992081" y="1372904"/>
+            <a:ext cx="348577" cy="288000"/>
+          </a:xfrm>
+          <a:prstGeom prst="rect">
+            <a:avLst/>
+          </a:prstGeom>
+          <a:solidFill>
+            <a:schemeClr val="accent2">
+              <a:lumMod val="60000"/>
+              <a:lumOff val="40000"/>
+            </a:schemeClr>
+          </a:solidFill>
+        </p:spPr>
+        <p:style>
+          <a:lnRef idx="1">
+            <a:schemeClr val="accent2"/>
+          </a:lnRef>
+          <a:fillRef idx="3">
+            <a:schemeClr val="accent2"/>
+          </a:fillRef>
+          <a:effectRef idx="2">
+            <a:schemeClr val="accent2"/>
+          </a:effectRef>
+          <a:fontRef idx="minor">
+            <a:schemeClr val="lt1"/>
+          </a:fontRef>
+        </p:style>
+        <p:txBody>
+          <a:bodyPr rtlCol="0" anchor="ctr"/>
+          <a:lstStyle/>
+          <a:p>
+            <a:pPr algn="ctr"/>
+            <a:r>
+              <a:rPr lang="en-ID" sz="1400" dirty="0">
+                <a:ln w="0"/>
+                <a:solidFill>
+                  <a:schemeClr val="tx1"/>
+                </a:solidFill>
+                <a:effectLst>
+                  <a:outerShdw blurRad="38100" dist="19050" dir="2700000" algn="tl" rotWithShape="0">
+                    <a:schemeClr val="dk1">
+                      <a:alpha val="40000"/>
+                    </a:schemeClr>
+                  </a:outerShdw>
+                </a:effectLst>
+              </a:rPr>
+              <a:t>2</a:t>
+            </a:r>
+            <a:endParaRPr lang="en-GB" sz="1400" dirty="0">
+              <a:ln w="0"/>
+              <a:solidFill>
+                <a:schemeClr val="tx1"/>
+              </a:solidFill>
+              <a:effectLst>
+                <a:outerShdw blurRad="38100" dist="19050" dir="2700000" algn="tl" rotWithShape="0">
+                  <a:schemeClr val="dk1">
+                    <a:alpha val="40000"/>
+                  </a:schemeClr>
+                </a:outerShdw>
+              </a:effectLst>
+            </a:endParaRPr>
+          </a:p>
+        </p:txBody>
+      </p:sp>
+      <p:sp>
+        <p:nvSpPr>
+          <p:cNvPr id="241" name="Rectangle 240"/>
+          <p:cNvSpPr/>
+          <p:nvPr/>
+        </p:nvSpPr>
+        <p:spPr>
+          <a:xfrm>
+            <a:off x="11437322" y="1372904"/>
+            <a:ext cx="348577" cy="288000"/>
+          </a:xfrm>
+          <a:prstGeom prst="rect">
+            <a:avLst/>
+          </a:prstGeom>
+          <a:solidFill>
+            <a:schemeClr val="accent2">
+              <a:lumMod val="60000"/>
+              <a:lumOff val="40000"/>
+            </a:schemeClr>
+          </a:solidFill>
+        </p:spPr>
+        <p:style>
+          <a:lnRef idx="1">
+            <a:schemeClr val="accent2"/>
+          </a:lnRef>
+          <a:fillRef idx="3">
+            <a:schemeClr val="accent2"/>
+          </a:fillRef>
+          <a:effectRef idx="2">
+            <a:schemeClr val="accent2"/>
+          </a:effectRef>
+          <a:fontRef idx="minor">
+            <a:schemeClr val="lt1"/>
+          </a:fontRef>
+        </p:style>
+        <p:txBody>
+          <a:bodyPr rtlCol="0" anchor="ctr"/>
+          <a:lstStyle/>
+          <a:p>
+            <a:pPr algn="ctr"/>
+            <a:r>
+              <a:rPr lang="en-ID" sz="1400" dirty="0">
+                <a:ln w="0"/>
+                <a:solidFill>
+                  <a:schemeClr val="tx1"/>
+                </a:solidFill>
+                <a:effectLst>
+                  <a:outerShdw blurRad="38100" dist="19050" dir="2700000" algn="tl" rotWithShape="0">
+                    <a:schemeClr val="dk1">
+                      <a:alpha val="40000"/>
+                    </a:schemeClr>
+                  </a:outerShdw>
+                </a:effectLst>
+              </a:rPr>
+              <a:t>3</a:t>
+            </a:r>
+            <a:endParaRPr lang="en-GB" sz="1400" dirty="0">
+              <a:ln w="0"/>
+              <a:solidFill>
+                <a:schemeClr val="tx1"/>
+              </a:solidFill>
+              <a:effectLst>
+                <a:outerShdw blurRad="38100" dist="19050" dir="2700000" algn="tl" rotWithShape="0">
+                  <a:schemeClr val="dk1">
+                    <a:alpha val="40000"/>
+                  </a:schemeClr>
+                </a:outerShdw>
+              </a:effectLst>
+            </a:endParaRPr>
+          </a:p>
+        </p:txBody>
+      </p:sp>
+      <p:sp>
+        <p:nvSpPr>
+          <p:cNvPr id="242" name="Rectangle 241"/>
+          <p:cNvSpPr/>
+          <p:nvPr/>
+        </p:nvSpPr>
+        <p:spPr>
+          <a:xfrm>
+            <a:off x="10540963" y="1847725"/>
+            <a:ext cx="348577" cy="288000"/>
+          </a:xfrm>
+          <a:prstGeom prst="rect">
+            <a:avLst/>
+          </a:prstGeom>
+        </p:spPr>
+        <p:style>
+          <a:lnRef idx="1">
+            <a:schemeClr val="accent2"/>
+          </a:lnRef>
+          <a:fillRef idx="3">
+            <a:schemeClr val="accent2"/>
+          </a:fillRef>
+          <a:effectRef idx="2">
+            <a:schemeClr val="accent2"/>
+          </a:effectRef>
+          <a:fontRef idx="minor">
+            <a:schemeClr val="lt1"/>
+          </a:fontRef>
+        </p:style>
+        <p:txBody>
+          <a:bodyPr rtlCol="0" anchor="ctr"/>
+          <a:lstStyle/>
+          <a:p>
+            <a:pPr algn="ctr"/>
+            <a:r>
+              <a:rPr lang="en-ID" sz="1400" dirty="0" smtClean="0"/>
+              <a:t>1</a:t>
+            </a:r>
+            <a:endParaRPr lang="en-GB" sz="1400" dirty="0"/>
+          </a:p>
+        </p:txBody>
+      </p:sp>
+      <p:sp>
+        <p:nvSpPr>
+          <p:cNvPr id="243" name="Rectangle 242"/>
+          <p:cNvSpPr/>
+          <p:nvPr/>
+        </p:nvSpPr>
+        <p:spPr>
+          <a:xfrm>
+            <a:off x="10986204" y="1847725"/>
+            <a:ext cx="348577" cy="288000"/>
+          </a:xfrm>
+          <a:prstGeom prst="rect">
+            <a:avLst/>
+          </a:prstGeom>
+        </p:spPr>
+        <p:style>
+          <a:lnRef idx="1">
+            <a:schemeClr val="accent2"/>
+          </a:lnRef>
+          <a:fillRef idx="3">
+            <a:schemeClr val="accent2"/>
+          </a:fillRef>
+          <a:effectRef idx="2">
+            <a:schemeClr val="accent2"/>
+          </a:effectRef>
+          <a:fontRef idx="minor">
+            <a:schemeClr val="lt1"/>
+          </a:fontRef>
+        </p:style>
+        <p:txBody>
+          <a:bodyPr rtlCol="0" anchor="ctr"/>
+          <a:lstStyle/>
+          <a:p>
+            <a:pPr algn="ctr"/>
+            <a:r>
+              <a:rPr lang="en-ID" sz="1400" dirty="0"/>
+              <a:t>2</a:t>
+            </a:r>
+            <a:endParaRPr lang="en-GB" sz="1400" dirty="0"/>
+          </a:p>
+        </p:txBody>
+      </p:sp>
+      <p:sp>
+        <p:nvSpPr>
+          <p:cNvPr id="244" name="Rectangle 243"/>
+          <p:cNvSpPr/>
+          <p:nvPr/>
+        </p:nvSpPr>
+        <p:spPr>
+          <a:xfrm>
+            <a:off x="11431445" y="1847725"/>
+            <a:ext cx="348577" cy="288000"/>
+          </a:xfrm>
+          <a:prstGeom prst="rect">
+            <a:avLst/>
+          </a:prstGeom>
+        </p:spPr>
+        <p:style>
+          <a:lnRef idx="1">
+            <a:schemeClr val="accent2"/>
+          </a:lnRef>
+          <a:fillRef idx="3">
+            <a:schemeClr val="accent2"/>
+          </a:fillRef>
+          <a:effectRef idx="2">
+            <a:schemeClr val="accent2"/>
+          </a:effectRef>
+          <a:fontRef idx="minor">
+            <a:schemeClr val="lt1"/>
+          </a:fontRef>
+        </p:style>
+        <p:txBody>
+          <a:bodyPr rtlCol="0" anchor="ctr"/>
+          <a:lstStyle/>
+          <a:p>
+            <a:pPr algn="ctr"/>
+            <a:r>
+              <a:rPr lang="en-ID" sz="1400" dirty="0"/>
+              <a:t>3</a:t>
+            </a:r>
+            <a:endParaRPr lang="en-GB" sz="1400" dirty="0"/>
+          </a:p>
+        </p:txBody>
+      </p:sp>
+      <p:sp>
+        <p:nvSpPr>
+          <p:cNvPr id="245" name="Rectangle 244"/>
+          <p:cNvSpPr/>
+          <p:nvPr/>
+        </p:nvSpPr>
+        <p:spPr>
+          <a:xfrm>
+            <a:off x="10535086" y="2322546"/>
+            <a:ext cx="348577" cy="288000"/>
+          </a:xfrm>
+          <a:prstGeom prst="rect">
+            <a:avLst/>
+          </a:prstGeom>
+          <a:solidFill>
+            <a:schemeClr val="accent2">
+              <a:lumMod val="60000"/>
+              <a:lumOff val="40000"/>
+            </a:schemeClr>
+          </a:solidFill>
+        </p:spPr>
+        <p:style>
+          <a:lnRef idx="1">
+            <a:schemeClr val="accent2"/>
+          </a:lnRef>
+          <a:fillRef idx="3">
+            <a:schemeClr val="accent2"/>
+          </a:fillRef>
+          <a:effectRef idx="2">
+            <a:schemeClr val="accent2"/>
+          </a:effectRef>
+          <a:fontRef idx="minor">
+            <a:schemeClr val="lt1"/>
+          </a:fontRef>
+        </p:style>
+        <p:txBody>
+          <a:bodyPr rtlCol="0" anchor="ctr"/>
+          <a:lstStyle/>
+          <a:p>
+            <a:pPr algn="ctr"/>
+            <a:r>
+              <a:rPr lang="en-ID" sz="1400" dirty="0" smtClean="0">
+                <a:ln w="0"/>
+                <a:solidFill>
+                  <a:schemeClr val="tx1"/>
+                </a:solidFill>
+                <a:effectLst>
+                  <a:outerShdw blurRad="38100" dist="19050" dir="2700000" algn="tl" rotWithShape="0">
+                    <a:schemeClr val="dk1">
+                      <a:alpha val="40000"/>
+                    </a:schemeClr>
+                  </a:outerShdw>
+                </a:effectLst>
+              </a:rPr>
+              <a:t>1</a:t>
+            </a:r>
+            <a:endParaRPr lang="en-GB" sz="1400" dirty="0">
+              <a:ln w="0"/>
+              <a:solidFill>
+                <a:schemeClr val="tx1"/>
+              </a:solidFill>
+              <a:effectLst>
+                <a:outerShdw blurRad="38100" dist="19050" dir="2700000" algn="tl" rotWithShape="0">
+                  <a:schemeClr val="dk1">
+                    <a:alpha val="40000"/>
+                  </a:schemeClr>
+                </a:outerShdw>
+              </a:effectLst>
+            </a:endParaRPr>
+          </a:p>
+        </p:txBody>
+      </p:sp>
+      <p:sp>
+        <p:nvSpPr>
+          <p:cNvPr id="246" name="Rectangle 245"/>
+          <p:cNvSpPr/>
+          <p:nvPr/>
+        </p:nvSpPr>
+        <p:spPr>
+          <a:xfrm>
+            <a:off x="10980327" y="2322546"/>
+            <a:ext cx="348577" cy="288000"/>
+          </a:xfrm>
+          <a:prstGeom prst="rect">
+            <a:avLst/>
+          </a:prstGeom>
+          <a:solidFill>
+            <a:schemeClr val="accent2">
+              <a:lumMod val="60000"/>
+              <a:lumOff val="40000"/>
+            </a:schemeClr>
+          </a:solidFill>
+        </p:spPr>
+        <p:style>
+          <a:lnRef idx="1">
+            <a:schemeClr val="accent2"/>
+          </a:lnRef>
+          <a:fillRef idx="3">
+            <a:schemeClr val="accent2"/>
+          </a:fillRef>
+          <a:effectRef idx="2">
+            <a:schemeClr val="accent2"/>
+          </a:effectRef>
+          <a:fontRef idx="minor">
+            <a:schemeClr val="lt1"/>
+          </a:fontRef>
+        </p:style>
+        <p:txBody>
+          <a:bodyPr rtlCol="0" anchor="ctr"/>
+          <a:lstStyle/>
+          <a:p>
+            <a:pPr algn="ctr"/>
+            <a:r>
+              <a:rPr lang="en-ID" sz="1400" dirty="0">
+                <a:ln w="0"/>
+                <a:solidFill>
+                  <a:schemeClr val="tx1"/>
+                </a:solidFill>
+                <a:effectLst>
+                  <a:outerShdw blurRad="38100" dist="19050" dir="2700000" algn="tl" rotWithShape="0">
+                    <a:schemeClr val="dk1">
+                      <a:alpha val="40000"/>
+                    </a:schemeClr>
+                  </a:outerShdw>
+                </a:effectLst>
+              </a:rPr>
+              <a:t>2</a:t>
+            </a:r>
+            <a:endParaRPr lang="en-GB" sz="1400" dirty="0">
+              <a:ln w="0"/>
+              <a:solidFill>
+                <a:schemeClr val="tx1"/>
+              </a:solidFill>
+              <a:effectLst>
+                <a:outerShdw blurRad="38100" dist="19050" dir="2700000" algn="tl" rotWithShape="0">
+                  <a:schemeClr val="dk1">
+                    <a:alpha val="40000"/>
+                  </a:schemeClr>
+                </a:outerShdw>
+              </a:effectLst>
+            </a:endParaRPr>
+          </a:p>
+        </p:txBody>
+      </p:sp>
+      <p:sp>
+        <p:nvSpPr>
+          <p:cNvPr id="247" name="Rectangle 246"/>
+          <p:cNvSpPr/>
+          <p:nvPr/>
+        </p:nvSpPr>
+        <p:spPr>
+          <a:xfrm>
+            <a:off x="11425568" y="2322546"/>
+            <a:ext cx="348577" cy="288000"/>
+          </a:xfrm>
+          <a:prstGeom prst="rect">
+            <a:avLst/>
+          </a:prstGeom>
+          <a:solidFill>
+            <a:schemeClr val="accent2">
+              <a:lumMod val="60000"/>
+              <a:lumOff val="40000"/>
+            </a:schemeClr>
+          </a:solidFill>
+        </p:spPr>
+        <p:style>
+          <a:lnRef idx="1">
+            <a:schemeClr val="accent2"/>
+          </a:lnRef>
+          <a:fillRef idx="3">
+            <a:schemeClr val="accent2"/>
+          </a:fillRef>
+          <a:effectRef idx="2">
+            <a:schemeClr val="accent2"/>
+          </a:effectRef>
+          <a:fontRef idx="minor">
+            <a:schemeClr val="lt1"/>
+          </a:fontRef>
+        </p:style>
+        <p:txBody>
+          <a:bodyPr rtlCol="0" anchor="ctr"/>
+          <a:lstStyle/>
+          <a:p>
+            <a:pPr algn="ctr"/>
+            <a:r>
+              <a:rPr lang="en-ID" sz="1400" dirty="0">
+                <a:ln w="0"/>
+                <a:solidFill>
+                  <a:schemeClr val="tx1"/>
+                </a:solidFill>
+                <a:effectLst>
+                  <a:outerShdw blurRad="38100" dist="19050" dir="2700000" algn="tl" rotWithShape="0">
+                    <a:schemeClr val="dk1">
+                      <a:alpha val="40000"/>
+                    </a:schemeClr>
+                  </a:outerShdw>
+                </a:effectLst>
+              </a:rPr>
+              <a:t>3</a:t>
+            </a:r>
+            <a:endParaRPr lang="en-GB" sz="1400" dirty="0">
+              <a:ln w="0"/>
+              <a:solidFill>
+                <a:schemeClr val="tx1"/>
+              </a:solidFill>
+              <a:effectLst>
+                <a:outerShdw blurRad="38100" dist="19050" dir="2700000" algn="tl" rotWithShape="0">
+                  <a:schemeClr val="dk1">
+                    <a:alpha val="40000"/>
+                  </a:schemeClr>
+                </a:outerShdw>
+              </a:effectLst>
+            </a:endParaRPr>
+          </a:p>
+        </p:txBody>
+      </p:sp>
+      <p:sp>
+        <p:nvSpPr>
+          <p:cNvPr id="248" name="Rectangle 247"/>
+          <p:cNvSpPr/>
+          <p:nvPr/>
+        </p:nvSpPr>
+        <p:spPr>
+          <a:xfrm>
+            <a:off x="10529209" y="2857001"/>
+            <a:ext cx="348577" cy="288000"/>
+          </a:xfrm>
+          <a:prstGeom prst="rect">
+            <a:avLst/>
+          </a:prstGeom>
+        </p:spPr>
+        <p:style>
+          <a:lnRef idx="1">
+            <a:schemeClr val="accent2"/>
+          </a:lnRef>
+          <a:fillRef idx="3">
+            <a:schemeClr val="accent2"/>
+          </a:fillRef>
+          <a:effectRef idx="2">
+            <a:schemeClr val="accent2"/>
+          </a:effectRef>
+          <a:fontRef idx="minor">
+            <a:schemeClr val="lt1"/>
+          </a:fontRef>
+        </p:style>
+        <p:txBody>
+          <a:bodyPr rtlCol="0" anchor="ctr"/>
+          <a:lstStyle/>
+          <a:p>
+            <a:pPr algn="ctr"/>
+            <a:r>
+              <a:rPr lang="en-ID" sz="1400" dirty="0" smtClean="0"/>
+              <a:t>1</a:t>
+            </a:r>
+            <a:endParaRPr lang="en-GB" sz="1400" dirty="0"/>
+          </a:p>
+        </p:txBody>
+      </p:sp>
+      <p:sp>
+        <p:nvSpPr>
+          <p:cNvPr id="249" name="Rectangle 248"/>
+          <p:cNvSpPr/>
+          <p:nvPr/>
+        </p:nvSpPr>
+        <p:spPr>
+          <a:xfrm>
+            <a:off x="10974450" y="2857001"/>
+            <a:ext cx="348577" cy="288000"/>
+          </a:xfrm>
+          <a:prstGeom prst="rect">
+            <a:avLst/>
+          </a:prstGeom>
+        </p:spPr>
+        <p:style>
+          <a:lnRef idx="1">
+            <a:schemeClr val="accent2"/>
+          </a:lnRef>
+          <a:fillRef idx="3">
+            <a:schemeClr val="accent2"/>
+          </a:fillRef>
+          <a:effectRef idx="2">
+            <a:schemeClr val="accent2"/>
+          </a:effectRef>
+          <a:fontRef idx="minor">
+            <a:schemeClr val="lt1"/>
+          </a:fontRef>
+        </p:style>
+        <p:txBody>
+          <a:bodyPr rtlCol="0" anchor="ctr"/>
+          <a:lstStyle/>
+          <a:p>
+            <a:pPr algn="ctr"/>
+            <a:r>
+              <a:rPr lang="en-ID" sz="1400" dirty="0"/>
+              <a:t>2</a:t>
+            </a:r>
+            <a:endParaRPr lang="en-GB" sz="1400" dirty="0"/>
+          </a:p>
+        </p:txBody>
+      </p:sp>
+      <p:sp>
+        <p:nvSpPr>
+          <p:cNvPr id="250" name="Rectangle 249"/>
+          <p:cNvSpPr/>
+          <p:nvPr/>
+        </p:nvSpPr>
+        <p:spPr>
+          <a:xfrm>
+            <a:off x="11419691" y="2857001"/>
+            <a:ext cx="348577" cy="288000"/>
+          </a:xfrm>
+          <a:prstGeom prst="rect">
+            <a:avLst/>
+          </a:prstGeom>
+        </p:spPr>
+        <p:style>
+          <a:lnRef idx="1">
+            <a:schemeClr val="accent2"/>
+          </a:lnRef>
+          <a:fillRef idx="3">
+            <a:schemeClr val="accent2"/>
+          </a:fillRef>
+          <a:effectRef idx="2">
+            <a:schemeClr val="accent2"/>
+          </a:effectRef>
+          <a:fontRef idx="minor">
+            <a:schemeClr val="lt1"/>
+          </a:fontRef>
+        </p:style>
+        <p:txBody>
+          <a:bodyPr rtlCol="0" anchor="ctr"/>
+          <a:lstStyle/>
+          <a:p>
+            <a:pPr algn="ctr"/>
+            <a:r>
+              <a:rPr lang="en-ID" sz="1400" dirty="0"/>
+              <a:t>3</a:t>
+            </a:r>
+            <a:endParaRPr lang="en-GB" sz="1400" dirty="0"/>
+          </a:p>
+        </p:txBody>
+      </p:sp>
+      <p:sp>
+        <p:nvSpPr>
+          <p:cNvPr id="251" name="Rectangle 250"/>
+          <p:cNvSpPr/>
+          <p:nvPr/>
+        </p:nvSpPr>
+        <p:spPr>
+          <a:xfrm>
+            <a:off x="10523332" y="3381517"/>
+            <a:ext cx="348577" cy="288000"/>
+          </a:xfrm>
+          <a:prstGeom prst="rect">
+            <a:avLst/>
+          </a:prstGeom>
+          <a:solidFill>
+            <a:schemeClr val="accent2">
+              <a:lumMod val="60000"/>
+              <a:lumOff val="40000"/>
+            </a:schemeClr>
+          </a:solidFill>
+        </p:spPr>
+        <p:style>
+          <a:lnRef idx="1">
+            <a:schemeClr val="accent2"/>
+          </a:lnRef>
+          <a:fillRef idx="3">
+            <a:schemeClr val="accent2"/>
+          </a:fillRef>
+          <a:effectRef idx="2">
+            <a:schemeClr val="accent2"/>
+          </a:effectRef>
+          <a:fontRef idx="minor">
+            <a:schemeClr val="lt1"/>
+          </a:fontRef>
+        </p:style>
+        <p:txBody>
+          <a:bodyPr rtlCol="0" anchor="ctr"/>
+          <a:lstStyle/>
+          <a:p>
+            <a:pPr algn="ctr"/>
+            <a:r>
+              <a:rPr lang="en-ID" sz="1400" dirty="0" smtClean="0">
+                <a:ln w="0"/>
+                <a:solidFill>
+                  <a:schemeClr val="tx1"/>
+                </a:solidFill>
+                <a:effectLst>
+                  <a:outerShdw blurRad="38100" dist="19050" dir="2700000" algn="tl" rotWithShape="0">
+                    <a:schemeClr val="dk1">
+                      <a:alpha val="40000"/>
+                    </a:schemeClr>
+                  </a:outerShdw>
+                </a:effectLst>
+              </a:rPr>
+              <a:t>1</a:t>
+            </a:r>
+            <a:endParaRPr lang="en-GB" sz="1400" dirty="0">
+              <a:ln w="0"/>
+              <a:solidFill>
+                <a:schemeClr val="tx1"/>
+              </a:solidFill>
+              <a:effectLst>
+                <a:outerShdw blurRad="38100" dist="19050" dir="2700000" algn="tl" rotWithShape="0">
+                  <a:schemeClr val="dk1">
+                    <a:alpha val="40000"/>
+                  </a:schemeClr>
+                </a:outerShdw>
+              </a:effectLst>
+            </a:endParaRPr>
+          </a:p>
+        </p:txBody>
+      </p:sp>
+      <p:sp>
+        <p:nvSpPr>
+          <p:cNvPr id="252" name="Rectangle 251"/>
+          <p:cNvSpPr/>
+          <p:nvPr/>
+        </p:nvSpPr>
+        <p:spPr>
+          <a:xfrm>
+            <a:off x="10968573" y="3381517"/>
+            <a:ext cx="348577" cy="288000"/>
+          </a:xfrm>
+          <a:prstGeom prst="rect">
+            <a:avLst/>
+          </a:prstGeom>
+          <a:solidFill>
+            <a:schemeClr val="accent2">
+              <a:lumMod val="60000"/>
+              <a:lumOff val="40000"/>
+            </a:schemeClr>
+          </a:solidFill>
+        </p:spPr>
+        <p:style>
+          <a:lnRef idx="1">
+            <a:schemeClr val="accent2"/>
+          </a:lnRef>
+          <a:fillRef idx="3">
+            <a:schemeClr val="accent2"/>
+          </a:fillRef>
+          <a:effectRef idx="2">
+            <a:schemeClr val="accent2"/>
+          </a:effectRef>
+          <a:fontRef idx="minor">
+            <a:schemeClr val="lt1"/>
+          </a:fontRef>
+        </p:style>
+        <p:txBody>
+          <a:bodyPr rtlCol="0" anchor="ctr"/>
+          <a:lstStyle/>
+          <a:p>
+            <a:pPr algn="ctr"/>
+            <a:r>
+              <a:rPr lang="en-ID" sz="1400" dirty="0">
+                <a:ln w="0"/>
+                <a:solidFill>
+                  <a:schemeClr val="tx1"/>
+                </a:solidFill>
+                <a:effectLst>
+                  <a:outerShdw blurRad="38100" dist="19050" dir="2700000" algn="tl" rotWithShape="0">
+                    <a:schemeClr val="dk1">
+                      <a:alpha val="40000"/>
+                    </a:schemeClr>
+                  </a:outerShdw>
+                </a:effectLst>
+              </a:rPr>
+              <a:t>2</a:t>
+            </a:r>
+            <a:endParaRPr lang="en-GB" sz="1400" dirty="0">
+              <a:ln w="0"/>
+              <a:solidFill>
+                <a:schemeClr val="tx1"/>
+              </a:solidFill>
+              <a:effectLst>
+                <a:outerShdw blurRad="38100" dist="19050" dir="2700000" algn="tl" rotWithShape="0">
+                  <a:schemeClr val="dk1">
+                    <a:alpha val="40000"/>
+                  </a:schemeClr>
+                </a:outerShdw>
+              </a:effectLst>
+            </a:endParaRPr>
+          </a:p>
+        </p:txBody>
+      </p:sp>
+      <p:sp>
+        <p:nvSpPr>
+          <p:cNvPr id="253" name="Rectangle 252"/>
+          <p:cNvSpPr/>
+          <p:nvPr/>
+        </p:nvSpPr>
+        <p:spPr>
+          <a:xfrm>
+            <a:off x="11413814" y="3381517"/>
+            <a:ext cx="348577" cy="288000"/>
+          </a:xfrm>
+          <a:prstGeom prst="rect">
+            <a:avLst/>
+          </a:prstGeom>
+          <a:solidFill>
+            <a:schemeClr val="accent2">
+              <a:lumMod val="60000"/>
+              <a:lumOff val="40000"/>
+            </a:schemeClr>
+          </a:solidFill>
+        </p:spPr>
+        <p:style>
+          <a:lnRef idx="1">
+            <a:schemeClr val="accent2"/>
+          </a:lnRef>
+          <a:fillRef idx="3">
+            <a:schemeClr val="accent2"/>
+          </a:fillRef>
+          <a:effectRef idx="2">
+            <a:schemeClr val="accent2"/>
+          </a:effectRef>
+          <a:fontRef idx="minor">
+            <a:schemeClr val="lt1"/>
+          </a:fontRef>
+        </p:style>
+        <p:txBody>
+          <a:bodyPr rtlCol="0" anchor="ctr"/>
+          <a:lstStyle/>
+          <a:p>
+            <a:pPr algn="ctr"/>
+            <a:r>
+              <a:rPr lang="en-ID" sz="1400" dirty="0">
+                <a:ln w="0"/>
+                <a:solidFill>
+                  <a:schemeClr val="tx1"/>
+                </a:solidFill>
+                <a:effectLst>
+                  <a:outerShdw blurRad="38100" dist="19050" dir="2700000" algn="tl" rotWithShape="0">
+                    <a:schemeClr val="dk1">
+                      <a:alpha val="40000"/>
+                    </a:schemeClr>
+                  </a:outerShdw>
+                </a:effectLst>
+              </a:rPr>
+              <a:t>3</a:t>
+            </a:r>
+            <a:endParaRPr lang="en-GB" sz="1400" dirty="0">
+              <a:ln w="0"/>
+              <a:solidFill>
+                <a:schemeClr val="tx1"/>
+              </a:solidFill>
+              <a:effectLst>
+                <a:outerShdw blurRad="38100" dist="19050" dir="2700000" algn="tl" rotWithShape="0">
+                  <a:schemeClr val="dk1">
+                    <a:alpha val="40000"/>
+                  </a:schemeClr>
+                </a:outerShdw>
+              </a:effectLst>
+            </a:endParaRPr>
+          </a:p>
+        </p:txBody>
+      </p:sp>
+      <p:sp>
+        <p:nvSpPr>
+          <p:cNvPr id="254" name="Rectangle 253"/>
+          <p:cNvSpPr/>
+          <p:nvPr/>
+        </p:nvSpPr>
+        <p:spPr>
+          <a:xfrm>
+            <a:off x="10517455" y="3915972"/>
+            <a:ext cx="348577" cy="288000"/>
+          </a:xfrm>
+          <a:prstGeom prst="rect">
+            <a:avLst/>
+          </a:prstGeom>
+        </p:spPr>
+        <p:style>
+          <a:lnRef idx="1">
+            <a:schemeClr val="accent2"/>
+          </a:lnRef>
+          <a:fillRef idx="3">
+            <a:schemeClr val="accent2"/>
+          </a:fillRef>
+          <a:effectRef idx="2">
+            <a:schemeClr val="accent2"/>
+          </a:effectRef>
+          <a:fontRef idx="minor">
+            <a:schemeClr val="lt1"/>
+          </a:fontRef>
+        </p:style>
+        <p:txBody>
+          <a:bodyPr rtlCol="0" anchor="ctr"/>
+          <a:lstStyle/>
+          <a:p>
+            <a:pPr algn="ctr"/>
+            <a:r>
+              <a:rPr lang="en-ID" sz="1400" dirty="0" smtClean="0"/>
+              <a:t>1</a:t>
+            </a:r>
+            <a:endParaRPr lang="en-GB" sz="1400" dirty="0"/>
+          </a:p>
+        </p:txBody>
+      </p:sp>
+      <p:sp>
+        <p:nvSpPr>
+          <p:cNvPr id="255" name="Rectangle 254"/>
+          <p:cNvSpPr/>
+          <p:nvPr/>
+        </p:nvSpPr>
+        <p:spPr>
+          <a:xfrm>
+            <a:off x="10962696" y="3915972"/>
+            <a:ext cx="348577" cy="288000"/>
+          </a:xfrm>
+          <a:prstGeom prst="rect">
+            <a:avLst/>
+          </a:prstGeom>
+        </p:spPr>
+        <p:style>
+          <a:lnRef idx="1">
+            <a:schemeClr val="accent2"/>
+          </a:lnRef>
+          <a:fillRef idx="3">
+            <a:schemeClr val="accent2"/>
+          </a:fillRef>
+          <a:effectRef idx="2">
+            <a:schemeClr val="accent2"/>
+          </a:effectRef>
+          <a:fontRef idx="minor">
+            <a:schemeClr val="lt1"/>
+          </a:fontRef>
+        </p:style>
+        <p:txBody>
+          <a:bodyPr rtlCol="0" anchor="ctr"/>
+          <a:lstStyle/>
+          <a:p>
+            <a:pPr algn="ctr"/>
+            <a:r>
+              <a:rPr lang="en-ID" sz="1400" dirty="0"/>
+              <a:t>2</a:t>
+            </a:r>
+            <a:endParaRPr lang="en-GB" sz="1400" dirty="0"/>
+          </a:p>
+        </p:txBody>
+      </p:sp>
+      <p:sp>
+        <p:nvSpPr>
+          <p:cNvPr id="256" name="Rectangle 255"/>
+          <p:cNvSpPr/>
+          <p:nvPr/>
+        </p:nvSpPr>
+        <p:spPr>
+          <a:xfrm>
+            <a:off x="11407937" y="3915972"/>
+            <a:ext cx="348577" cy="288000"/>
+          </a:xfrm>
+          <a:prstGeom prst="rect">
+            <a:avLst/>
+          </a:prstGeom>
+        </p:spPr>
+        <p:style>
+          <a:lnRef idx="1">
+            <a:schemeClr val="accent2"/>
+          </a:lnRef>
+          <a:fillRef idx="3">
+            <a:schemeClr val="accent2"/>
+          </a:fillRef>
+          <a:effectRef idx="2">
+            <a:schemeClr val="accent2"/>
+          </a:effectRef>
+          <a:fontRef idx="minor">
+            <a:schemeClr val="lt1"/>
+          </a:fontRef>
+        </p:style>
+        <p:txBody>
+          <a:bodyPr rtlCol="0" anchor="ctr"/>
+          <a:lstStyle/>
+          <a:p>
+            <a:pPr algn="ctr"/>
+            <a:r>
+              <a:rPr lang="en-ID" sz="1400" dirty="0"/>
+              <a:t>3</a:t>
+            </a:r>
+            <a:endParaRPr lang="en-GB" sz="1400" dirty="0"/>
+          </a:p>
+        </p:txBody>
+      </p:sp>
+      <p:sp>
+        <p:nvSpPr>
+          <p:cNvPr id="257" name="Rectangle 256"/>
+          <p:cNvSpPr/>
+          <p:nvPr/>
+        </p:nvSpPr>
+        <p:spPr>
+          <a:xfrm>
+            <a:off x="10511578" y="4390793"/>
+            <a:ext cx="348577" cy="288000"/>
+          </a:xfrm>
+          <a:prstGeom prst="rect">
+            <a:avLst/>
+          </a:prstGeom>
+          <a:solidFill>
+            <a:schemeClr val="accent2">
+              <a:lumMod val="60000"/>
+              <a:lumOff val="40000"/>
+            </a:schemeClr>
+          </a:solidFill>
+        </p:spPr>
+        <p:style>
+          <a:lnRef idx="1">
+            <a:schemeClr val="accent2"/>
+          </a:lnRef>
+          <a:fillRef idx="3">
+            <a:schemeClr val="accent2"/>
+          </a:fillRef>
+          <a:effectRef idx="2">
+            <a:schemeClr val="accent2"/>
+          </a:effectRef>
+          <a:fontRef idx="minor">
+            <a:schemeClr val="lt1"/>
+          </a:fontRef>
+        </p:style>
+        <p:txBody>
+          <a:bodyPr rtlCol="0" anchor="ctr"/>
+          <a:lstStyle/>
+          <a:p>
+            <a:pPr algn="ctr"/>
+            <a:r>
+              <a:rPr lang="en-ID" sz="1400" dirty="0" smtClean="0">
+                <a:ln w="0"/>
+                <a:solidFill>
+                  <a:schemeClr val="tx1"/>
+                </a:solidFill>
+                <a:effectLst>
+                  <a:outerShdw blurRad="38100" dist="19050" dir="2700000" algn="tl" rotWithShape="0">
+                    <a:schemeClr val="dk1">
+                      <a:alpha val="40000"/>
+                    </a:schemeClr>
+                  </a:outerShdw>
+                </a:effectLst>
+              </a:rPr>
+              <a:t>1</a:t>
+            </a:r>
+            <a:endParaRPr lang="en-GB" sz="1400" dirty="0">
+              <a:ln w="0"/>
+              <a:solidFill>
+                <a:schemeClr val="tx1"/>
+              </a:solidFill>
+              <a:effectLst>
+                <a:outerShdw blurRad="38100" dist="19050" dir="2700000" algn="tl" rotWithShape="0">
+                  <a:schemeClr val="dk1">
+                    <a:alpha val="40000"/>
+                  </a:schemeClr>
+                </a:outerShdw>
+              </a:effectLst>
+            </a:endParaRPr>
+          </a:p>
+        </p:txBody>
+      </p:sp>
+      <p:sp>
+        <p:nvSpPr>
+          <p:cNvPr id="258" name="Rectangle 257"/>
+          <p:cNvSpPr/>
+          <p:nvPr/>
+        </p:nvSpPr>
+        <p:spPr>
+          <a:xfrm>
+            <a:off x="10956819" y="4390793"/>
+            <a:ext cx="348577" cy="288000"/>
+          </a:xfrm>
+          <a:prstGeom prst="rect">
+            <a:avLst/>
+          </a:prstGeom>
+          <a:solidFill>
+            <a:schemeClr val="accent2">
+              <a:lumMod val="60000"/>
+              <a:lumOff val="40000"/>
+            </a:schemeClr>
+          </a:solidFill>
+        </p:spPr>
+        <p:style>
+          <a:lnRef idx="1">
+            <a:schemeClr val="accent2"/>
+          </a:lnRef>
+          <a:fillRef idx="3">
+            <a:schemeClr val="accent2"/>
+          </a:fillRef>
+          <a:effectRef idx="2">
+            <a:schemeClr val="accent2"/>
+          </a:effectRef>
+          <a:fontRef idx="minor">
+            <a:schemeClr val="lt1"/>
+          </a:fontRef>
+        </p:style>
+        <p:txBody>
+          <a:bodyPr rtlCol="0" anchor="ctr"/>
+          <a:lstStyle/>
+          <a:p>
+            <a:pPr algn="ctr"/>
+            <a:r>
+              <a:rPr lang="en-ID" sz="1400" dirty="0">
+                <a:ln w="0"/>
+                <a:solidFill>
+                  <a:schemeClr val="tx1"/>
+                </a:solidFill>
+                <a:effectLst>
+                  <a:outerShdw blurRad="38100" dist="19050" dir="2700000" algn="tl" rotWithShape="0">
+                    <a:schemeClr val="dk1">
+                      <a:alpha val="40000"/>
+                    </a:schemeClr>
+                  </a:outerShdw>
+                </a:effectLst>
+              </a:rPr>
+              <a:t>2</a:t>
+            </a:r>
+            <a:endParaRPr lang="en-GB" sz="1400" dirty="0">
+              <a:ln w="0"/>
+              <a:solidFill>
+                <a:schemeClr val="tx1"/>
+              </a:solidFill>
+              <a:effectLst>
+                <a:outerShdw blurRad="38100" dist="19050" dir="2700000" algn="tl" rotWithShape="0">
+                  <a:schemeClr val="dk1">
+                    <a:alpha val="40000"/>
+                  </a:schemeClr>
+                </a:outerShdw>
+              </a:effectLst>
+            </a:endParaRPr>
+          </a:p>
+        </p:txBody>
+      </p:sp>
+      <p:sp>
+        <p:nvSpPr>
+          <p:cNvPr id="259" name="Rectangle 258"/>
+          <p:cNvSpPr/>
+          <p:nvPr/>
+        </p:nvSpPr>
+        <p:spPr>
+          <a:xfrm>
+            <a:off x="11402060" y="4390793"/>
+            <a:ext cx="348577" cy="288000"/>
+          </a:xfrm>
+          <a:prstGeom prst="rect">
+            <a:avLst/>
+          </a:prstGeom>
+          <a:solidFill>
+            <a:schemeClr val="accent2">
+              <a:lumMod val="60000"/>
+              <a:lumOff val="40000"/>
+            </a:schemeClr>
+          </a:solidFill>
+        </p:spPr>
+        <p:style>
+          <a:lnRef idx="1">
+            <a:schemeClr val="accent2"/>
+          </a:lnRef>
+          <a:fillRef idx="3">
+            <a:schemeClr val="accent2"/>
+          </a:fillRef>
+          <a:effectRef idx="2">
+            <a:schemeClr val="accent2"/>
+          </a:effectRef>
+          <a:fontRef idx="minor">
+            <a:schemeClr val="lt1"/>
+          </a:fontRef>
+        </p:style>
+        <p:txBody>
+          <a:bodyPr rtlCol="0" anchor="ctr"/>
+          <a:lstStyle/>
+          <a:p>
+            <a:pPr algn="ctr"/>
+            <a:r>
+              <a:rPr lang="en-ID" sz="1400" dirty="0">
+                <a:ln w="0"/>
+                <a:solidFill>
+                  <a:schemeClr val="tx1"/>
+                </a:solidFill>
+                <a:effectLst>
+                  <a:outerShdw blurRad="38100" dist="19050" dir="2700000" algn="tl" rotWithShape="0">
+                    <a:schemeClr val="dk1">
+                      <a:alpha val="40000"/>
+                    </a:schemeClr>
+                  </a:outerShdw>
+                </a:effectLst>
+              </a:rPr>
+              <a:t>3</a:t>
+            </a:r>
+            <a:endParaRPr lang="en-GB" sz="1400" dirty="0">
+              <a:ln w="0"/>
+              <a:solidFill>
+                <a:schemeClr val="tx1"/>
+              </a:solidFill>
+              <a:effectLst>
+                <a:outerShdw blurRad="38100" dist="19050" dir="2700000" algn="tl" rotWithShape="0">
+                  <a:schemeClr val="dk1">
+                    <a:alpha val="40000"/>
+                  </a:schemeClr>
+                </a:outerShdw>
+              </a:effectLst>
+            </a:endParaRPr>
+          </a:p>
+        </p:txBody>
+      </p:sp>
+      <p:sp>
+        <p:nvSpPr>
+          <p:cNvPr id="260" name="Rectangle 259"/>
+          <p:cNvSpPr/>
+          <p:nvPr/>
+        </p:nvSpPr>
+        <p:spPr>
+          <a:xfrm>
+            <a:off x="10505701" y="4885492"/>
+            <a:ext cx="348577" cy="288000"/>
+          </a:xfrm>
+          <a:prstGeom prst="rect">
+            <a:avLst/>
+          </a:prstGeom>
+        </p:spPr>
+        <p:style>
+          <a:lnRef idx="1">
+            <a:schemeClr val="accent2"/>
+          </a:lnRef>
+          <a:fillRef idx="3">
+            <a:schemeClr val="accent2"/>
+          </a:fillRef>
+          <a:effectRef idx="2">
+            <a:schemeClr val="accent2"/>
+          </a:effectRef>
+          <a:fontRef idx="minor">
+            <a:schemeClr val="lt1"/>
+          </a:fontRef>
+        </p:style>
+        <p:txBody>
+          <a:bodyPr rtlCol="0" anchor="ctr"/>
+          <a:lstStyle/>
+          <a:p>
+            <a:pPr algn="ctr"/>
+            <a:r>
+              <a:rPr lang="en-ID" sz="1400" dirty="0" smtClean="0"/>
+              <a:t>1</a:t>
+            </a:r>
+            <a:endParaRPr lang="en-GB" sz="1400" dirty="0"/>
+          </a:p>
+        </p:txBody>
+      </p:sp>
+      <p:sp>
+        <p:nvSpPr>
+          <p:cNvPr id="261" name="Rectangle 260"/>
+          <p:cNvSpPr/>
+          <p:nvPr/>
+        </p:nvSpPr>
+        <p:spPr>
+          <a:xfrm>
+            <a:off x="10950942" y="4885492"/>
+            <a:ext cx="348577" cy="288000"/>
+          </a:xfrm>
+          <a:prstGeom prst="rect">
+            <a:avLst/>
+          </a:prstGeom>
+        </p:spPr>
+        <p:style>
+          <a:lnRef idx="1">
+            <a:schemeClr val="accent2"/>
+          </a:lnRef>
+          <a:fillRef idx="3">
+            <a:schemeClr val="accent2"/>
+          </a:fillRef>
+          <a:effectRef idx="2">
+            <a:schemeClr val="accent2"/>
+          </a:effectRef>
+          <a:fontRef idx="minor">
+            <a:schemeClr val="lt1"/>
+          </a:fontRef>
+        </p:style>
+        <p:txBody>
+          <a:bodyPr rtlCol="0" anchor="ctr"/>
+          <a:lstStyle/>
+          <a:p>
+            <a:pPr algn="ctr"/>
+            <a:r>
+              <a:rPr lang="en-ID" sz="1400" dirty="0"/>
+              <a:t>2</a:t>
+            </a:r>
+            <a:endParaRPr lang="en-GB" sz="1400" dirty="0"/>
+          </a:p>
+        </p:txBody>
+      </p:sp>
+      <p:sp>
+        <p:nvSpPr>
+          <p:cNvPr id="262" name="Rectangle 261"/>
+          <p:cNvSpPr/>
+          <p:nvPr/>
+        </p:nvSpPr>
+        <p:spPr>
+          <a:xfrm>
+            <a:off x="11396183" y="4885492"/>
+            <a:ext cx="348577" cy="288000"/>
+          </a:xfrm>
+          <a:prstGeom prst="rect">
+            <a:avLst/>
+          </a:prstGeom>
+        </p:spPr>
+        <p:style>
+          <a:lnRef idx="1">
+            <a:schemeClr val="accent2"/>
+          </a:lnRef>
+          <a:fillRef idx="3">
+            <a:schemeClr val="accent2"/>
+          </a:fillRef>
+          <a:effectRef idx="2">
+            <a:schemeClr val="accent2"/>
+          </a:effectRef>
+          <a:fontRef idx="minor">
+            <a:schemeClr val="lt1"/>
+          </a:fontRef>
+        </p:style>
+        <p:txBody>
+          <a:bodyPr rtlCol="0" anchor="ctr"/>
+          <a:lstStyle/>
+          <a:p>
+            <a:pPr algn="ctr"/>
+            <a:r>
+              <a:rPr lang="en-ID" sz="1400" dirty="0"/>
+              <a:t>3</a:t>
+            </a:r>
+            <a:endParaRPr lang="en-GB" sz="1400" dirty="0"/>
+          </a:p>
+        </p:txBody>
+      </p:sp>
+      <p:sp>
+        <p:nvSpPr>
+          <p:cNvPr id="263" name="Rectangle 262"/>
+          <p:cNvSpPr/>
+          <p:nvPr/>
+        </p:nvSpPr>
+        <p:spPr>
+          <a:xfrm>
+            <a:off x="10499824" y="5410008"/>
+            <a:ext cx="348577" cy="288000"/>
+          </a:xfrm>
+          <a:prstGeom prst="rect">
+            <a:avLst/>
+          </a:prstGeom>
+          <a:solidFill>
+            <a:schemeClr val="accent2">
+              <a:lumMod val="60000"/>
+              <a:lumOff val="40000"/>
+            </a:schemeClr>
+          </a:solidFill>
+        </p:spPr>
+        <p:style>
+          <a:lnRef idx="1">
+            <a:schemeClr val="accent2"/>
+          </a:lnRef>
+          <a:fillRef idx="3">
+            <a:schemeClr val="accent2"/>
+          </a:fillRef>
+          <a:effectRef idx="2">
+            <a:schemeClr val="accent2"/>
+          </a:effectRef>
+          <a:fontRef idx="minor">
+            <a:schemeClr val="lt1"/>
+          </a:fontRef>
+        </p:style>
+        <p:txBody>
+          <a:bodyPr rtlCol="0" anchor="ctr"/>
+          <a:lstStyle/>
+          <a:p>
+            <a:pPr algn="ctr"/>
+            <a:r>
+              <a:rPr lang="en-ID" sz="1400" dirty="0" smtClean="0">
+                <a:ln w="0"/>
+                <a:solidFill>
+                  <a:schemeClr val="tx1"/>
+                </a:solidFill>
+                <a:effectLst>
+                  <a:outerShdw blurRad="38100" dist="19050" dir="2700000" algn="tl" rotWithShape="0">
+                    <a:schemeClr val="dk1">
+                      <a:alpha val="40000"/>
+                    </a:schemeClr>
+                  </a:outerShdw>
+                </a:effectLst>
+              </a:rPr>
+              <a:t>1</a:t>
+            </a:r>
+            <a:endParaRPr lang="en-GB" sz="1400" dirty="0">
+              <a:ln w="0"/>
+              <a:solidFill>
+                <a:schemeClr val="tx1"/>
+              </a:solidFill>
+              <a:effectLst>
+                <a:outerShdw blurRad="38100" dist="19050" dir="2700000" algn="tl" rotWithShape="0">
+                  <a:schemeClr val="dk1">
+                    <a:alpha val="40000"/>
+                  </a:schemeClr>
+                </a:outerShdw>
+              </a:effectLst>
+            </a:endParaRPr>
+          </a:p>
+        </p:txBody>
+      </p:sp>
+      <p:sp>
+        <p:nvSpPr>
+          <p:cNvPr id="264" name="Rectangle 263"/>
+          <p:cNvSpPr/>
+          <p:nvPr/>
+        </p:nvSpPr>
+        <p:spPr>
+          <a:xfrm>
+            <a:off x="10945065" y="5410008"/>
+            <a:ext cx="348577" cy="288000"/>
+          </a:xfrm>
+          <a:prstGeom prst="rect">
+            <a:avLst/>
+          </a:prstGeom>
+          <a:solidFill>
+            <a:schemeClr val="accent2">
+              <a:lumMod val="60000"/>
+              <a:lumOff val="40000"/>
+            </a:schemeClr>
+          </a:solidFill>
+        </p:spPr>
+        <p:style>
+          <a:lnRef idx="1">
+            <a:schemeClr val="accent2"/>
+          </a:lnRef>
+          <a:fillRef idx="3">
+            <a:schemeClr val="accent2"/>
+          </a:fillRef>
+          <a:effectRef idx="2">
+            <a:schemeClr val="accent2"/>
+          </a:effectRef>
+          <a:fontRef idx="minor">
+            <a:schemeClr val="lt1"/>
+          </a:fontRef>
+        </p:style>
+        <p:txBody>
+          <a:bodyPr rtlCol="0" anchor="ctr"/>
+          <a:lstStyle/>
+          <a:p>
+            <a:pPr algn="ctr"/>
+            <a:r>
+              <a:rPr lang="en-ID" sz="1400" dirty="0">
+                <a:ln w="0"/>
+                <a:solidFill>
+                  <a:schemeClr val="tx1"/>
+                </a:solidFill>
+                <a:effectLst>
+                  <a:outerShdw blurRad="38100" dist="19050" dir="2700000" algn="tl" rotWithShape="0">
+                    <a:schemeClr val="dk1">
+                      <a:alpha val="40000"/>
+                    </a:schemeClr>
+                  </a:outerShdw>
+                </a:effectLst>
+              </a:rPr>
+              <a:t>2</a:t>
+            </a:r>
+            <a:endParaRPr lang="en-GB" sz="1400" dirty="0">
+              <a:ln w="0"/>
+              <a:solidFill>
+                <a:schemeClr val="tx1"/>
+              </a:solidFill>
+              <a:effectLst>
+                <a:outerShdw blurRad="38100" dist="19050" dir="2700000" algn="tl" rotWithShape="0">
+                  <a:schemeClr val="dk1">
+                    <a:alpha val="40000"/>
+                  </a:schemeClr>
+                </a:outerShdw>
+              </a:effectLst>
+            </a:endParaRPr>
+          </a:p>
+        </p:txBody>
+      </p:sp>
+      <p:sp>
+        <p:nvSpPr>
+          <p:cNvPr id="265" name="Rectangle 264"/>
+          <p:cNvSpPr/>
+          <p:nvPr/>
+        </p:nvSpPr>
+        <p:spPr>
+          <a:xfrm>
+            <a:off x="11390306" y="5410008"/>
+            <a:ext cx="348577" cy="288000"/>
+          </a:xfrm>
+          <a:prstGeom prst="rect">
+            <a:avLst/>
+          </a:prstGeom>
+          <a:solidFill>
+            <a:schemeClr val="accent2">
+              <a:lumMod val="60000"/>
+              <a:lumOff val="40000"/>
+            </a:schemeClr>
+          </a:solidFill>
+        </p:spPr>
+        <p:style>
+          <a:lnRef idx="1">
+            <a:schemeClr val="accent2"/>
+          </a:lnRef>
+          <a:fillRef idx="3">
+            <a:schemeClr val="accent2"/>
+          </a:fillRef>
+          <a:effectRef idx="2">
+            <a:schemeClr val="accent2"/>
+          </a:effectRef>
+          <a:fontRef idx="minor">
+            <a:schemeClr val="lt1"/>
+          </a:fontRef>
+        </p:style>
+        <p:txBody>
+          <a:bodyPr rtlCol="0" anchor="ctr"/>
+          <a:lstStyle/>
+          <a:p>
+            <a:pPr algn="ctr"/>
+            <a:r>
+              <a:rPr lang="en-ID" sz="1400" dirty="0">
+                <a:ln w="0"/>
+                <a:solidFill>
+                  <a:schemeClr val="tx1"/>
+                </a:solidFill>
+                <a:effectLst>
+                  <a:outerShdw blurRad="38100" dist="19050" dir="2700000" algn="tl" rotWithShape="0">
+                    <a:schemeClr val="dk1">
+                      <a:alpha val="40000"/>
+                    </a:schemeClr>
+                  </a:outerShdw>
+                </a:effectLst>
+              </a:rPr>
+              <a:t>3</a:t>
+            </a:r>
+            <a:endParaRPr lang="en-GB" sz="1400" dirty="0">
+              <a:ln w="0"/>
+              <a:solidFill>
+                <a:schemeClr val="tx1"/>
+              </a:solidFill>
+              <a:effectLst>
+                <a:outerShdw blurRad="38100" dist="19050" dir="2700000" algn="tl" rotWithShape="0">
+                  <a:schemeClr val="dk1">
+                    <a:alpha val="40000"/>
+                  </a:schemeClr>
+                </a:outerShdw>
+              </a:effectLst>
+            </a:endParaRPr>
+          </a:p>
+        </p:txBody>
+      </p:sp>
+      <p:sp>
+        <p:nvSpPr>
+          <p:cNvPr id="266" name="Rectangle 265"/>
+          <p:cNvSpPr/>
+          <p:nvPr/>
+        </p:nvSpPr>
+        <p:spPr>
+          <a:xfrm>
+            <a:off x="10493947" y="5894768"/>
+            <a:ext cx="348577" cy="288000"/>
+          </a:xfrm>
+          <a:prstGeom prst="rect">
+            <a:avLst/>
+          </a:prstGeom>
+        </p:spPr>
+        <p:style>
+          <a:lnRef idx="1">
+            <a:schemeClr val="accent2"/>
+          </a:lnRef>
+          <a:fillRef idx="3">
+            <a:schemeClr val="accent2"/>
+          </a:fillRef>
+          <a:effectRef idx="2">
+            <a:schemeClr val="accent2"/>
+          </a:effectRef>
+          <a:fontRef idx="minor">
+            <a:schemeClr val="lt1"/>
+          </a:fontRef>
+        </p:style>
+        <p:txBody>
+          <a:bodyPr rtlCol="0" anchor="ctr"/>
+          <a:lstStyle/>
+          <a:p>
+            <a:pPr algn="ctr"/>
+            <a:r>
+              <a:rPr lang="en-ID" sz="1400" dirty="0" smtClean="0"/>
+              <a:t>1</a:t>
+            </a:r>
+            <a:endParaRPr lang="en-GB" sz="1400" dirty="0"/>
+          </a:p>
+        </p:txBody>
+      </p:sp>
+      <p:sp>
+        <p:nvSpPr>
+          <p:cNvPr id="267" name="Rectangle 266"/>
+          <p:cNvSpPr/>
+          <p:nvPr/>
+        </p:nvSpPr>
+        <p:spPr>
+          <a:xfrm>
+            <a:off x="10939188" y="5894768"/>
+            <a:ext cx="348577" cy="288000"/>
+          </a:xfrm>
+          <a:prstGeom prst="rect">
+            <a:avLst/>
+          </a:prstGeom>
+        </p:spPr>
+        <p:style>
+          <a:lnRef idx="1">
+            <a:schemeClr val="accent2"/>
+          </a:lnRef>
+          <a:fillRef idx="3">
+            <a:schemeClr val="accent2"/>
+          </a:fillRef>
+          <a:effectRef idx="2">
+            <a:schemeClr val="accent2"/>
+          </a:effectRef>
+          <a:fontRef idx="minor">
+            <a:schemeClr val="lt1"/>
+          </a:fontRef>
+        </p:style>
+        <p:txBody>
+          <a:bodyPr rtlCol="0" anchor="ctr"/>
+          <a:lstStyle/>
+          <a:p>
+            <a:pPr algn="ctr"/>
+            <a:r>
+              <a:rPr lang="en-ID" sz="1400" dirty="0"/>
+              <a:t>2</a:t>
+            </a:r>
+            <a:endParaRPr lang="en-GB" sz="1400" dirty="0"/>
+          </a:p>
+        </p:txBody>
+      </p:sp>
+      <p:sp>
+        <p:nvSpPr>
+          <p:cNvPr id="268" name="Rectangle 267"/>
+          <p:cNvSpPr/>
+          <p:nvPr/>
+        </p:nvSpPr>
+        <p:spPr>
+          <a:xfrm>
+            <a:off x="11384429" y="5894768"/>
+            <a:ext cx="348577" cy="288000"/>
+          </a:xfrm>
+          <a:prstGeom prst="rect">
+            <a:avLst/>
+          </a:prstGeom>
+        </p:spPr>
+        <p:style>
+          <a:lnRef idx="1">
+            <a:schemeClr val="accent2"/>
+          </a:lnRef>
+          <a:fillRef idx="3">
+            <a:schemeClr val="accent2"/>
+          </a:fillRef>
+          <a:effectRef idx="2">
+            <a:schemeClr val="accent2"/>
+          </a:effectRef>
+          <a:fontRef idx="minor">
+            <a:schemeClr val="lt1"/>
+          </a:fontRef>
+        </p:style>
+        <p:txBody>
+          <a:bodyPr rtlCol="0" anchor="ctr"/>
+          <a:lstStyle/>
+          <a:p>
+            <a:pPr algn="ctr"/>
+            <a:r>
+              <a:rPr lang="en-ID" sz="1400" dirty="0"/>
+              <a:t>3</a:t>
+            </a:r>
+            <a:endParaRPr lang="en-GB" sz="1400" dirty="0"/>
+          </a:p>
+        </p:txBody>
+      </p:sp>
+      <p:sp>
+        <p:nvSpPr>
+          <p:cNvPr id="269" name="Rectangle 268"/>
+          <p:cNvSpPr/>
+          <p:nvPr/>
+        </p:nvSpPr>
+        <p:spPr>
+          <a:xfrm>
+            <a:off x="10488070" y="6349711"/>
+            <a:ext cx="348577" cy="288000"/>
+          </a:xfrm>
+          <a:prstGeom prst="rect">
+            <a:avLst/>
+          </a:prstGeom>
+          <a:solidFill>
+            <a:schemeClr val="accent2">
+              <a:lumMod val="60000"/>
+              <a:lumOff val="40000"/>
+            </a:schemeClr>
+          </a:solidFill>
+        </p:spPr>
+        <p:style>
+          <a:lnRef idx="1">
+            <a:schemeClr val="accent2"/>
+          </a:lnRef>
+          <a:fillRef idx="3">
+            <a:schemeClr val="accent2"/>
+          </a:fillRef>
+          <a:effectRef idx="2">
+            <a:schemeClr val="accent2"/>
+          </a:effectRef>
+          <a:fontRef idx="minor">
+            <a:schemeClr val="lt1"/>
+          </a:fontRef>
+        </p:style>
+        <p:txBody>
+          <a:bodyPr rtlCol="0" anchor="ctr"/>
+          <a:lstStyle/>
+          <a:p>
+            <a:pPr algn="ctr"/>
+            <a:r>
+              <a:rPr lang="en-ID" sz="1400" dirty="0" smtClean="0">
+                <a:ln w="0"/>
+                <a:solidFill>
+                  <a:schemeClr val="tx1"/>
+                </a:solidFill>
+                <a:effectLst>
+                  <a:outerShdw blurRad="38100" dist="19050" dir="2700000" algn="tl" rotWithShape="0">
+                    <a:schemeClr val="dk1">
+                      <a:alpha val="40000"/>
+                    </a:schemeClr>
+                  </a:outerShdw>
+                </a:effectLst>
+              </a:rPr>
+              <a:t>1</a:t>
+            </a:r>
+            <a:endParaRPr lang="en-GB" sz="1400" dirty="0">
+              <a:ln w="0"/>
+              <a:solidFill>
+                <a:schemeClr val="tx1"/>
+              </a:solidFill>
+              <a:effectLst>
+                <a:outerShdw blurRad="38100" dist="19050" dir="2700000" algn="tl" rotWithShape="0">
+                  <a:schemeClr val="dk1">
+                    <a:alpha val="40000"/>
+                  </a:schemeClr>
+                </a:outerShdw>
+              </a:effectLst>
+            </a:endParaRPr>
+          </a:p>
+        </p:txBody>
+      </p:sp>
+      <p:sp>
+        <p:nvSpPr>
+          <p:cNvPr id="270" name="Rectangle 269"/>
+          <p:cNvSpPr/>
+          <p:nvPr/>
+        </p:nvSpPr>
+        <p:spPr>
+          <a:xfrm>
+            <a:off x="10933311" y="6349711"/>
+            <a:ext cx="348577" cy="288000"/>
+          </a:xfrm>
+          <a:prstGeom prst="rect">
+            <a:avLst/>
+          </a:prstGeom>
+          <a:solidFill>
+            <a:schemeClr val="accent2">
+              <a:lumMod val="60000"/>
+              <a:lumOff val="40000"/>
+            </a:schemeClr>
+          </a:solidFill>
+        </p:spPr>
+        <p:style>
+          <a:lnRef idx="1">
+            <a:schemeClr val="accent2"/>
+          </a:lnRef>
+          <a:fillRef idx="3">
+            <a:schemeClr val="accent2"/>
+          </a:fillRef>
+          <a:effectRef idx="2">
+            <a:schemeClr val="accent2"/>
+          </a:effectRef>
+          <a:fontRef idx="minor">
+            <a:schemeClr val="lt1"/>
+          </a:fontRef>
+        </p:style>
+        <p:txBody>
+          <a:bodyPr rtlCol="0" anchor="ctr"/>
+          <a:lstStyle/>
+          <a:p>
+            <a:pPr algn="ctr"/>
+            <a:r>
+              <a:rPr lang="en-ID" sz="1400" dirty="0">
+                <a:ln w="0"/>
+                <a:solidFill>
+                  <a:schemeClr val="tx1"/>
+                </a:solidFill>
+                <a:effectLst>
+                  <a:outerShdw blurRad="38100" dist="19050" dir="2700000" algn="tl" rotWithShape="0">
+                    <a:schemeClr val="dk1">
+                      <a:alpha val="40000"/>
+                    </a:schemeClr>
+                  </a:outerShdw>
+                </a:effectLst>
+              </a:rPr>
+              <a:t>2</a:t>
+            </a:r>
+            <a:endParaRPr lang="en-GB" sz="1400" dirty="0">
+              <a:ln w="0"/>
+              <a:solidFill>
+                <a:schemeClr val="tx1"/>
+              </a:solidFill>
+              <a:effectLst>
+                <a:outerShdw blurRad="38100" dist="19050" dir="2700000" algn="tl" rotWithShape="0">
+                  <a:schemeClr val="dk1">
+                    <a:alpha val="40000"/>
+                  </a:schemeClr>
+                </a:outerShdw>
+              </a:effectLst>
+            </a:endParaRPr>
+          </a:p>
+        </p:txBody>
+      </p:sp>
+      <p:sp>
+        <p:nvSpPr>
+          <p:cNvPr id="271" name="Rectangle 270"/>
+          <p:cNvSpPr/>
+          <p:nvPr/>
+        </p:nvSpPr>
+        <p:spPr>
+          <a:xfrm>
+            <a:off x="11378552" y="6349711"/>
+            <a:ext cx="348577" cy="288000"/>
+          </a:xfrm>
+          <a:prstGeom prst="rect">
+            <a:avLst/>
+          </a:prstGeom>
+          <a:solidFill>
+            <a:schemeClr val="accent2">
+              <a:lumMod val="60000"/>
+              <a:lumOff val="40000"/>
+            </a:schemeClr>
+          </a:solidFill>
+        </p:spPr>
+        <p:style>
+          <a:lnRef idx="1">
+            <a:schemeClr val="accent2"/>
+          </a:lnRef>
+          <a:fillRef idx="3">
+            <a:schemeClr val="accent2"/>
+          </a:fillRef>
+          <a:effectRef idx="2">
+            <a:schemeClr val="accent2"/>
+          </a:effectRef>
+          <a:fontRef idx="minor">
+            <a:schemeClr val="lt1"/>
+          </a:fontRef>
+        </p:style>
+        <p:txBody>
+          <a:bodyPr rtlCol="0" anchor="ctr"/>
+          <a:lstStyle/>
+          <a:p>
+            <a:pPr algn="ctr"/>
+            <a:r>
+              <a:rPr lang="en-ID" sz="1400" dirty="0">
+                <a:ln w="0"/>
+                <a:solidFill>
+                  <a:schemeClr val="tx1"/>
+                </a:solidFill>
+                <a:effectLst>
+                  <a:outerShdw blurRad="38100" dist="19050" dir="2700000" algn="tl" rotWithShape="0">
+                    <a:schemeClr val="dk1">
+                      <a:alpha val="40000"/>
+                    </a:schemeClr>
+                  </a:outerShdw>
+                </a:effectLst>
+              </a:rPr>
+              <a:t>3</a:t>
+            </a:r>
+            <a:endParaRPr lang="en-GB" sz="1400" dirty="0">
+              <a:ln w="0"/>
+              <a:solidFill>
+                <a:schemeClr val="tx1"/>
+              </a:solidFill>
+              <a:effectLst>
+                <a:outerShdw blurRad="38100" dist="19050" dir="2700000" algn="tl" rotWithShape="0">
+                  <a:schemeClr val="dk1">
+                    <a:alpha val="40000"/>
+                  </a:schemeClr>
+                </a:outerShdw>
+              </a:effectLst>
+            </a:endParaRPr>
+          </a:p>
+        </p:txBody>
+      </p:sp>
+      <p:sp>
+        <p:nvSpPr>
+          <p:cNvPr id="137" name="Rectangle 136"/>
+          <p:cNvSpPr/>
+          <p:nvPr/>
+        </p:nvSpPr>
+        <p:spPr>
+          <a:xfrm>
+            <a:off x="116875" y="748996"/>
+            <a:ext cx="1350613" cy="288000"/>
+          </a:xfrm>
+          <a:prstGeom prst="rect">
+            <a:avLst/>
+          </a:prstGeom>
+          <a:ln>
+            <a:noFill/>
+          </a:ln>
+        </p:spPr>
+        <p:style>
+          <a:lnRef idx="2">
+            <a:schemeClr val="dk1"/>
+          </a:lnRef>
+          <a:fillRef idx="1">
+            <a:schemeClr val="lt1"/>
+          </a:fillRef>
+          <a:effectRef idx="0">
+            <a:schemeClr val="dk1"/>
+          </a:effectRef>
+          <a:fontRef idx="minor">
+            <a:schemeClr val="dk1"/>
+          </a:fontRef>
+        </p:style>
+        <p:txBody>
+          <a:bodyPr rtlCol="0" anchor="ctr"/>
+          <a:lstStyle/>
+          <a:p>
+            <a:pPr algn="ctr"/>
+            <a:r>
+              <a:rPr lang="en-ID" sz="1400" dirty="0" smtClean="0"/>
+              <a:t>*</a:t>
+            </a:r>
+            <a:r>
+              <a:rPr lang="en-ID" sz="1400" dirty="0" err="1" smtClean="0"/>
+              <a:t>tombol</a:t>
+            </a:r>
+            <a:r>
+              <a:rPr lang="en-ID" sz="1400" dirty="0" smtClean="0"/>
+              <a:t> 1 2 3 </a:t>
+            </a:r>
+            <a:r>
+              <a:rPr lang="en-ID" sz="1400" dirty="0" err="1" smtClean="0"/>
+              <a:t>buat</a:t>
+            </a:r>
+            <a:r>
+              <a:rPr lang="en-ID" sz="1400" dirty="0" smtClean="0"/>
+              <a:t> hyperlink </a:t>
+            </a:r>
+            <a:r>
+              <a:rPr lang="en-ID" sz="1400" dirty="0" err="1" smtClean="0"/>
+              <a:t>ke</a:t>
+            </a:r>
+            <a:r>
+              <a:rPr lang="en-ID" sz="1400" dirty="0" smtClean="0"/>
+              <a:t> </a:t>
+            </a:r>
+            <a:r>
+              <a:rPr lang="en-ID" sz="1400" dirty="0" err="1" smtClean="0"/>
+              <a:t>gambar</a:t>
+            </a:r>
+            <a:r>
+              <a:rPr lang="en-ID" sz="1400" dirty="0" smtClean="0"/>
+              <a:t> laptop yang </a:t>
+            </a:r>
+            <a:r>
+              <a:rPr lang="en-ID" sz="1400" dirty="0" err="1" smtClean="0"/>
+              <a:t>sesuai</a:t>
+            </a:r>
+            <a:r>
+              <a:rPr lang="en-ID" sz="1400" dirty="0" smtClean="0"/>
+              <a:t> </a:t>
+            </a:r>
+            <a:r>
+              <a:rPr lang="en-ID" sz="1400" dirty="0" err="1" smtClean="0"/>
+              <a:t>dengan</a:t>
+            </a:r>
+            <a:r>
+              <a:rPr lang="en-ID" sz="1400" dirty="0" smtClean="0"/>
+              <a:t> </a:t>
+            </a:r>
+            <a:r>
+              <a:rPr lang="en-ID" sz="1400" dirty="0" err="1" smtClean="0"/>
+              <a:t>spesifikasi</a:t>
+            </a:r>
+            <a:r>
+              <a:rPr lang="en-ID" sz="1400" dirty="0" smtClean="0"/>
+              <a:t> </a:t>
+            </a:r>
+            <a:r>
+              <a:rPr lang="en-ID" sz="1400" dirty="0" err="1" smtClean="0"/>
+              <a:t>disamping</a:t>
+            </a:r>
+            <a:endParaRPr lang="en-GB" sz="1400" dirty="0"/>
+          </a:p>
+        </p:txBody>
+      </p:sp>
+    </p:spTree>
+    <p:extLst>
+      <p:ext uri="{BB962C8B-B14F-4D97-AF65-F5344CB8AC3E}">
+        <p14:creationId xmlns:p14="http://schemas.microsoft.com/office/powerpoint/2010/main" val="3912330094"/>
+      </p:ext>
+    </p:extLst>
+  </p:cSld>
+  <p:clrMapOvr>
+    <a:masterClrMapping/>
+  </p:clrMapOvr>
+  <p:timing>
+    <p:tnLst>
+      <p:par>
+        <p:cTn id="1" dur="indefinite" restart="never" nodeType="tmRoot"/>
+      </p:par>
+    </p:tnLst>
+  </p:timing>
+</p:sld>
+</file>
+
+<file path=ppt/slides/slide4.xml><?xml version="1.0" encoding="utf-8"?>
+<p:sld xmlns:a="http://schemas.openxmlformats.org/drawingml/2006/main" xmlns:r="http://schemas.openxmlformats.org/officeDocument/2006/relationships" xmlns:p="http://schemas.openxmlformats.org/presentationml/2006/main">
+  <p:cSld>
+    <p:spTree>
+      <p:nvGrpSpPr>
+        <p:cNvPr id="1" name=""/>
+        <p:cNvGrpSpPr/>
+        <p:nvPr/>
+      </p:nvGrpSpPr>
+      <p:grpSpPr>
+        <a:xfrm>
+          <a:off x="0" y="0"/>
+          <a:ext cx="0" cy="0"/>
+          <a:chOff x="0" y="0"/>
+          <a:chExt cx="0" cy="0"/>
+        </a:xfrm>
+      </p:grpSpPr>
+      <p:sp>
+        <p:nvSpPr>
+          <p:cNvPr id="2" name="Title 1"/>
+          <p:cNvSpPr>
+            <a:spLocks noGrp="1"/>
+          </p:cNvSpPr>
+          <p:nvPr>
+            <p:ph type="title"/>
+          </p:nvPr>
+        </p:nvSpPr>
+        <p:spPr/>
+        <p:txBody>
+          <a:bodyPr/>
+          <a:lstStyle/>
+          <a:p>
+            <a:pPr algn="ctr"/>
+            <a:r>
+              <a:rPr lang="en-ID" dirty="0" err="1" smtClean="0"/>
+              <a:t>Keterangan</a:t>
+            </a:r>
+            <a:endParaRPr lang="en-GB" dirty="0"/>
+          </a:p>
+        </p:txBody>
+      </p:sp>
+      <p:sp>
+        <p:nvSpPr>
+          <p:cNvPr id="3" name="Content Placeholder 2"/>
+          <p:cNvSpPr>
+            <a:spLocks noGrp="1"/>
+          </p:cNvSpPr>
+          <p:nvPr>
+            <p:ph idx="1"/>
+          </p:nvPr>
+        </p:nvSpPr>
+        <p:spPr/>
+        <p:txBody>
+          <a:bodyPr/>
+          <a:lstStyle/>
+          <a:p>
+            <a:r>
+              <a:rPr lang="en-ID" dirty="0" err="1" smtClean="0"/>
+              <a:t>Buat</a:t>
+            </a:r>
+            <a:r>
+              <a:rPr lang="en-ID" dirty="0" smtClean="0"/>
+              <a:t> rules </a:t>
+            </a:r>
+            <a:r>
+              <a:rPr lang="en-ID" dirty="0" err="1" smtClean="0"/>
+              <a:t>bagaimana</a:t>
+            </a:r>
+            <a:r>
+              <a:rPr lang="en-ID" dirty="0" smtClean="0"/>
+              <a:t> </a:t>
+            </a:r>
+            <a:r>
+              <a:rPr lang="en-ID" dirty="0" err="1" smtClean="0"/>
+              <a:t>caranya</a:t>
+            </a:r>
+            <a:r>
+              <a:rPr lang="en-ID" dirty="0" smtClean="0"/>
+              <a:t> </a:t>
+            </a:r>
+            <a:r>
+              <a:rPr lang="en-ID" dirty="0" err="1" smtClean="0"/>
+              <a:t>kita</a:t>
+            </a:r>
+            <a:r>
+              <a:rPr lang="en-ID" dirty="0" smtClean="0"/>
+              <a:t> bias </a:t>
+            </a:r>
+            <a:r>
+              <a:rPr lang="en-ID" dirty="0" err="1" smtClean="0"/>
+              <a:t>rekomendasikan</a:t>
+            </a:r>
+            <a:r>
+              <a:rPr lang="en-ID" dirty="0" smtClean="0"/>
+              <a:t> laptop yang </a:t>
+            </a:r>
+            <a:r>
+              <a:rPr lang="en-ID" dirty="0" err="1" smtClean="0"/>
+              <a:t>sesuai</a:t>
+            </a:r>
+            <a:r>
+              <a:rPr lang="en-ID" dirty="0" smtClean="0"/>
+              <a:t> </a:t>
+            </a:r>
+            <a:r>
+              <a:rPr lang="en-ID" dirty="0" err="1" smtClean="0"/>
+              <a:t>dengan</a:t>
+            </a:r>
+            <a:r>
+              <a:rPr lang="en-ID" dirty="0" smtClean="0"/>
+              <a:t> </a:t>
+            </a:r>
+            <a:r>
+              <a:rPr lang="en-ID" dirty="0" err="1" smtClean="0"/>
+              <a:t>kebutuhan</a:t>
+            </a:r>
+            <a:r>
+              <a:rPr lang="en-ID" dirty="0" smtClean="0"/>
+              <a:t> user </a:t>
+            </a:r>
+            <a:r>
+              <a:rPr lang="en-ID" dirty="0" err="1" smtClean="0"/>
+              <a:t>berdasarkan</a:t>
+            </a:r>
+            <a:r>
+              <a:rPr lang="en-ID" dirty="0" smtClean="0"/>
+              <a:t> tombol2 yang </a:t>
+            </a:r>
+            <a:r>
+              <a:rPr lang="en-ID" dirty="0" err="1" smtClean="0"/>
+              <a:t>sudah</a:t>
+            </a:r>
+            <a:r>
+              <a:rPr lang="en-ID" dirty="0" smtClean="0"/>
+              <a:t> </a:t>
+            </a:r>
+            <a:r>
+              <a:rPr lang="en-ID" dirty="0" err="1" smtClean="0"/>
+              <a:t>dia</a:t>
+            </a:r>
+            <a:r>
+              <a:rPr lang="en-ID" dirty="0" smtClean="0"/>
+              <a:t> </a:t>
+            </a:r>
+            <a:r>
+              <a:rPr lang="en-ID" dirty="0" err="1" smtClean="0"/>
+              <a:t>sebelum</a:t>
+            </a:r>
+            <a:r>
+              <a:rPr lang="en-ID" dirty="0" smtClean="0"/>
+              <a:t> </a:t>
+            </a:r>
+            <a:r>
+              <a:rPr lang="en-ID" dirty="0" err="1" smtClean="0"/>
+              <a:t>spesifikasi</a:t>
+            </a:r>
+            <a:r>
+              <a:rPr lang="en-ID" dirty="0" smtClean="0"/>
+              <a:t> </a:t>
+            </a:r>
+            <a:r>
+              <a:rPr lang="en-ID" dirty="0" err="1" smtClean="0"/>
+              <a:t>ditampilkan</a:t>
+            </a:r>
+            <a:r>
+              <a:rPr lang="en-ID" dirty="0" smtClean="0"/>
+              <a:t>.</a:t>
+            </a:r>
+          </a:p>
+          <a:p>
+            <a:r>
+              <a:rPr lang="en-ID" dirty="0" err="1" smtClean="0"/>
+              <a:t>Untuk</a:t>
+            </a:r>
+            <a:r>
+              <a:rPr lang="en-ID" dirty="0" smtClean="0"/>
+              <a:t> </a:t>
+            </a:r>
+            <a:r>
+              <a:rPr lang="en-ID" dirty="0" err="1" smtClean="0"/>
+              <a:t>lebih</a:t>
+            </a:r>
+            <a:r>
+              <a:rPr lang="en-ID" dirty="0" smtClean="0"/>
+              <a:t> </a:t>
+            </a:r>
+            <a:r>
+              <a:rPr lang="en-ID" dirty="0" err="1" smtClean="0"/>
+              <a:t>jelasnya</a:t>
+            </a:r>
+            <a:r>
+              <a:rPr lang="en-ID" dirty="0" smtClean="0"/>
+              <a:t> </a:t>
+            </a:r>
+            <a:r>
+              <a:rPr lang="en-ID" dirty="0" err="1" smtClean="0"/>
+              <a:t>jalankan</a:t>
+            </a:r>
+            <a:r>
+              <a:rPr lang="en-ID" dirty="0" smtClean="0"/>
+              <a:t> demo </a:t>
+            </a:r>
+            <a:r>
+              <a:rPr lang="en-ID" dirty="0" err="1" smtClean="0"/>
+              <a:t>aplikasi</a:t>
+            </a:r>
+            <a:r>
+              <a:rPr lang="en-ID" dirty="0" smtClean="0"/>
+              <a:t> </a:t>
+            </a:r>
+            <a:r>
+              <a:rPr lang="en-ID" dirty="0" err="1" smtClean="0"/>
+              <a:t>dengan</a:t>
+            </a:r>
+            <a:r>
+              <a:rPr lang="en-ID" dirty="0" smtClean="0"/>
+              <a:t> </a:t>
+            </a:r>
+            <a:r>
+              <a:rPr lang="en-ID" dirty="0" err="1" smtClean="0"/>
+              <a:t>membuka</a:t>
+            </a:r>
+            <a:r>
+              <a:rPr lang="en-ID" dirty="0" smtClean="0"/>
+              <a:t> index.html di browser.</a:t>
+            </a:r>
+          </a:p>
+          <a:p>
+            <a:r>
+              <a:rPr lang="en-ID" dirty="0" smtClean="0"/>
+              <a:t>Cara </a:t>
+            </a:r>
+            <a:r>
+              <a:rPr lang="en-ID" dirty="0" err="1" smtClean="0"/>
+              <a:t>pembuatan</a:t>
+            </a:r>
+            <a:r>
+              <a:rPr lang="en-ID" dirty="0" smtClean="0"/>
+              <a:t> rules </a:t>
+            </a:r>
+            <a:r>
+              <a:rPr lang="en-ID" dirty="0" err="1" smtClean="0"/>
+              <a:t>bisa</a:t>
+            </a:r>
+            <a:r>
+              <a:rPr lang="en-ID" dirty="0" smtClean="0"/>
+              <a:t> </a:t>
+            </a:r>
+            <a:r>
+              <a:rPr lang="en-ID" dirty="0" err="1" smtClean="0"/>
+              <a:t>seperti</a:t>
+            </a:r>
+            <a:r>
+              <a:rPr lang="en-ID" dirty="0" smtClean="0"/>
+              <a:t> 2 slide </a:t>
+            </a:r>
+            <a:r>
+              <a:rPr lang="en-ID" dirty="0" err="1" smtClean="0"/>
+              <a:t>diatas</a:t>
+            </a:r>
+            <a:r>
+              <a:rPr lang="en-ID" dirty="0" smtClean="0"/>
+              <a:t>, </a:t>
+            </a:r>
+            <a:r>
+              <a:rPr lang="en-ID" dirty="0" err="1" smtClean="0"/>
+              <a:t>bisa</a:t>
+            </a:r>
+            <a:r>
+              <a:rPr lang="en-ID" dirty="0" smtClean="0"/>
+              <a:t> </a:t>
+            </a:r>
+            <a:r>
+              <a:rPr lang="en-ID" dirty="0" err="1" smtClean="0"/>
+              <a:t>menggunakan</a:t>
+            </a:r>
+            <a:r>
+              <a:rPr lang="en-ID" dirty="0" smtClean="0"/>
+              <a:t> table, list rules </a:t>
+            </a:r>
+            <a:r>
+              <a:rPr lang="en-ID" dirty="0" err="1" smtClean="0"/>
+              <a:t>seperti</a:t>
+            </a:r>
+            <a:r>
+              <a:rPr lang="en-ID" dirty="0" smtClean="0"/>
+              <a:t> (</a:t>
+            </a:r>
+            <a:r>
+              <a:rPr lang="en-ID" dirty="0" err="1" smtClean="0"/>
+              <a:t>jika</a:t>
+            </a:r>
+            <a:r>
+              <a:rPr lang="en-ID" dirty="0" smtClean="0"/>
+              <a:t> user </a:t>
+            </a:r>
+            <a:r>
+              <a:rPr lang="en-ID" dirty="0" err="1" smtClean="0"/>
+              <a:t>memilih</a:t>
+            </a:r>
+            <a:r>
+              <a:rPr lang="en-ID" dirty="0" smtClean="0"/>
+              <a:t> laptop standard, </a:t>
+            </a:r>
+            <a:r>
+              <a:rPr lang="en-ID" dirty="0" err="1" smtClean="0"/>
+              <a:t>otomatis</a:t>
+            </a:r>
+            <a:r>
+              <a:rPr lang="en-ID" dirty="0" smtClean="0"/>
+              <a:t> </a:t>
+            </a:r>
+            <a:r>
+              <a:rPr lang="en-ID" dirty="0" err="1" smtClean="0"/>
+              <a:t>rekomendasi</a:t>
+            </a:r>
+            <a:r>
+              <a:rPr lang="en-ID" dirty="0" smtClean="0"/>
+              <a:t> RAM 4GB </a:t>
+            </a:r>
+            <a:r>
+              <a:rPr lang="en-ID" dirty="0" err="1" smtClean="0"/>
+              <a:t>dll</a:t>
+            </a:r>
+            <a:r>
+              <a:rPr lang="en-ID" dirty="0" smtClean="0"/>
+              <a:t>)</a:t>
+            </a:r>
+            <a:r>
+              <a:rPr lang="en-GB" dirty="0" smtClean="0"/>
+              <a:t> </a:t>
+            </a:r>
+            <a:r>
+              <a:rPr lang="en-GB" dirty="0" err="1" smtClean="0"/>
+              <a:t>atau</a:t>
+            </a:r>
+            <a:r>
+              <a:rPr lang="en-GB" dirty="0" smtClean="0"/>
+              <a:t> </a:t>
+            </a:r>
+            <a:r>
+              <a:rPr lang="en-GB" dirty="0" err="1" smtClean="0"/>
+              <a:t>dengan</a:t>
+            </a:r>
+            <a:r>
+              <a:rPr lang="en-GB" dirty="0" smtClean="0"/>
+              <a:t> </a:t>
+            </a:r>
+            <a:r>
+              <a:rPr lang="en-GB" dirty="0" err="1" smtClean="0"/>
+              <a:t>cara</a:t>
+            </a:r>
+            <a:r>
+              <a:rPr lang="en-GB" dirty="0" smtClean="0"/>
+              <a:t> lain yang </a:t>
+            </a:r>
+            <a:r>
+              <a:rPr lang="en-GB" dirty="0" err="1" smtClean="0"/>
+              <a:t>menurut</a:t>
+            </a:r>
+            <a:r>
+              <a:rPr lang="en-GB" dirty="0" smtClean="0"/>
+              <a:t> </a:t>
+            </a:r>
+            <a:r>
+              <a:rPr lang="en-GB" dirty="0" err="1" smtClean="0"/>
+              <a:t>kamu</a:t>
+            </a:r>
+            <a:r>
+              <a:rPr lang="en-GB" dirty="0" smtClean="0"/>
+              <a:t> </a:t>
+            </a:r>
+            <a:r>
+              <a:rPr lang="en-GB" dirty="0" err="1" smtClean="0"/>
+              <a:t>lebih</a:t>
+            </a:r>
+            <a:r>
+              <a:rPr lang="en-GB" dirty="0" smtClean="0"/>
+              <a:t> </a:t>
+            </a:r>
+            <a:r>
+              <a:rPr lang="en-GB" dirty="0" err="1" smtClean="0"/>
+              <a:t>mudah</a:t>
+            </a:r>
+            <a:r>
+              <a:rPr lang="en-GB" dirty="0" smtClean="0"/>
+              <a:t> </a:t>
+            </a:r>
+            <a:r>
+              <a:rPr lang="en-GB" dirty="0" err="1" smtClean="0"/>
+              <a:t>dimengerti</a:t>
+            </a:r>
+            <a:r>
+              <a:rPr lang="en-GB" smtClean="0"/>
+              <a:t>.</a:t>
+            </a:r>
+            <a:endParaRPr lang="en-ID" dirty="0" smtClean="0"/>
+          </a:p>
+        </p:txBody>
+      </p:sp>
+    </p:spTree>
+    <p:extLst>
+      <p:ext uri="{BB962C8B-B14F-4D97-AF65-F5344CB8AC3E}">
+        <p14:creationId xmlns:p14="http://schemas.microsoft.com/office/powerpoint/2010/main" val="350109469"/>
+      </p:ext>
+    </p:extLst>
+  </p:cSld>
+  <p:clrMapOvr>
+    <a:masterClrMapping/>
+  </p:clrMapOvr>
 </p:sld>
 </file>
 

--- a/rules/Rules.pptx
+++ b/rules/Rules.pptx
@@ -708,7 +708,7 @@
           <a:noFill/>
           <a:extLst>
             <a:ext uri="{909E8E84-426E-40dd-AFC4-6F175D3DCCD1}">
-              <a14:hiddenFill xmlns="" xmlns:a14="http://schemas.microsoft.com/office/drawing/2010/main">
+              <a14:hiddenFill xmlns:a14="http://schemas.microsoft.com/office/drawing/2010/main" xmlns="">
                 <a:solidFill>
                   <a:srgbClr val="FFFFFF"/>
                 </a:solidFill>
@@ -768,7 +768,7 @@
             </a:ln>
             <a:extLst>
               <a:ext uri="{91240B29-F687-4f45-9708-019B960494DF}">
-                <a14:hiddenLine xmlns="" xmlns:a14="http://schemas.microsoft.com/office/drawing/2010/main" w="9525">
+                <a14:hiddenLine xmlns:a14="http://schemas.microsoft.com/office/drawing/2010/main" xmlns="" w="9525">
                   <a:solidFill>
                     <a:srgbClr val="000000"/>
                   </a:solidFill>
@@ -858,7 +858,7 @@
             </a:ln>
             <a:extLst>
               <a:ext uri="{91240B29-F687-4f45-9708-019B960494DF}">
-                <a14:hiddenLine xmlns="" xmlns:a14="http://schemas.microsoft.com/office/drawing/2010/main" w="9525">
+                <a14:hiddenLine xmlns:a14="http://schemas.microsoft.com/office/drawing/2010/main" xmlns="" w="9525">
                   <a:solidFill>
                     <a:srgbClr val="000000"/>
                   </a:solidFill>
@@ -948,7 +948,7 @@
             </a:ln>
             <a:extLst>
               <a:ext uri="{91240B29-F687-4f45-9708-019B960494DF}">
-                <a14:hiddenLine xmlns="" xmlns:a14="http://schemas.microsoft.com/office/drawing/2010/main" w="9525">
+                <a14:hiddenLine xmlns:a14="http://schemas.microsoft.com/office/drawing/2010/main" xmlns="" w="9525">
                   <a:solidFill>
                     <a:srgbClr val="000000"/>
                   </a:solidFill>
@@ -982,7 +982,7 @@
             </a:ln>
             <a:extLst>
               <a:ext uri="{91240B29-F687-4f45-9708-019B960494DF}">
-                <a14:hiddenLine xmlns="" xmlns:a14="http://schemas.microsoft.com/office/drawing/2010/main" w="9525">
+                <a14:hiddenLine xmlns:a14="http://schemas.microsoft.com/office/drawing/2010/main" xmlns="" w="9525">
                   <a:solidFill>
                     <a:srgbClr val="000000"/>
                   </a:solidFill>
@@ -1072,7 +1072,7 @@
             </a:ln>
             <a:extLst>
               <a:ext uri="{91240B29-F687-4f45-9708-019B960494DF}">
-                <a14:hiddenLine xmlns="" xmlns:a14="http://schemas.microsoft.com/office/drawing/2010/main" w="9525">
+                <a14:hiddenLine xmlns:a14="http://schemas.microsoft.com/office/drawing/2010/main" xmlns="" w="9525">
                   <a:solidFill>
                     <a:srgbClr val="000000"/>
                   </a:solidFill>
@@ -1134,7 +1134,7 @@
             </a:ln>
             <a:extLst>
               <a:ext uri="{91240B29-F687-4f45-9708-019B960494DF}">
-                <a14:hiddenLine xmlns="" xmlns:a14="http://schemas.microsoft.com/office/drawing/2010/main" w="9525">
+                <a14:hiddenLine xmlns:a14="http://schemas.microsoft.com/office/drawing/2010/main" xmlns="" w="9525">
                   <a:solidFill>
                     <a:srgbClr val="000000"/>
                   </a:solidFill>
@@ -1196,7 +1196,7 @@
             </a:ln>
             <a:extLst>
               <a:ext uri="{91240B29-F687-4f45-9708-019B960494DF}">
-                <a14:hiddenLine xmlns="" xmlns:a14="http://schemas.microsoft.com/office/drawing/2010/main" w="9525">
+                <a14:hiddenLine xmlns:a14="http://schemas.microsoft.com/office/drawing/2010/main" xmlns="" w="9525">
                   <a:solidFill>
                     <a:srgbClr val="000000"/>
                   </a:solidFill>
@@ -1286,7 +1286,7 @@
             </a:ln>
             <a:extLst>
               <a:ext uri="{91240B29-F687-4f45-9708-019B960494DF}">
-                <a14:hiddenLine xmlns="" xmlns:a14="http://schemas.microsoft.com/office/drawing/2010/main" w="9525">
+                <a14:hiddenLine xmlns:a14="http://schemas.microsoft.com/office/drawing/2010/main" xmlns="" w="9525">
                   <a:solidFill>
                     <a:srgbClr val="000000"/>
                   </a:solidFill>
@@ -1348,7 +1348,7 @@
             </a:ln>
             <a:extLst>
               <a:ext uri="{91240B29-F687-4f45-9708-019B960494DF}">
-                <a14:hiddenLine xmlns="" xmlns:a14="http://schemas.microsoft.com/office/drawing/2010/main" w="9525">
+                <a14:hiddenLine xmlns:a14="http://schemas.microsoft.com/office/drawing/2010/main" xmlns="" w="9525">
                   <a:solidFill>
                     <a:srgbClr val="000000"/>
                   </a:solidFill>
@@ -1410,7 +1410,7 @@
             </a:ln>
             <a:extLst>
               <a:ext uri="{91240B29-F687-4f45-9708-019B960494DF}">
-                <a14:hiddenLine xmlns="" xmlns:a14="http://schemas.microsoft.com/office/drawing/2010/main" w="9525">
+                <a14:hiddenLine xmlns:a14="http://schemas.microsoft.com/office/drawing/2010/main" xmlns="" w="9525">
                   <a:solidFill>
                     <a:srgbClr val="000000"/>
                   </a:solidFill>
@@ -1500,7 +1500,7 @@
             </a:ln>
             <a:extLst>
               <a:ext uri="{91240B29-F687-4f45-9708-019B960494DF}">
-                <a14:hiddenLine xmlns="" xmlns:a14="http://schemas.microsoft.com/office/drawing/2010/main" w="9525">
+                <a14:hiddenLine xmlns:a14="http://schemas.microsoft.com/office/drawing/2010/main" xmlns="" w="9525">
                   <a:solidFill>
                     <a:srgbClr val="000000"/>
                   </a:solidFill>
@@ -1590,7 +1590,7 @@
             </a:ln>
             <a:extLst>
               <a:ext uri="{91240B29-F687-4f45-9708-019B960494DF}">
-                <a14:hiddenLine xmlns="" xmlns:a14="http://schemas.microsoft.com/office/drawing/2010/main" w="9525">
+                <a14:hiddenLine xmlns:a14="http://schemas.microsoft.com/office/drawing/2010/main" xmlns="" w="9525">
                   <a:solidFill>
                     <a:srgbClr val="000000"/>
                   </a:solidFill>
@@ -1652,7 +1652,7 @@
             </a:ln>
             <a:extLst>
               <a:ext uri="{91240B29-F687-4f45-9708-019B960494DF}">
-                <a14:hiddenLine xmlns="" xmlns:a14="http://schemas.microsoft.com/office/drawing/2010/main" w="9525">
+                <a14:hiddenLine xmlns:a14="http://schemas.microsoft.com/office/drawing/2010/main" xmlns="" w="9525">
                   <a:solidFill>
                     <a:srgbClr val="000000"/>
                   </a:solidFill>
@@ -1762,7 +1762,7 @@
             </a:ln>
             <a:extLst>
               <a:ext uri="{91240B29-F687-4f45-9708-019B960494DF}">
-                <a14:hiddenLine xmlns="" xmlns:a14="http://schemas.microsoft.com/office/drawing/2010/main" w="9525">
+                <a14:hiddenLine xmlns:a14="http://schemas.microsoft.com/office/drawing/2010/main" xmlns="" w="9525">
                   <a:solidFill>
                     <a:srgbClr val="000000"/>
                   </a:solidFill>
@@ -1824,7 +1824,7 @@
             </a:ln>
             <a:extLst>
               <a:ext uri="{91240B29-F687-4f45-9708-019B960494DF}">
-                <a14:hiddenLine xmlns="" xmlns:a14="http://schemas.microsoft.com/office/drawing/2010/main" w="9525">
+                <a14:hiddenLine xmlns:a14="http://schemas.microsoft.com/office/drawing/2010/main" xmlns="" w="9525">
                   <a:solidFill>
                     <a:srgbClr val="000000"/>
                   </a:solidFill>
@@ -1914,7 +1914,7 @@
             </a:ln>
             <a:extLst>
               <a:ext uri="{91240B29-F687-4f45-9708-019B960494DF}">
-                <a14:hiddenLine xmlns="" xmlns:a14="http://schemas.microsoft.com/office/drawing/2010/main" w="9525">
+                <a14:hiddenLine xmlns:a14="http://schemas.microsoft.com/office/drawing/2010/main" xmlns="" w="9525">
                   <a:solidFill>
                     <a:srgbClr val="000000"/>
                   </a:solidFill>
@@ -2004,7 +2004,7 @@
             </a:ln>
             <a:extLst>
               <a:ext uri="{91240B29-F687-4f45-9708-019B960494DF}">
-                <a14:hiddenLine xmlns="" xmlns:a14="http://schemas.microsoft.com/office/drawing/2010/main" w="9525">
+                <a14:hiddenLine xmlns:a14="http://schemas.microsoft.com/office/drawing/2010/main" xmlns="" w="9525">
                   <a:solidFill>
                     <a:srgbClr val="000000"/>
                   </a:solidFill>
@@ -2066,7 +2066,7 @@
             </a:ln>
             <a:extLst>
               <a:ext uri="{91240B29-F687-4f45-9708-019B960494DF}">
-                <a14:hiddenLine xmlns="" xmlns:a14="http://schemas.microsoft.com/office/drawing/2010/main" w="9525">
+                <a14:hiddenLine xmlns:a14="http://schemas.microsoft.com/office/drawing/2010/main" xmlns="" w="9525">
                   <a:solidFill>
                     <a:srgbClr val="000000"/>
                   </a:solidFill>
@@ -2156,7 +2156,7 @@
             </a:ln>
             <a:extLst>
               <a:ext uri="{91240B29-F687-4f45-9708-019B960494DF}">
-                <a14:hiddenLine xmlns="" xmlns:a14="http://schemas.microsoft.com/office/drawing/2010/main" w="9525">
+                <a14:hiddenLine xmlns:a14="http://schemas.microsoft.com/office/drawing/2010/main" xmlns="" w="9525">
                   <a:solidFill>
                     <a:srgbClr val="000000"/>
                   </a:solidFill>
@@ -2246,7 +2246,7 @@
             </a:ln>
             <a:extLst>
               <a:ext uri="{91240B29-F687-4f45-9708-019B960494DF}">
-                <a14:hiddenLine xmlns="" xmlns:a14="http://schemas.microsoft.com/office/drawing/2010/main" w="9525">
+                <a14:hiddenLine xmlns:a14="http://schemas.microsoft.com/office/drawing/2010/main" xmlns="" w="9525">
                   <a:solidFill>
                     <a:srgbClr val="000000"/>
                   </a:solidFill>
@@ -2302,7 +2302,7 @@
             </a:ln>
             <a:extLst>
               <a:ext uri="{91240B29-F687-4f45-9708-019B960494DF}">
-                <a14:hiddenLine xmlns="" xmlns:a14="http://schemas.microsoft.com/office/drawing/2010/main" w="9525">
+                <a14:hiddenLine xmlns:a14="http://schemas.microsoft.com/office/drawing/2010/main" xmlns="" w="9525">
                   <a:solidFill>
                     <a:srgbClr val="000000"/>
                   </a:solidFill>
@@ -2392,7 +2392,7 @@
             </a:ln>
             <a:extLst>
               <a:ext uri="{91240B29-F687-4f45-9708-019B960494DF}">
-                <a14:hiddenLine xmlns="" xmlns:a14="http://schemas.microsoft.com/office/drawing/2010/main" w="9525">
+                <a14:hiddenLine xmlns:a14="http://schemas.microsoft.com/office/drawing/2010/main" xmlns="" w="9525">
                   <a:solidFill>
                     <a:srgbClr val="000000"/>
                   </a:solidFill>
@@ -2448,7 +2448,7 @@
             </a:ln>
             <a:extLst>
               <a:ext uri="{91240B29-F687-4f45-9708-019B960494DF}">
-                <a14:hiddenLine xmlns="" xmlns:a14="http://schemas.microsoft.com/office/drawing/2010/main" w="9525">
+                <a14:hiddenLine xmlns:a14="http://schemas.microsoft.com/office/drawing/2010/main" xmlns="" w="9525">
                   <a:solidFill>
                     <a:srgbClr val="000000"/>
                   </a:solidFill>
@@ -2538,7 +2538,7 @@
             </a:ln>
             <a:extLst>
               <a:ext uri="{91240B29-F687-4f45-9708-019B960494DF}">
-                <a14:hiddenLine xmlns="" xmlns:a14="http://schemas.microsoft.com/office/drawing/2010/main" w="9525">
+                <a14:hiddenLine xmlns:a14="http://schemas.microsoft.com/office/drawing/2010/main" xmlns="" w="9525">
                   <a:solidFill>
                     <a:srgbClr val="000000"/>
                   </a:solidFill>
@@ -2606,7 +2606,7 @@
             </a:ln>
             <a:extLst>
               <a:ext uri="{91240B29-F687-4f45-9708-019B960494DF}">
-                <a14:hiddenLine xmlns="" xmlns:a14="http://schemas.microsoft.com/office/drawing/2010/main" w="9525">
+                <a14:hiddenLine xmlns:a14="http://schemas.microsoft.com/office/drawing/2010/main" xmlns="" w="9525">
                   <a:solidFill>
                     <a:srgbClr val="000000"/>
                   </a:solidFill>
@@ -2696,7 +2696,7 @@
             </a:ln>
             <a:extLst>
               <a:ext uri="{91240B29-F687-4f45-9708-019B960494DF}">
-                <a14:hiddenLine xmlns="" xmlns:a14="http://schemas.microsoft.com/office/drawing/2010/main" w="9525">
+                <a14:hiddenLine xmlns:a14="http://schemas.microsoft.com/office/drawing/2010/main" xmlns="" w="9525">
                   <a:solidFill>
                     <a:srgbClr val="000000"/>
                   </a:solidFill>
@@ -2764,7 +2764,7 @@
             </a:ln>
             <a:extLst>
               <a:ext uri="{91240B29-F687-4f45-9708-019B960494DF}">
-                <a14:hiddenLine xmlns="" xmlns:a14="http://schemas.microsoft.com/office/drawing/2010/main" w="9525">
+                <a14:hiddenLine xmlns:a14="http://schemas.microsoft.com/office/drawing/2010/main" xmlns="" w="9525">
                   <a:solidFill>
                     <a:srgbClr val="000000"/>
                   </a:solidFill>
@@ -2854,7 +2854,7 @@
             </a:ln>
             <a:extLst>
               <a:ext uri="{91240B29-F687-4f45-9708-019B960494DF}">
-                <a14:hiddenLine xmlns="" xmlns:a14="http://schemas.microsoft.com/office/drawing/2010/main" w="9525">
+                <a14:hiddenLine xmlns:a14="http://schemas.microsoft.com/office/drawing/2010/main" xmlns="" w="9525">
                   <a:solidFill>
                     <a:srgbClr val="000000"/>
                   </a:solidFill>
@@ -2888,7 +2888,7 @@
             </a:ln>
             <a:extLst>
               <a:ext uri="{91240B29-F687-4f45-9708-019B960494DF}">
-                <a14:hiddenLine xmlns="" xmlns:a14="http://schemas.microsoft.com/office/drawing/2010/main" w="9525">
+                <a14:hiddenLine xmlns:a14="http://schemas.microsoft.com/office/drawing/2010/main" xmlns="" w="9525">
                   <a:solidFill>
                     <a:srgbClr val="000000"/>
                   </a:solidFill>
@@ -2978,7 +2978,7 @@
             </a:ln>
             <a:extLst>
               <a:ext uri="{91240B29-F687-4f45-9708-019B960494DF}">
-                <a14:hiddenLine xmlns="" xmlns:a14="http://schemas.microsoft.com/office/drawing/2010/main" w="9525">
+                <a14:hiddenLine xmlns:a14="http://schemas.microsoft.com/office/drawing/2010/main" xmlns="" w="9525">
                   <a:solidFill>
                     <a:srgbClr val="000000"/>
                   </a:solidFill>
@@ -3040,7 +3040,7 @@
             </a:ln>
             <a:extLst>
               <a:ext uri="{91240B29-F687-4f45-9708-019B960494DF}">
-                <a14:hiddenLine xmlns="" xmlns:a14="http://schemas.microsoft.com/office/drawing/2010/main" w="9525">
+                <a14:hiddenLine xmlns:a14="http://schemas.microsoft.com/office/drawing/2010/main" xmlns="" w="9525">
                   <a:solidFill>
                     <a:srgbClr val="000000"/>
                   </a:solidFill>
@@ -3102,7 +3102,7 @@
             </a:ln>
             <a:extLst>
               <a:ext uri="{91240B29-F687-4f45-9708-019B960494DF}">
-                <a14:hiddenLine xmlns="" xmlns:a14="http://schemas.microsoft.com/office/drawing/2010/main" w="9525">
+                <a14:hiddenLine xmlns:a14="http://schemas.microsoft.com/office/drawing/2010/main" xmlns="" w="9525">
                   <a:solidFill>
                     <a:srgbClr val="000000"/>
                   </a:solidFill>
@@ -3192,7 +3192,7 @@
             </a:ln>
             <a:extLst>
               <a:ext uri="{91240B29-F687-4f45-9708-019B960494DF}">
-                <a14:hiddenLine xmlns="" xmlns:a14="http://schemas.microsoft.com/office/drawing/2010/main" w="9525">
+                <a14:hiddenLine xmlns:a14="http://schemas.microsoft.com/office/drawing/2010/main" xmlns="" w="9525">
                   <a:solidFill>
                     <a:srgbClr val="000000"/>
                   </a:solidFill>
@@ -3260,7 +3260,7 @@
             </a:ln>
             <a:extLst>
               <a:ext uri="{91240B29-F687-4f45-9708-019B960494DF}">
-                <a14:hiddenLine xmlns="" xmlns:a14="http://schemas.microsoft.com/office/drawing/2010/main" w="9525">
+                <a14:hiddenLine xmlns:a14="http://schemas.microsoft.com/office/drawing/2010/main" xmlns="" w="9525">
                   <a:solidFill>
                     <a:srgbClr val="000000"/>
                   </a:solidFill>
@@ -3322,7 +3322,7 @@
             </a:ln>
             <a:extLst>
               <a:ext uri="{91240B29-F687-4f45-9708-019B960494DF}">
-                <a14:hiddenLine xmlns="" xmlns:a14="http://schemas.microsoft.com/office/drawing/2010/main" w="9525">
+                <a14:hiddenLine xmlns:a14="http://schemas.microsoft.com/office/drawing/2010/main" xmlns="" w="9525">
                   <a:solidFill>
                     <a:srgbClr val="000000"/>
                   </a:solidFill>
@@ -3412,7 +3412,7 @@
             </a:ln>
             <a:extLst>
               <a:ext uri="{91240B29-F687-4f45-9708-019B960494DF}">
-                <a14:hiddenLine xmlns="" xmlns:a14="http://schemas.microsoft.com/office/drawing/2010/main" w="9525">
+                <a14:hiddenLine xmlns:a14="http://schemas.microsoft.com/office/drawing/2010/main" xmlns="" w="9525">
                   <a:solidFill>
                     <a:srgbClr val="000000"/>
                   </a:solidFill>
@@ -3474,7 +3474,7 @@
             </a:ln>
             <a:extLst>
               <a:ext uri="{91240B29-F687-4f45-9708-019B960494DF}">
-                <a14:hiddenLine xmlns="" xmlns:a14="http://schemas.microsoft.com/office/drawing/2010/main" w="9525">
+                <a14:hiddenLine xmlns:a14="http://schemas.microsoft.com/office/drawing/2010/main" xmlns="" w="9525">
                   <a:solidFill>
                     <a:srgbClr val="000000"/>
                   </a:solidFill>
@@ -3564,7 +3564,7 @@
             </a:ln>
             <a:extLst>
               <a:ext uri="{91240B29-F687-4f45-9708-019B960494DF}">
-                <a14:hiddenLine xmlns="" xmlns:a14="http://schemas.microsoft.com/office/drawing/2010/main" w="9525">
+                <a14:hiddenLine xmlns:a14="http://schemas.microsoft.com/office/drawing/2010/main" xmlns="" w="9525">
                   <a:solidFill>
                     <a:srgbClr val="000000"/>
                   </a:solidFill>
@@ -3626,7 +3626,7 @@
             </a:ln>
             <a:extLst>
               <a:ext uri="{91240B29-F687-4f45-9708-019B960494DF}">
-                <a14:hiddenLine xmlns="" xmlns:a14="http://schemas.microsoft.com/office/drawing/2010/main" w="9525">
+                <a14:hiddenLine xmlns:a14="http://schemas.microsoft.com/office/drawing/2010/main" xmlns="" w="9525">
                   <a:solidFill>
                     <a:srgbClr val="000000"/>
                   </a:solidFill>
@@ -3716,7 +3716,7 @@
             </a:ln>
             <a:extLst>
               <a:ext uri="{91240B29-F687-4f45-9708-019B960494DF}">
-                <a14:hiddenLine xmlns="" xmlns:a14="http://schemas.microsoft.com/office/drawing/2010/main" w="9525">
+                <a14:hiddenLine xmlns:a14="http://schemas.microsoft.com/office/drawing/2010/main" xmlns="" w="9525">
                   <a:solidFill>
                     <a:srgbClr val="000000"/>
                   </a:solidFill>
@@ -3750,7 +3750,7 @@
             </a:ln>
             <a:extLst>
               <a:ext uri="{91240B29-F687-4f45-9708-019B960494DF}">
-                <a14:hiddenLine xmlns="" xmlns:a14="http://schemas.microsoft.com/office/drawing/2010/main" w="9525">
+                <a14:hiddenLine xmlns:a14="http://schemas.microsoft.com/office/drawing/2010/main" xmlns="" w="9525">
                   <a:solidFill>
                     <a:srgbClr val="000000"/>
                   </a:solidFill>
@@ -3815,7 +3815,7 @@
             </a:ln>
             <a:extLst>
               <a:ext uri="{91240B29-F687-4f45-9708-019B960494DF}">
-                <a14:hiddenLine xmlns="" xmlns:a14="http://schemas.microsoft.com/office/drawing/2010/main" w="9525">
+                <a14:hiddenLine xmlns:a14="http://schemas.microsoft.com/office/drawing/2010/main" xmlns="" w="9525">
                   <a:solidFill>
                     <a:srgbClr val="000000"/>
                   </a:solidFill>
@@ -3905,7 +3905,7 @@
             </a:ln>
             <a:extLst>
               <a:ext uri="{91240B29-F687-4f45-9708-019B960494DF}">
-                <a14:hiddenLine xmlns="" xmlns:a14="http://schemas.microsoft.com/office/drawing/2010/main" w="9525">
+                <a14:hiddenLine xmlns:a14="http://schemas.microsoft.com/office/drawing/2010/main" xmlns="" w="9525">
                   <a:solidFill>
                     <a:srgbClr val="000000"/>
                   </a:solidFill>
@@ -3967,7 +3967,7 @@
             </a:ln>
             <a:extLst>
               <a:ext uri="{91240B29-F687-4f45-9708-019B960494DF}">
-                <a14:hiddenLine xmlns="" xmlns:a14="http://schemas.microsoft.com/office/drawing/2010/main" w="9525">
+                <a14:hiddenLine xmlns:a14="http://schemas.microsoft.com/office/drawing/2010/main" xmlns="" w="9525">
                   <a:solidFill>
                     <a:srgbClr val="000000"/>
                   </a:solidFill>
@@ -4057,7 +4057,7 @@
             </a:ln>
             <a:extLst>
               <a:ext uri="{91240B29-F687-4f45-9708-019B960494DF}">
-                <a14:hiddenLine xmlns="" xmlns:a14="http://schemas.microsoft.com/office/drawing/2010/main" w="9525">
+                <a14:hiddenLine xmlns:a14="http://schemas.microsoft.com/office/drawing/2010/main" xmlns="" w="9525">
                   <a:solidFill>
                     <a:srgbClr val="000000"/>
                   </a:solidFill>
@@ -4147,7 +4147,7 @@
             </a:ln>
             <a:extLst>
               <a:ext uri="{91240B29-F687-4f45-9708-019B960494DF}">
-                <a14:hiddenLine xmlns="" xmlns:a14="http://schemas.microsoft.com/office/drawing/2010/main" w="9525">
+                <a14:hiddenLine xmlns:a14="http://schemas.microsoft.com/office/drawing/2010/main" xmlns="" w="9525">
                   <a:solidFill>
                     <a:srgbClr val="000000"/>
                   </a:solidFill>
@@ -4212,7 +4212,7 @@
             </a:ln>
             <a:extLst>
               <a:ext uri="{91240B29-F687-4f45-9708-019B960494DF}">
-                <a14:hiddenLine xmlns="" xmlns:a14="http://schemas.microsoft.com/office/drawing/2010/main" w="9525">
+                <a14:hiddenLine xmlns:a14="http://schemas.microsoft.com/office/drawing/2010/main" xmlns="" w="9525">
                   <a:solidFill>
                     <a:srgbClr val="000000"/>
                   </a:solidFill>
@@ -4274,7 +4274,7 @@
             </a:ln>
             <a:extLst>
               <a:ext uri="{91240B29-F687-4f45-9708-019B960494DF}">
-                <a14:hiddenLine xmlns="" xmlns:a14="http://schemas.microsoft.com/office/drawing/2010/main" w="9525">
+                <a14:hiddenLine xmlns:a14="http://schemas.microsoft.com/office/drawing/2010/main" xmlns="" w="9525">
                   <a:solidFill>
                     <a:srgbClr val="000000"/>
                   </a:solidFill>
@@ -4364,7 +4364,7 @@
             </a:ln>
             <a:extLst>
               <a:ext uri="{91240B29-F687-4f45-9708-019B960494DF}">
-                <a14:hiddenLine xmlns="" xmlns:a14="http://schemas.microsoft.com/office/drawing/2010/main" w="9525">
+                <a14:hiddenLine xmlns:a14="http://schemas.microsoft.com/office/drawing/2010/main" xmlns="" w="9525">
                   <a:solidFill>
                     <a:srgbClr val="000000"/>
                   </a:solidFill>
@@ -4454,7 +4454,7 @@
             </a:ln>
             <a:extLst>
               <a:ext uri="{91240B29-F687-4f45-9708-019B960494DF}">
-                <a14:hiddenLine xmlns="" xmlns:a14="http://schemas.microsoft.com/office/drawing/2010/main" w="9525">
+                <a14:hiddenLine xmlns:a14="http://schemas.microsoft.com/office/drawing/2010/main" xmlns="" w="9525">
                   <a:solidFill>
                     <a:srgbClr val="000000"/>
                   </a:solidFill>
@@ -4516,7 +4516,7 @@
             </a:ln>
             <a:extLst>
               <a:ext uri="{91240B29-F687-4f45-9708-019B960494DF}">
-                <a14:hiddenLine xmlns="" xmlns:a14="http://schemas.microsoft.com/office/drawing/2010/main" w="9525">
+                <a14:hiddenLine xmlns:a14="http://schemas.microsoft.com/office/drawing/2010/main" xmlns="" w="9525">
                   <a:solidFill>
                     <a:srgbClr val="000000"/>
                   </a:solidFill>
@@ -4636,7 +4636,7 @@
             </a:ln>
             <a:extLst>
               <a:ext uri="{91240B29-F687-4f45-9708-019B960494DF}">
-                <a14:hiddenLine xmlns="" xmlns:a14="http://schemas.microsoft.com/office/drawing/2010/main" w="9525">
+                <a14:hiddenLine xmlns:a14="http://schemas.microsoft.com/office/drawing/2010/main" xmlns="" w="9525">
                   <a:solidFill>
                     <a:srgbClr val="000000"/>
                   </a:solidFill>
@@ -4704,7 +4704,7 @@
             </a:ln>
             <a:extLst>
               <a:ext uri="{91240B29-F687-4f45-9708-019B960494DF}">
-                <a14:hiddenLine xmlns="" xmlns:a14="http://schemas.microsoft.com/office/drawing/2010/main" w="9525">
+                <a14:hiddenLine xmlns:a14="http://schemas.microsoft.com/office/drawing/2010/main" xmlns="" w="9525">
                   <a:solidFill>
                     <a:srgbClr val="000000"/>
                   </a:solidFill>
@@ -4794,7 +4794,7 @@
             </a:ln>
             <a:extLst>
               <a:ext uri="{91240B29-F687-4f45-9708-019B960494DF}">
-                <a14:hiddenLine xmlns="" xmlns:a14="http://schemas.microsoft.com/office/drawing/2010/main" w="9525">
+                <a14:hiddenLine xmlns:a14="http://schemas.microsoft.com/office/drawing/2010/main" xmlns="" w="9525">
                   <a:solidFill>
                     <a:srgbClr val="000000"/>
                   </a:solidFill>
@@ -11899,7 +11899,7 @@
           <a:noFill/>
           <a:extLst>
             <a:ext uri="{909E8E84-426E-40dd-AFC4-6F175D3DCCD1}">
-              <a14:hiddenFill xmlns="" xmlns:a14="http://schemas.microsoft.com/office/drawing/2010/main">
+              <a14:hiddenFill xmlns:a14="http://schemas.microsoft.com/office/drawing/2010/main" xmlns="">
                 <a:solidFill>
                   <a:srgbClr val="FFFFFF"/>
                 </a:solidFill>
@@ -11973,7 +11973,7 @@
               </a:ln>
               <a:extLst>
                 <a:ext uri="{91240B29-F687-4f45-9708-019B960494DF}">
-                  <a14:hiddenLine xmlns="" xmlns:a14="http://schemas.microsoft.com/office/drawing/2010/main" w="9525">
+                  <a14:hiddenLine xmlns:a14="http://schemas.microsoft.com/office/drawing/2010/main" xmlns="" w="9525">
                     <a:solidFill>
                       <a:srgbClr val="000000"/>
                     </a:solidFill>
@@ -12063,7 +12063,7 @@
               </a:ln>
               <a:extLst>
                 <a:ext uri="{91240B29-F687-4f45-9708-019B960494DF}">
-                  <a14:hiddenLine xmlns="" xmlns:a14="http://schemas.microsoft.com/office/drawing/2010/main" w="9525">
+                  <a14:hiddenLine xmlns:a14="http://schemas.microsoft.com/office/drawing/2010/main" xmlns="" w="9525">
                     <a:solidFill>
                       <a:srgbClr val="000000"/>
                     </a:solidFill>
@@ -12153,7 +12153,7 @@
               </a:ln>
               <a:extLst>
                 <a:ext uri="{91240B29-F687-4f45-9708-019B960494DF}">
-                  <a14:hiddenLine xmlns="" xmlns:a14="http://schemas.microsoft.com/office/drawing/2010/main" w="9525">
+                  <a14:hiddenLine xmlns:a14="http://schemas.microsoft.com/office/drawing/2010/main" xmlns="" w="9525">
                     <a:solidFill>
                       <a:srgbClr val="000000"/>
                     </a:solidFill>
@@ -12215,7 +12215,7 @@
               </a:ln>
               <a:extLst>
                 <a:ext uri="{91240B29-F687-4f45-9708-019B960494DF}">
-                  <a14:hiddenLine xmlns="" xmlns:a14="http://schemas.microsoft.com/office/drawing/2010/main" w="9525">
+                  <a14:hiddenLine xmlns:a14="http://schemas.microsoft.com/office/drawing/2010/main" xmlns="" w="9525">
                     <a:solidFill>
                       <a:srgbClr val="000000"/>
                     </a:solidFill>
@@ -12305,7 +12305,7 @@
               </a:ln>
               <a:extLst>
                 <a:ext uri="{91240B29-F687-4f45-9708-019B960494DF}">
-                  <a14:hiddenLine xmlns="" xmlns:a14="http://schemas.microsoft.com/office/drawing/2010/main" w="9525">
+                  <a14:hiddenLine xmlns:a14="http://schemas.microsoft.com/office/drawing/2010/main" xmlns="" w="9525">
                     <a:solidFill>
                       <a:srgbClr val="000000"/>
                     </a:solidFill>
@@ -12367,7 +12367,7 @@
               </a:ln>
               <a:extLst>
                 <a:ext uri="{91240B29-F687-4f45-9708-019B960494DF}">
-                  <a14:hiddenLine xmlns="" xmlns:a14="http://schemas.microsoft.com/office/drawing/2010/main" w="9525">
+                  <a14:hiddenLine xmlns:a14="http://schemas.microsoft.com/office/drawing/2010/main" xmlns="" w="9525">
                     <a:solidFill>
                       <a:srgbClr val="000000"/>
                     </a:solidFill>
@@ -12429,7 +12429,7 @@
               </a:ln>
               <a:extLst>
                 <a:ext uri="{91240B29-F687-4f45-9708-019B960494DF}">
-                  <a14:hiddenLine xmlns="" xmlns:a14="http://schemas.microsoft.com/office/drawing/2010/main" w="9525">
+                  <a14:hiddenLine xmlns:a14="http://schemas.microsoft.com/office/drawing/2010/main" xmlns="" w="9525">
                     <a:solidFill>
                       <a:srgbClr val="000000"/>
                     </a:solidFill>
@@ -12519,7 +12519,7 @@
               </a:ln>
               <a:extLst>
                 <a:ext uri="{91240B29-F687-4f45-9708-019B960494DF}">
-                  <a14:hiddenLine xmlns="" xmlns:a14="http://schemas.microsoft.com/office/drawing/2010/main" w="9525">
+                  <a14:hiddenLine xmlns:a14="http://schemas.microsoft.com/office/drawing/2010/main" xmlns="" w="9525">
                     <a:solidFill>
                       <a:srgbClr val="000000"/>
                     </a:solidFill>
@@ -12609,7 +12609,7 @@
               </a:ln>
               <a:extLst>
                 <a:ext uri="{91240B29-F687-4f45-9708-019B960494DF}">
-                  <a14:hiddenLine xmlns="" xmlns:a14="http://schemas.microsoft.com/office/drawing/2010/main" w="9525">
+                  <a14:hiddenLine xmlns:a14="http://schemas.microsoft.com/office/drawing/2010/main" xmlns="" w="9525">
                     <a:solidFill>
                       <a:srgbClr val="000000"/>
                     </a:solidFill>
@@ -12671,7 +12671,7 @@
               </a:ln>
               <a:extLst>
                 <a:ext uri="{91240B29-F687-4f45-9708-019B960494DF}">
-                  <a14:hiddenLine xmlns="" xmlns:a14="http://schemas.microsoft.com/office/drawing/2010/main" w="9525">
+                  <a14:hiddenLine xmlns:a14="http://schemas.microsoft.com/office/drawing/2010/main" xmlns="" w="9525">
                     <a:solidFill>
                       <a:srgbClr val="000000"/>
                     </a:solidFill>
@@ -12781,7 +12781,7 @@
               </a:ln>
               <a:extLst>
                 <a:ext uri="{91240B29-F687-4f45-9708-019B960494DF}">
-                  <a14:hiddenLine xmlns="" xmlns:a14="http://schemas.microsoft.com/office/drawing/2010/main" w="9525">
+                  <a14:hiddenLine xmlns:a14="http://schemas.microsoft.com/office/drawing/2010/main" xmlns="" w="9525">
                     <a:solidFill>
                       <a:srgbClr val="000000"/>
                     </a:solidFill>
@@ -12865,7 +12865,7 @@
               </a:ln>
               <a:extLst>
                 <a:ext uri="{91240B29-F687-4f45-9708-019B960494DF}">
-                  <a14:hiddenLine xmlns="" xmlns:a14="http://schemas.microsoft.com/office/drawing/2010/main" w="9525">
+                  <a14:hiddenLine xmlns:a14="http://schemas.microsoft.com/office/drawing/2010/main" xmlns="" w="9525">
                     <a:solidFill>
                       <a:srgbClr val="000000"/>
                     </a:solidFill>
@@ -12927,7 +12927,7 @@
               </a:ln>
               <a:extLst>
                 <a:ext uri="{91240B29-F687-4f45-9708-019B960494DF}">
-                  <a14:hiddenLine xmlns="" xmlns:a14="http://schemas.microsoft.com/office/drawing/2010/main" w="9525">
+                  <a14:hiddenLine xmlns:a14="http://schemas.microsoft.com/office/drawing/2010/main" xmlns="" w="9525">
                     <a:solidFill>
                       <a:srgbClr val="000000"/>
                     </a:solidFill>
@@ -12989,7 +12989,7 @@
               </a:ln>
               <a:extLst>
                 <a:ext uri="{91240B29-F687-4f45-9708-019B960494DF}">
-                  <a14:hiddenLine xmlns="" xmlns:a14="http://schemas.microsoft.com/office/drawing/2010/main" w="9525">
+                  <a14:hiddenLine xmlns:a14="http://schemas.microsoft.com/office/drawing/2010/main" xmlns="" w="9525">
                     <a:solidFill>
                       <a:srgbClr val="000000"/>
                     </a:solidFill>
@@ -13079,7 +13079,7 @@
               </a:ln>
               <a:extLst>
                 <a:ext uri="{91240B29-F687-4f45-9708-019B960494DF}">
-                  <a14:hiddenLine xmlns="" xmlns:a14="http://schemas.microsoft.com/office/drawing/2010/main" w="9525">
+                  <a14:hiddenLine xmlns:a14="http://schemas.microsoft.com/office/drawing/2010/main" xmlns="" w="9525">
                     <a:solidFill>
                       <a:srgbClr val="000000"/>
                     </a:solidFill>
@@ -13113,7 +13113,7 @@
               </a:ln>
               <a:extLst>
                 <a:ext uri="{91240B29-F687-4f45-9708-019B960494DF}">
-                  <a14:hiddenLine xmlns="" xmlns:a14="http://schemas.microsoft.com/office/drawing/2010/main" w="9525">
+                  <a14:hiddenLine xmlns:a14="http://schemas.microsoft.com/office/drawing/2010/main" xmlns="" w="9525">
                     <a:solidFill>
                       <a:srgbClr val="000000"/>
                     </a:solidFill>
@@ -13178,7 +13178,7 @@
               </a:ln>
               <a:extLst>
                 <a:ext uri="{91240B29-F687-4f45-9708-019B960494DF}">
-                  <a14:hiddenLine xmlns="" xmlns:a14="http://schemas.microsoft.com/office/drawing/2010/main" w="9525">
+                  <a14:hiddenLine xmlns:a14="http://schemas.microsoft.com/office/drawing/2010/main" xmlns="" w="9525">
                     <a:solidFill>
                       <a:srgbClr val="000000"/>
                     </a:solidFill>
@@ -13268,7 +13268,7 @@
               </a:ln>
               <a:extLst>
                 <a:ext uri="{91240B29-F687-4f45-9708-019B960494DF}">
-                  <a14:hiddenLine xmlns="" xmlns:a14="http://schemas.microsoft.com/office/drawing/2010/main" w="9525">
+                  <a14:hiddenLine xmlns:a14="http://schemas.microsoft.com/office/drawing/2010/main" xmlns="" w="9525">
                     <a:solidFill>
                       <a:srgbClr val="000000"/>
                     </a:solidFill>
@@ -13330,7 +13330,7 @@
               </a:ln>
               <a:extLst>
                 <a:ext uri="{91240B29-F687-4f45-9708-019B960494DF}">
-                  <a14:hiddenLine xmlns="" xmlns:a14="http://schemas.microsoft.com/office/drawing/2010/main" w="9525">
+                  <a14:hiddenLine xmlns:a14="http://schemas.microsoft.com/office/drawing/2010/main" xmlns="" w="9525">
                     <a:solidFill>
                       <a:srgbClr val="000000"/>
                     </a:solidFill>
@@ -13420,7 +13420,7 @@
               </a:ln>
               <a:extLst>
                 <a:ext uri="{91240B29-F687-4f45-9708-019B960494DF}">
-                  <a14:hiddenLine xmlns="" xmlns:a14="http://schemas.microsoft.com/office/drawing/2010/main" w="9525">
+                  <a14:hiddenLine xmlns:a14="http://schemas.microsoft.com/office/drawing/2010/main" xmlns="" w="9525">
                     <a:solidFill>
                       <a:srgbClr val="000000"/>
                     </a:solidFill>
@@ -13485,7 +13485,7 @@
               </a:ln>
               <a:extLst>
                 <a:ext uri="{91240B29-F687-4f45-9708-019B960494DF}">
-                  <a14:hiddenLine xmlns="" xmlns:a14="http://schemas.microsoft.com/office/drawing/2010/main" w="9525">
+                  <a14:hiddenLine xmlns:a14="http://schemas.microsoft.com/office/drawing/2010/main" xmlns="" w="9525">
                     <a:solidFill>
                       <a:srgbClr val="000000"/>
                     </a:solidFill>
@@ -13547,7 +13547,7 @@
               </a:ln>
               <a:extLst>
                 <a:ext uri="{91240B29-F687-4f45-9708-019B960494DF}">
-                  <a14:hiddenLine xmlns="" xmlns:a14="http://schemas.microsoft.com/office/drawing/2010/main" w="9525">
+                  <a14:hiddenLine xmlns:a14="http://schemas.microsoft.com/office/drawing/2010/main" xmlns="" w="9525">
                     <a:solidFill>
                       <a:srgbClr val="000000"/>
                     </a:solidFill>
@@ -13637,7 +13637,7 @@
               </a:ln>
               <a:extLst>
                 <a:ext uri="{91240B29-F687-4f45-9708-019B960494DF}">
-                  <a14:hiddenLine xmlns="" xmlns:a14="http://schemas.microsoft.com/office/drawing/2010/main" w="9525">
+                  <a14:hiddenLine xmlns:a14="http://schemas.microsoft.com/office/drawing/2010/main" xmlns="" w="9525">
                     <a:solidFill>
                       <a:srgbClr val="000000"/>
                     </a:solidFill>
@@ -13727,7 +13727,7 @@
               </a:ln>
               <a:extLst>
                 <a:ext uri="{91240B29-F687-4f45-9708-019B960494DF}">
-                  <a14:hiddenLine xmlns="" xmlns:a14="http://schemas.microsoft.com/office/drawing/2010/main" w="9525">
+                  <a14:hiddenLine xmlns:a14="http://schemas.microsoft.com/office/drawing/2010/main" xmlns="" w="9525">
                     <a:solidFill>
                       <a:srgbClr val="000000"/>
                     </a:solidFill>
@@ -13792,7 +13792,7 @@
               </a:ln>
               <a:extLst>
                 <a:ext uri="{91240B29-F687-4f45-9708-019B960494DF}">
-                  <a14:hiddenLine xmlns="" xmlns:a14="http://schemas.microsoft.com/office/drawing/2010/main" w="9525">
+                  <a14:hiddenLine xmlns:a14="http://schemas.microsoft.com/office/drawing/2010/main" xmlns="" w="9525">
                     <a:solidFill>
                       <a:srgbClr val="000000"/>
                     </a:solidFill>
@@ -13912,7 +13912,7 @@
               </a:ln>
               <a:extLst>
                 <a:ext uri="{91240B29-F687-4f45-9708-019B960494DF}">
-                  <a14:hiddenLine xmlns="" xmlns:a14="http://schemas.microsoft.com/office/drawing/2010/main" w="9525">
+                  <a14:hiddenLine xmlns:a14="http://schemas.microsoft.com/office/drawing/2010/main" xmlns="" w="9525">
                     <a:solidFill>
                       <a:srgbClr val="000000"/>
                     </a:solidFill>
@@ -14010,7 +14010,7 @@
               </a:ln>
               <a:extLst>
                 <a:ext uri="{91240B29-F687-4f45-9708-019B960494DF}">
-                  <a14:hiddenLine xmlns="" xmlns:a14="http://schemas.microsoft.com/office/drawing/2010/main" w="9525">
+                  <a14:hiddenLine xmlns:a14="http://schemas.microsoft.com/office/drawing/2010/main" xmlns="" w="9525">
                     <a:solidFill>
                       <a:srgbClr val="000000"/>
                     </a:solidFill>
@@ -14125,7 +14125,7 @@
               </a:ln>
               <a:extLst>
                 <a:ext uri="{91240B29-F687-4f45-9708-019B960494DF}">
-                  <a14:hiddenLine xmlns="" xmlns:a14="http://schemas.microsoft.com/office/drawing/2010/main" w="9525">
+                  <a14:hiddenLine xmlns:a14="http://schemas.microsoft.com/office/drawing/2010/main" xmlns="" w="9525">
                     <a:solidFill>
                       <a:srgbClr val="000000"/>
                     </a:solidFill>
@@ -14215,7 +14215,7 @@
               </a:ln>
               <a:extLst>
                 <a:ext uri="{91240B29-F687-4f45-9708-019B960494DF}">
-                  <a14:hiddenLine xmlns="" xmlns:a14="http://schemas.microsoft.com/office/drawing/2010/main" w="9525">
+                  <a14:hiddenLine xmlns:a14="http://schemas.microsoft.com/office/drawing/2010/main" xmlns="" w="9525">
                     <a:solidFill>
                       <a:srgbClr val="000000"/>
                     </a:solidFill>
@@ -14280,7 +14280,7 @@
               </a:ln>
               <a:extLst>
                 <a:ext uri="{91240B29-F687-4f45-9708-019B960494DF}">
-                  <a14:hiddenLine xmlns="" xmlns:a14="http://schemas.microsoft.com/office/drawing/2010/main" w="9525">
+                  <a14:hiddenLine xmlns:a14="http://schemas.microsoft.com/office/drawing/2010/main" xmlns="" w="9525">
                     <a:solidFill>
                       <a:srgbClr val="000000"/>
                     </a:solidFill>
@@ -14370,7 +14370,7 @@
               </a:ln>
               <a:extLst>
                 <a:ext uri="{91240B29-F687-4f45-9708-019B960494DF}">
-                  <a14:hiddenLine xmlns="" xmlns:a14="http://schemas.microsoft.com/office/drawing/2010/main" w="9525">
+                  <a14:hiddenLine xmlns:a14="http://schemas.microsoft.com/office/drawing/2010/main" xmlns="" w="9525">
                     <a:solidFill>
                       <a:srgbClr val="000000"/>
                     </a:solidFill>
@@ -14438,7 +14438,7 @@
               </a:ln>
               <a:extLst>
                 <a:ext uri="{91240B29-F687-4f45-9708-019B960494DF}">
-                  <a14:hiddenLine xmlns="" xmlns:a14="http://schemas.microsoft.com/office/drawing/2010/main" w="9525">
+                  <a14:hiddenLine xmlns:a14="http://schemas.microsoft.com/office/drawing/2010/main" xmlns="" w="9525">
                     <a:solidFill>
                       <a:srgbClr val="000000"/>
                     </a:solidFill>
@@ -14528,7 +14528,7 @@
               </a:ln>
               <a:extLst>
                 <a:ext uri="{91240B29-F687-4f45-9708-019B960494DF}">
-                  <a14:hiddenLine xmlns="" xmlns:a14="http://schemas.microsoft.com/office/drawing/2010/main" w="9525">
+                  <a14:hiddenLine xmlns:a14="http://schemas.microsoft.com/office/drawing/2010/main" xmlns="" w="9525">
                     <a:solidFill>
                       <a:srgbClr val="000000"/>
                     </a:solidFill>
@@ -14596,7 +14596,7 @@
               </a:ln>
               <a:extLst>
                 <a:ext uri="{91240B29-F687-4f45-9708-019B960494DF}">
-                  <a14:hiddenLine xmlns="" xmlns:a14="http://schemas.microsoft.com/office/drawing/2010/main" w="9525">
+                  <a14:hiddenLine xmlns:a14="http://schemas.microsoft.com/office/drawing/2010/main" xmlns="" w="9525">
                     <a:solidFill>
                       <a:srgbClr val="000000"/>
                     </a:solidFill>
@@ -14686,7 +14686,7 @@
               </a:ln>
               <a:extLst>
                 <a:ext uri="{91240B29-F687-4f45-9708-019B960494DF}">
-                  <a14:hiddenLine xmlns="" xmlns:a14="http://schemas.microsoft.com/office/drawing/2010/main" w="9525">
+                  <a14:hiddenLine xmlns:a14="http://schemas.microsoft.com/office/drawing/2010/main" xmlns="" w="9525">
                     <a:solidFill>
                       <a:srgbClr val="000000"/>
                     </a:solidFill>
@@ -14720,7 +14720,7 @@
               </a:ln>
               <a:extLst>
                 <a:ext uri="{91240B29-F687-4f45-9708-019B960494DF}">
-                  <a14:hiddenLine xmlns="" xmlns:a14="http://schemas.microsoft.com/office/drawing/2010/main" w="9525">
+                  <a14:hiddenLine xmlns:a14="http://schemas.microsoft.com/office/drawing/2010/main" xmlns="" w="9525">
                     <a:solidFill>
                       <a:srgbClr val="000000"/>
                     </a:solidFill>
